--- a/Performance_Testing/Google Cloud Performance Test and SGE install .pptx
+++ b/Performance_Testing/Google Cloud Performance Test and SGE install .pptx
@@ -4,6 +4,12 @@
   <p:sldMasterIdLst>
     <p:sldMasterId id="2147483648" r:id="rId1"/>
   </p:sldMasterIdLst>
+  <p:notesMasterIdLst>
+    <p:notesMasterId r:id="rId19"/>
+  </p:notesMasterIdLst>
+  <p:handoutMasterIdLst>
+    <p:handoutMasterId r:id="rId20"/>
+  </p:handoutMasterIdLst>
   <p:sldIdLst>
     <p:sldId id="256" r:id="rId2"/>
     <p:sldId id="273" r:id="rId3"/>
@@ -264,7 +270,7 @@
                 <c:formatCode>General</c:formatCode>
                 <c:ptCount val="3"/>
                 <c:pt idx="0">
-                  <c:v>37.31433333333333</c:v>
+                  <c:v>37.31433333333332</c:v>
                 </c:pt>
                 <c:pt idx="1">
                   <c:v>391.8926666666666</c:v>
@@ -287,11 +293,11 @@
         </c:dLbls>
         <c:marker val="1"/>
         <c:smooth val="0"/>
-        <c:axId val="1873071896"/>
-        <c:axId val="1879914792"/>
+        <c:axId val="1889233704"/>
+        <c:axId val="1889236968"/>
       </c:lineChart>
       <c:dateAx>
-        <c:axId val="1873071896"/>
+        <c:axId val="1889233704"/>
         <c:scaling>
           <c:orientation val="minMax"/>
         </c:scaling>
@@ -301,14 +307,14 @@
         <c:majorTickMark val="out"/>
         <c:minorTickMark val="none"/>
         <c:tickLblPos val="nextTo"/>
-        <c:crossAx val="1879914792"/>
+        <c:crossAx val="1889236968"/>
         <c:crosses val="autoZero"/>
         <c:auto val="0"/>
         <c:lblOffset val="100"/>
         <c:baseTimeUnit val="days"/>
       </c:dateAx>
       <c:valAx>
-        <c:axId val="1879914792"/>
+        <c:axId val="1889236968"/>
         <c:scaling>
           <c:orientation val="minMax"/>
         </c:scaling>
@@ -319,7 +325,7 @@
         <c:majorTickMark val="out"/>
         <c:minorTickMark val="none"/>
         <c:tickLblPos val="nextTo"/>
-        <c:crossAx val="1873071896"/>
+        <c:crossAx val="1889233704"/>
         <c:crosses val="autoZero"/>
         <c:crossBetween val="between"/>
       </c:valAx>
@@ -446,7 +452,7 @@
                   <c:v>546.7485333333332</c:v>
                 </c:pt>
                 <c:pt idx="2">
-                  <c:v>2811.167666666667</c:v>
+                  <c:v>2811.167666666666</c:v>
                 </c:pt>
               </c:numCache>
             </c:numRef>
@@ -516,11 +522,11 @@
         </c:dLbls>
         <c:marker val="1"/>
         <c:smooth val="0"/>
-        <c:axId val="1873786408"/>
-        <c:axId val="1873787704"/>
+        <c:axId val="1889503672"/>
+        <c:axId val="1889477112"/>
       </c:lineChart>
       <c:dateAx>
-        <c:axId val="1873786408"/>
+        <c:axId val="1889503672"/>
         <c:scaling>
           <c:orientation val="minMax"/>
         </c:scaling>
@@ -561,14 +567,14 @@
         <c:majorTickMark val="out"/>
         <c:minorTickMark val="in"/>
         <c:tickLblPos val="nextTo"/>
-        <c:crossAx val="1873787704"/>
+        <c:crossAx val="1889477112"/>
         <c:crosses val="autoZero"/>
         <c:auto val="0"/>
         <c:lblOffset val="100"/>
         <c:baseTimeUnit val="days"/>
       </c:dateAx>
       <c:valAx>
-        <c:axId val="1873787704"/>
+        <c:axId val="1889477112"/>
         <c:scaling>
           <c:orientation val="minMax"/>
         </c:scaling>
@@ -605,7 +611,7 @@
         <c:majorTickMark val="out"/>
         <c:minorTickMark val="none"/>
         <c:tickLblPos val="nextTo"/>
-        <c:crossAx val="1873786408"/>
+        <c:crossAx val="1889503672"/>
         <c:crosses val="autoZero"/>
         <c:crossBetween val="between"/>
       </c:valAx>
@@ -708,7 +714,7 @@
                   <c:v>410.9336666666666</c:v>
                 </c:pt>
                 <c:pt idx="1">
-                  <c:v>4060.937333333333</c:v>
+                  <c:v>4060.937333333334</c:v>
                 </c:pt>
                 <c:pt idx="2">
                   <c:v>11393.45</c:v>
@@ -781,11 +787,11 @@
         </c:dLbls>
         <c:marker val="1"/>
         <c:smooth val="0"/>
-        <c:axId val="1823455272"/>
-        <c:axId val="1823078104"/>
+        <c:axId val="1798314200"/>
+        <c:axId val="1869125960"/>
       </c:lineChart>
       <c:dateAx>
-        <c:axId val="1823455272"/>
+        <c:axId val="1798314200"/>
         <c:scaling>
           <c:orientation val="minMax"/>
         </c:scaling>
@@ -795,14 +801,14 @@
         <c:majorTickMark val="out"/>
         <c:minorTickMark val="none"/>
         <c:tickLblPos val="nextTo"/>
-        <c:crossAx val="1823078104"/>
+        <c:crossAx val="1869125960"/>
         <c:crosses val="autoZero"/>
         <c:auto val="0"/>
         <c:lblOffset val="100"/>
         <c:baseTimeUnit val="days"/>
       </c:dateAx>
       <c:valAx>
-        <c:axId val="1823078104"/>
+        <c:axId val="1869125960"/>
         <c:scaling>
           <c:orientation val="minMax"/>
         </c:scaling>
@@ -813,7 +819,7 @@
         <c:majorTickMark val="out"/>
         <c:minorTickMark val="none"/>
         <c:tickLblPos val="nextTo"/>
-        <c:crossAx val="1823455272"/>
+        <c:crossAx val="1798314200"/>
         <c:crosses val="autoZero"/>
         <c:crossBetween val="between"/>
       </c:valAx>
@@ -955,7 +961,7 @@
                 <c:formatCode>General</c:formatCode>
                 <c:ptCount val="3"/>
                 <c:pt idx="0">
-                  <c:v>74.09633333333333</c:v>
+                  <c:v>74.09633333333332</c:v>
                 </c:pt>
                 <c:pt idx="1">
                   <c:v>740.563</c:v>
@@ -979,11 +985,11 @@
         </c:dLbls>
         <c:marker val="1"/>
         <c:smooth val="0"/>
-        <c:axId val="1822143128"/>
-        <c:axId val="1822371288"/>
+        <c:axId val="1869223048"/>
+        <c:axId val="1888943752"/>
       </c:lineChart>
       <c:dateAx>
-        <c:axId val="1822143128"/>
+        <c:axId val="1869223048"/>
         <c:scaling>
           <c:orientation val="minMax"/>
         </c:scaling>
@@ -993,14 +999,14 @@
         <c:majorTickMark val="out"/>
         <c:minorTickMark val="none"/>
         <c:tickLblPos val="nextTo"/>
-        <c:crossAx val="1822371288"/>
+        <c:crossAx val="1888943752"/>
         <c:crosses val="autoZero"/>
         <c:auto val="0"/>
         <c:lblOffset val="100"/>
         <c:baseTimeUnit val="days"/>
       </c:dateAx>
       <c:valAx>
-        <c:axId val="1822371288"/>
+        <c:axId val="1888943752"/>
         <c:scaling>
           <c:orientation val="minMax"/>
         </c:scaling>
@@ -1011,7 +1017,7 @@
         <c:majorTickMark val="out"/>
         <c:minorTickMark val="none"/>
         <c:tickLblPos val="nextTo"/>
-        <c:crossAx val="1822143128"/>
+        <c:crossAx val="1869223048"/>
         <c:crosses val="autoZero"/>
         <c:crossBetween val="between"/>
       </c:valAx>
@@ -1167,11 +1173,11 @@
         </c:dLbls>
         <c:marker val="1"/>
         <c:smooth val="0"/>
-        <c:axId val="1878743704"/>
-        <c:axId val="1884153992"/>
+        <c:axId val="1888788472"/>
+        <c:axId val="1888794776"/>
       </c:lineChart>
       <c:dateAx>
-        <c:axId val="1878743704"/>
+        <c:axId val="1888788472"/>
         <c:scaling>
           <c:orientation val="minMax"/>
         </c:scaling>
@@ -1181,14 +1187,14 @@
         <c:majorTickMark val="out"/>
         <c:minorTickMark val="none"/>
         <c:tickLblPos val="nextTo"/>
-        <c:crossAx val="1884153992"/>
+        <c:crossAx val="1888794776"/>
         <c:crosses val="autoZero"/>
         <c:auto val="0"/>
         <c:lblOffset val="100"/>
         <c:baseTimeUnit val="days"/>
       </c:dateAx>
       <c:valAx>
-        <c:axId val="1884153992"/>
+        <c:axId val="1888794776"/>
         <c:scaling>
           <c:orientation val="minMax"/>
         </c:scaling>
@@ -1199,7 +1205,7 @@
         <c:majorTickMark val="out"/>
         <c:minorTickMark val="none"/>
         <c:tickLblPos val="nextTo"/>
-        <c:crossAx val="1878743704"/>
+        <c:crossAx val="1888788472"/>
         <c:crosses val="autoZero"/>
         <c:crossBetween val="between"/>
       </c:valAx>
@@ -3048,6 +3054,523 @@
     </cdr:sp>
   </cdr:relSizeAnchor>
 </c:userShapes>
+</file>
+
+<file path=ppt/handoutMasters/handoutMaster1.xml><?xml version="1.0" encoding="utf-8"?>
+<p:handoutMaster xmlns:a="http://schemas.openxmlformats.org/drawingml/2006/main" xmlns:r="http://schemas.openxmlformats.org/officeDocument/2006/relationships" xmlns:p="http://schemas.openxmlformats.org/presentationml/2006/main">
+  <p:cSld>
+    <p:bg>
+      <p:bgRef idx="1001">
+        <a:schemeClr val="bg1"/>
+      </p:bgRef>
+    </p:bg>
+    <p:spTree>
+      <p:nvGrpSpPr>
+        <p:cNvPr id="1" name=""/>
+        <p:cNvGrpSpPr/>
+        <p:nvPr/>
+      </p:nvGrpSpPr>
+      <p:grpSpPr>
+        <a:xfrm>
+          <a:off x="0" y="0"/>
+          <a:ext cx="0" cy="0"/>
+          <a:chOff x="0" y="0"/>
+          <a:chExt cx="0" cy="0"/>
+        </a:xfrm>
+      </p:grpSpPr>
+      <p:sp>
+        <p:nvSpPr>
+          <p:cNvPr id="2" name="Header Placeholder 1"/>
+          <p:cNvSpPr>
+            <a:spLocks noGrp="1"/>
+          </p:cNvSpPr>
+          <p:nvPr>
+            <p:ph type="hdr" sz="quarter"/>
+          </p:nvPr>
+        </p:nvSpPr>
+        <p:spPr>
+          <a:xfrm>
+            <a:off x="0" y="0"/>
+            <a:ext cx="2971800" cy="457200"/>
+          </a:xfrm>
+          <a:prstGeom prst="rect">
+            <a:avLst/>
+          </a:prstGeom>
+        </p:spPr>
+        <p:txBody>
+          <a:bodyPr vert="horz" lIns="91440" tIns="45720" rIns="91440" bIns="45720" rtlCol="0"/>
+          <a:lstStyle>
+            <a:lvl1pPr algn="l">
+              <a:defRPr sz="1200"/>
+            </a:lvl1pPr>
+          </a:lstStyle>
+          <a:p>
+            <a:endParaRPr lang="en-US"/>
+          </a:p>
+        </p:txBody>
+      </p:sp>
+      <p:sp>
+        <p:nvSpPr>
+          <p:cNvPr id="3" name="Date Placeholder 2"/>
+          <p:cNvSpPr>
+            <a:spLocks noGrp="1"/>
+          </p:cNvSpPr>
+          <p:nvPr>
+            <p:ph type="dt" sz="quarter" idx="1"/>
+          </p:nvPr>
+        </p:nvSpPr>
+        <p:spPr>
+          <a:xfrm>
+            <a:off x="3884613" y="0"/>
+            <a:ext cx="2971800" cy="457200"/>
+          </a:xfrm>
+          <a:prstGeom prst="rect">
+            <a:avLst/>
+          </a:prstGeom>
+        </p:spPr>
+        <p:txBody>
+          <a:bodyPr vert="horz" lIns="91440" tIns="45720" rIns="91440" bIns="45720" rtlCol="0"/>
+          <a:lstStyle>
+            <a:lvl1pPr algn="r">
+              <a:defRPr sz="1200"/>
+            </a:lvl1pPr>
+          </a:lstStyle>
+          <a:p>
+            <a:fld id="{053E970B-5207-DC45-8AC6-D7CABDD4DE13}" type="datetimeFigureOut">
+              <a:rPr lang="en-US" smtClean="0"/>
+              <a:t>13-02-15</a:t>
+            </a:fld>
+            <a:endParaRPr lang="en-US"/>
+          </a:p>
+        </p:txBody>
+      </p:sp>
+      <p:sp>
+        <p:nvSpPr>
+          <p:cNvPr id="4" name="Footer Placeholder 3"/>
+          <p:cNvSpPr>
+            <a:spLocks noGrp="1"/>
+          </p:cNvSpPr>
+          <p:nvPr>
+            <p:ph type="ftr" sz="quarter" idx="2"/>
+          </p:nvPr>
+        </p:nvSpPr>
+        <p:spPr>
+          <a:xfrm>
+            <a:off x="0" y="8685213"/>
+            <a:ext cx="2971800" cy="457200"/>
+          </a:xfrm>
+          <a:prstGeom prst="rect">
+            <a:avLst/>
+          </a:prstGeom>
+        </p:spPr>
+        <p:txBody>
+          <a:bodyPr vert="horz" lIns="91440" tIns="45720" rIns="91440" bIns="45720" rtlCol="0" anchor="b"/>
+          <a:lstStyle>
+            <a:lvl1pPr algn="l">
+              <a:defRPr sz="1200"/>
+            </a:lvl1pPr>
+          </a:lstStyle>
+          <a:p>
+            <a:endParaRPr lang="en-US"/>
+          </a:p>
+        </p:txBody>
+      </p:sp>
+      <p:sp>
+        <p:nvSpPr>
+          <p:cNvPr id="5" name="Slide Number Placeholder 4"/>
+          <p:cNvSpPr>
+            <a:spLocks noGrp="1"/>
+          </p:cNvSpPr>
+          <p:nvPr>
+            <p:ph type="sldNum" sz="quarter" idx="3"/>
+          </p:nvPr>
+        </p:nvSpPr>
+        <p:spPr>
+          <a:xfrm>
+            <a:off x="3884613" y="8685213"/>
+            <a:ext cx="2971800" cy="457200"/>
+          </a:xfrm>
+          <a:prstGeom prst="rect">
+            <a:avLst/>
+          </a:prstGeom>
+        </p:spPr>
+        <p:txBody>
+          <a:bodyPr vert="horz" lIns="91440" tIns="45720" rIns="91440" bIns="45720" rtlCol="0" anchor="b"/>
+          <a:lstStyle>
+            <a:lvl1pPr algn="r">
+              <a:defRPr sz="1200"/>
+            </a:lvl1pPr>
+          </a:lstStyle>
+          <a:p>
+            <a:fld id="{30D38A4A-AF00-7542-B823-FC30B2DAB2C6}" type="slidenum">
+              <a:rPr lang="en-US" smtClean="0"/>
+              <a:t>‹#›</a:t>
+            </a:fld>
+            <a:endParaRPr lang="en-US"/>
+          </a:p>
+        </p:txBody>
+      </p:sp>
+    </p:spTree>
+    <p:extLst>
+      <p:ext uri="{BB962C8B-B14F-4D97-AF65-F5344CB8AC3E}">
+        <p14:creationId xmlns:p14="http://schemas.microsoft.com/office/powerpoint/2010/main" val="1353326871"/>
+      </p:ext>
+    </p:extLst>
+  </p:cSld>
+  <p:clrMap bg1="lt1" tx1="dk1" bg2="lt2" tx2="dk2" accent1="accent1" accent2="accent2" accent3="accent3" accent4="accent4" accent5="accent5" accent6="accent6" hlink="hlink" folHlink="folHlink"/>
+  <p:hf hdr="0" ftr="0" dt="0"/>
+</p:handoutMaster>
+</file>
+
+<file path=ppt/notesMasters/notesMaster1.xml><?xml version="1.0" encoding="utf-8"?>
+<p:notesMaster xmlns:a="http://schemas.openxmlformats.org/drawingml/2006/main" xmlns:r="http://schemas.openxmlformats.org/officeDocument/2006/relationships" xmlns:p="http://schemas.openxmlformats.org/presentationml/2006/main">
+  <p:cSld>
+    <p:bg>
+      <p:bgRef idx="1001">
+        <a:schemeClr val="bg1"/>
+      </p:bgRef>
+    </p:bg>
+    <p:spTree>
+      <p:nvGrpSpPr>
+        <p:cNvPr id="1" name=""/>
+        <p:cNvGrpSpPr/>
+        <p:nvPr/>
+      </p:nvGrpSpPr>
+      <p:grpSpPr>
+        <a:xfrm>
+          <a:off x="0" y="0"/>
+          <a:ext cx="0" cy="0"/>
+          <a:chOff x="0" y="0"/>
+          <a:chExt cx="0" cy="0"/>
+        </a:xfrm>
+      </p:grpSpPr>
+      <p:sp>
+        <p:nvSpPr>
+          <p:cNvPr id="2" name="Header Placeholder 1"/>
+          <p:cNvSpPr>
+            <a:spLocks noGrp="1"/>
+          </p:cNvSpPr>
+          <p:nvPr>
+            <p:ph type="hdr" sz="quarter"/>
+          </p:nvPr>
+        </p:nvSpPr>
+        <p:spPr>
+          <a:xfrm>
+            <a:off x="0" y="0"/>
+            <a:ext cx="2971800" cy="457200"/>
+          </a:xfrm>
+          <a:prstGeom prst="rect">
+            <a:avLst/>
+          </a:prstGeom>
+        </p:spPr>
+        <p:txBody>
+          <a:bodyPr vert="horz" lIns="91440" tIns="45720" rIns="91440" bIns="45720" rtlCol="0"/>
+          <a:lstStyle>
+            <a:lvl1pPr algn="l">
+              <a:defRPr sz="1200"/>
+            </a:lvl1pPr>
+          </a:lstStyle>
+          <a:p>
+            <a:endParaRPr lang="en-US"/>
+          </a:p>
+        </p:txBody>
+      </p:sp>
+      <p:sp>
+        <p:nvSpPr>
+          <p:cNvPr id="3" name="Date Placeholder 2"/>
+          <p:cNvSpPr>
+            <a:spLocks noGrp="1"/>
+          </p:cNvSpPr>
+          <p:nvPr>
+            <p:ph type="dt" idx="1"/>
+          </p:nvPr>
+        </p:nvSpPr>
+        <p:spPr>
+          <a:xfrm>
+            <a:off x="3884613" y="0"/>
+            <a:ext cx="2971800" cy="457200"/>
+          </a:xfrm>
+          <a:prstGeom prst="rect">
+            <a:avLst/>
+          </a:prstGeom>
+        </p:spPr>
+        <p:txBody>
+          <a:bodyPr vert="horz" lIns="91440" tIns="45720" rIns="91440" bIns="45720" rtlCol="0"/>
+          <a:lstStyle>
+            <a:lvl1pPr algn="r">
+              <a:defRPr sz="1200"/>
+            </a:lvl1pPr>
+          </a:lstStyle>
+          <a:p>
+            <a:fld id="{85F8F577-5549-5244-BD98-F9F06782C630}" type="datetimeFigureOut">
+              <a:rPr lang="en-US" smtClean="0"/>
+              <a:t>13-02-15</a:t>
+            </a:fld>
+            <a:endParaRPr lang="en-US"/>
+          </a:p>
+        </p:txBody>
+      </p:sp>
+      <p:sp>
+        <p:nvSpPr>
+          <p:cNvPr id="4" name="Slide Image Placeholder 3"/>
+          <p:cNvSpPr>
+            <a:spLocks noGrp="1" noRot="1" noChangeAspect="1"/>
+          </p:cNvSpPr>
+          <p:nvPr>
+            <p:ph type="sldImg" idx="2"/>
+          </p:nvPr>
+        </p:nvSpPr>
+        <p:spPr>
+          <a:xfrm>
+            <a:off x="1143000" y="685800"/>
+            <a:ext cx="4572000" cy="3429000"/>
+          </a:xfrm>
+          <a:prstGeom prst="rect">
+            <a:avLst/>
+          </a:prstGeom>
+          <a:noFill/>
+          <a:ln w="12700">
+            <a:solidFill>
+              <a:prstClr val="black"/>
+            </a:solidFill>
+          </a:ln>
+        </p:spPr>
+        <p:txBody>
+          <a:bodyPr vert="horz" lIns="91440" tIns="45720" rIns="91440" bIns="45720" rtlCol="0" anchor="ctr"/>
+          <a:lstStyle/>
+          <a:p>
+            <a:endParaRPr lang="en-US"/>
+          </a:p>
+        </p:txBody>
+      </p:sp>
+      <p:sp>
+        <p:nvSpPr>
+          <p:cNvPr id="5" name="Notes Placeholder 4"/>
+          <p:cNvSpPr>
+            <a:spLocks noGrp="1"/>
+          </p:cNvSpPr>
+          <p:nvPr>
+            <p:ph type="body" sz="quarter" idx="3"/>
+          </p:nvPr>
+        </p:nvSpPr>
+        <p:spPr>
+          <a:xfrm>
+            <a:off x="685800" y="4343400"/>
+            <a:ext cx="5486400" cy="4114800"/>
+          </a:xfrm>
+          <a:prstGeom prst="rect">
+            <a:avLst/>
+          </a:prstGeom>
+        </p:spPr>
+        <p:txBody>
+          <a:bodyPr vert="horz" lIns="91440" tIns="45720" rIns="91440" bIns="45720" rtlCol="0"/>
+          <a:lstStyle/>
+          <a:p>
+            <a:pPr lvl="0"/>
+            <a:r>
+              <a:rPr lang="en-CA" smtClean="0"/>
+              <a:t>Click to edit Master text styles</a:t>
+            </a:r>
+          </a:p>
+          <a:p>
+            <a:pPr lvl="1"/>
+            <a:r>
+              <a:rPr lang="en-CA" smtClean="0"/>
+              <a:t>Second level</a:t>
+            </a:r>
+          </a:p>
+          <a:p>
+            <a:pPr lvl="2"/>
+            <a:r>
+              <a:rPr lang="en-CA" smtClean="0"/>
+              <a:t>Third level</a:t>
+            </a:r>
+          </a:p>
+          <a:p>
+            <a:pPr lvl="3"/>
+            <a:r>
+              <a:rPr lang="en-CA" smtClean="0"/>
+              <a:t>Fourth level</a:t>
+            </a:r>
+          </a:p>
+          <a:p>
+            <a:pPr lvl="4"/>
+            <a:r>
+              <a:rPr lang="en-CA" smtClean="0"/>
+              <a:t>Fifth level</a:t>
+            </a:r>
+            <a:endParaRPr lang="en-US"/>
+          </a:p>
+        </p:txBody>
+      </p:sp>
+      <p:sp>
+        <p:nvSpPr>
+          <p:cNvPr id="6" name="Footer Placeholder 5"/>
+          <p:cNvSpPr>
+            <a:spLocks noGrp="1"/>
+          </p:cNvSpPr>
+          <p:nvPr>
+            <p:ph type="ftr" sz="quarter" idx="4"/>
+          </p:nvPr>
+        </p:nvSpPr>
+        <p:spPr>
+          <a:xfrm>
+            <a:off x="0" y="8685213"/>
+            <a:ext cx="2971800" cy="457200"/>
+          </a:xfrm>
+          <a:prstGeom prst="rect">
+            <a:avLst/>
+          </a:prstGeom>
+        </p:spPr>
+        <p:txBody>
+          <a:bodyPr vert="horz" lIns="91440" tIns="45720" rIns="91440" bIns="45720" rtlCol="0" anchor="b"/>
+          <a:lstStyle>
+            <a:lvl1pPr algn="l">
+              <a:defRPr sz="1200"/>
+            </a:lvl1pPr>
+          </a:lstStyle>
+          <a:p>
+            <a:endParaRPr lang="en-US"/>
+          </a:p>
+        </p:txBody>
+      </p:sp>
+      <p:sp>
+        <p:nvSpPr>
+          <p:cNvPr id="7" name="Slide Number Placeholder 6"/>
+          <p:cNvSpPr>
+            <a:spLocks noGrp="1"/>
+          </p:cNvSpPr>
+          <p:nvPr>
+            <p:ph type="sldNum" sz="quarter" idx="5"/>
+          </p:nvPr>
+        </p:nvSpPr>
+        <p:spPr>
+          <a:xfrm>
+            <a:off x="3884613" y="8685213"/>
+            <a:ext cx="2971800" cy="457200"/>
+          </a:xfrm>
+          <a:prstGeom prst="rect">
+            <a:avLst/>
+          </a:prstGeom>
+        </p:spPr>
+        <p:txBody>
+          <a:bodyPr vert="horz" lIns="91440" tIns="45720" rIns="91440" bIns="45720" rtlCol="0" anchor="b"/>
+          <a:lstStyle>
+            <a:lvl1pPr algn="r">
+              <a:defRPr sz="1200"/>
+            </a:lvl1pPr>
+          </a:lstStyle>
+          <a:p>
+            <a:fld id="{80741323-E35B-A540-9B6D-B09B8BF7ECDB}" type="slidenum">
+              <a:rPr lang="en-US" smtClean="0"/>
+              <a:t>‹#›</a:t>
+            </a:fld>
+            <a:endParaRPr lang="en-US"/>
+          </a:p>
+        </p:txBody>
+      </p:sp>
+    </p:spTree>
+    <p:extLst>
+      <p:ext uri="{BB962C8B-B14F-4D97-AF65-F5344CB8AC3E}">
+        <p14:creationId xmlns:p14="http://schemas.microsoft.com/office/powerpoint/2010/main" val="1721980045"/>
+      </p:ext>
+    </p:extLst>
+  </p:cSld>
+  <p:clrMap bg1="lt1" tx1="dk1" bg2="lt2" tx2="dk2" accent1="accent1" accent2="accent2" accent3="accent3" accent4="accent4" accent5="accent5" accent6="accent6" hlink="hlink" folHlink="folHlink"/>
+  <p:hf hdr="0" ftr="0" dt="0"/>
+  <p:notesStyle>
+    <a:lvl1pPr marL="0" algn="l" defTabSz="457200" rtl="0" eaLnBrk="1" latinLnBrk="0" hangingPunct="1">
+      <a:defRPr sz="1200" kern="1200">
+        <a:solidFill>
+          <a:schemeClr val="tx1"/>
+        </a:solidFill>
+        <a:latin typeface="+mn-lt"/>
+        <a:ea typeface="+mn-ea"/>
+        <a:cs typeface="+mn-cs"/>
+      </a:defRPr>
+    </a:lvl1pPr>
+    <a:lvl2pPr marL="457200" algn="l" defTabSz="457200" rtl="0" eaLnBrk="1" latinLnBrk="0" hangingPunct="1">
+      <a:defRPr sz="1200" kern="1200">
+        <a:solidFill>
+          <a:schemeClr val="tx1"/>
+        </a:solidFill>
+        <a:latin typeface="+mn-lt"/>
+        <a:ea typeface="+mn-ea"/>
+        <a:cs typeface="+mn-cs"/>
+      </a:defRPr>
+    </a:lvl2pPr>
+    <a:lvl3pPr marL="914400" algn="l" defTabSz="457200" rtl="0" eaLnBrk="1" latinLnBrk="0" hangingPunct="1">
+      <a:defRPr sz="1200" kern="1200">
+        <a:solidFill>
+          <a:schemeClr val="tx1"/>
+        </a:solidFill>
+        <a:latin typeface="+mn-lt"/>
+        <a:ea typeface="+mn-ea"/>
+        <a:cs typeface="+mn-cs"/>
+      </a:defRPr>
+    </a:lvl3pPr>
+    <a:lvl4pPr marL="1371600" algn="l" defTabSz="457200" rtl="0" eaLnBrk="1" latinLnBrk="0" hangingPunct="1">
+      <a:defRPr sz="1200" kern="1200">
+        <a:solidFill>
+          <a:schemeClr val="tx1"/>
+        </a:solidFill>
+        <a:latin typeface="+mn-lt"/>
+        <a:ea typeface="+mn-ea"/>
+        <a:cs typeface="+mn-cs"/>
+      </a:defRPr>
+    </a:lvl4pPr>
+    <a:lvl5pPr marL="1828800" algn="l" defTabSz="457200" rtl="0" eaLnBrk="1" latinLnBrk="0" hangingPunct="1">
+      <a:defRPr sz="1200" kern="1200">
+        <a:solidFill>
+          <a:schemeClr val="tx1"/>
+        </a:solidFill>
+        <a:latin typeface="+mn-lt"/>
+        <a:ea typeface="+mn-ea"/>
+        <a:cs typeface="+mn-cs"/>
+      </a:defRPr>
+    </a:lvl5pPr>
+    <a:lvl6pPr marL="2286000" algn="l" defTabSz="457200" rtl="0" eaLnBrk="1" latinLnBrk="0" hangingPunct="1">
+      <a:defRPr sz="1200" kern="1200">
+        <a:solidFill>
+          <a:schemeClr val="tx1"/>
+        </a:solidFill>
+        <a:latin typeface="+mn-lt"/>
+        <a:ea typeface="+mn-ea"/>
+        <a:cs typeface="+mn-cs"/>
+      </a:defRPr>
+    </a:lvl6pPr>
+    <a:lvl7pPr marL="2743200" algn="l" defTabSz="457200" rtl="0" eaLnBrk="1" latinLnBrk="0" hangingPunct="1">
+      <a:defRPr sz="1200" kern="1200">
+        <a:solidFill>
+          <a:schemeClr val="tx1"/>
+        </a:solidFill>
+        <a:latin typeface="+mn-lt"/>
+        <a:ea typeface="+mn-ea"/>
+        <a:cs typeface="+mn-cs"/>
+      </a:defRPr>
+    </a:lvl7pPr>
+    <a:lvl8pPr marL="3200400" algn="l" defTabSz="457200" rtl="0" eaLnBrk="1" latinLnBrk="0" hangingPunct="1">
+      <a:defRPr sz="1200" kern="1200">
+        <a:solidFill>
+          <a:schemeClr val="tx1"/>
+        </a:solidFill>
+        <a:latin typeface="+mn-lt"/>
+        <a:ea typeface="+mn-ea"/>
+        <a:cs typeface="+mn-cs"/>
+      </a:defRPr>
+    </a:lvl8pPr>
+    <a:lvl9pPr marL="3657600" algn="l" defTabSz="457200" rtl="0" eaLnBrk="1" latinLnBrk="0" hangingPunct="1">
+      <a:defRPr sz="1200" kern="1200">
+        <a:solidFill>
+          <a:schemeClr val="tx1"/>
+        </a:solidFill>
+        <a:latin typeface="+mn-lt"/>
+        <a:ea typeface="+mn-ea"/>
+        <a:cs typeface="+mn-cs"/>
+      </a:defRPr>
+    </a:lvl9pPr>
+  </p:notesStyle>
+</p:notesMaster>
 </file>
 
 <file path=ppt/slideLayouts/slideLayout1.xml><?xml version="1.0" encoding="utf-8"?>
@@ -3229,8 +3752,8 @@
           <a:bodyPr/>
           <a:lstStyle/>
           <a:p>
-            <a:fld id="{098483E7-CF7E-A346-811A-084A65C27AFA}" type="datetimeFigureOut">
-              <a:rPr lang="en-US" smtClean="0"/>
+            <a:fld id="{A5980068-A787-4F4F-B9B1-7E2217629BEF}" type="datetime1">
+              <a:rPr lang="en-CA" smtClean="0"/>
               <a:t>13-02-15</a:t>
             </a:fld>
             <a:endParaRPr lang="en-US"/>
@@ -3399,8 +3922,8 @@
           <a:bodyPr/>
           <a:lstStyle/>
           <a:p>
-            <a:fld id="{098483E7-CF7E-A346-811A-084A65C27AFA}" type="datetimeFigureOut">
-              <a:rPr lang="en-US" smtClean="0"/>
+            <a:fld id="{39E82996-8FA5-1647-83D0-F0942C0F2358}" type="datetime1">
+              <a:rPr lang="en-CA" smtClean="0"/>
               <a:t>13-02-15</a:t>
             </a:fld>
             <a:endParaRPr lang="en-US"/>
@@ -3579,8 +4102,8 @@
           <a:bodyPr/>
           <a:lstStyle/>
           <a:p>
-            <a:fld id="{098483E7-CF7E-A346-811A-084A65C27AFA}" type="datetimeFigureOut">
-              <a:rPr lang="en-US" smtClean="0"/>
+            <a:fld id="{4CC5FCC0-BB0E-F140-BD01-CB010C89D88E}" type="datetime1">
+              <a:rPr lang="en-CA" smtClean="0"/>
               <a:t>13-02-15</a:t>
             </a:fld>
             <a:endParaRPr lang="en-US"/>
@@ -3749,8 +4272,8 @@
           <a:bodyPr/>
           <a:lstStyle/>
           <a:p>
-            <a:fld id="{098483E7-CF7E-A346-811A-084A65C27AFA}" type="datetimeFigureOut">
-              <a:rPr lang="en-US" smtClean="0"/>
+            <a:fld id="{24CAB8C5-4B0B-A541-B433-EC863B1142FB}" type="datetime1">
+              <a:rPr lang="en-CA" smtClean="0"/>
               <a:t>13-02-15</a:t>
             </a:fld>
             <a:endParaRPr lang="en-US"/>
@@ -3995,8 +4518,8 @@
           <a:bodyPr/>
           <a:lstStyle/>
           <a:p>
-            <a:fld id="{098483E7-CF7E-A346-811A-084A65C27AFA}" type="datetimeFigureOut">
-              <a:rPr lang="en-US" smtClean="0"/>
+            <a:fld id="{76452392-1731-9245-96ED-A202D5A10A6B}" type="datetime1">
+              <a:rPr lang="en-CA" smtClean="0"/>
               <a:t>13-02-15</a:t>
             </a:fld>
             <a:endParaRPr lang="en-US"/>
@@ -4283,8 +4806,8 @@
           <a:bodyPr/>
           <a:lstStyle/>
           <a:p>
-            <a:fld id="{098483E7-CF7E-A346-811A-084A65C27AFA}" type="datetimeFigureOut">
-              <a:rPr lang="en-US" smtClean="0"/>
+            <a:fld id="{8BDAD4BD-DBFD-0C41-95F6-EBADD74C94FA}" type="datetime1">
+              <a:rPr lang="en-CA" smtClean="0"/>
               <a:t>13-02-15</a:t>
             </a:fld>
             <a:endParaRPr lang="en-US"/>
@@ -4705,8 +5228,8 @@
           <a:bodyPr/>
           <a:lstStyle/>
           <a:p>
-            <a:fld id="{098483E7-CF7E-A346-811A-084A65C27AFA}" type="datetimeFigureOut">
-              <a:rPr lang="en-US" smtClean="0"/>
+            <a:fld id="{9D6A8E0E-C92A-BC40-8BED-D5068823339A}" type="datetime1">
+              <a:rPr lang="en-CA" smtClean="0"/>
               <a:t>13-02-15</a:t>
             </a:fld>
             <a:endParaRPr lang="en-US"/>
@@ -4823,8 +5346,8 @@
           <a:bodyPr/>
           <a:lstStyle/>
           <a:p>
-            <a:fld id="{098483E7-CF7E-A346-811A-084A65C27AFA}" type="datetimeFigureOut">
-              <a:rPr lang="en-US" smtClean="0"/>
+            <a:fld id="{197DD8EE-1770-424F-960E-1A9E4D680C71}" type="datetime1">
+              <a:rPr lang="en-CA" smtClean="0"/>
               <a:t>13-02-15</a:t>
             </a:fld>
             <a:endParaRPr lang="en-US"/>
@@ -4918,8 +5441,8 @@
           <a:bodyPr/>
           <a:lstStyle/>
           <a:p>
-            <a:fld id="{098483E7-CF7E-A346-811A-084A65C27AFA}" type="datetimeFigureOut">
-              <a:rPr lang="en-US" smtClean="0"/>
+            <a:fld id="{2B14403D-6094-D74E-AA5E-FA1E59D71B4C}" type="datetime1">
+              <a:rPr lang="en-CA" smtClean="0"/>
               <a:t>13-02-15</a:t>
             </a:fld>
             <a:endParaRPr lang="en-US"/>
@@ -5195,8 +5718,8 @@
           <a:bodyPr/>
           <a:lstStyle/>
           <a:p>
-            <a:fld id="{098483E7-CF7E-A346-811A-084A65C27AFA}" type="datetimeFigureOut">
-              <a:rPr lang="en-US" smtClean="0"/>
+            <a:fld id="{DDE8D95F-D98C-1B43-B491-F01F03732B43}" type="datetime1">
+              <a:rPr lang="en-CA" smtClean="0"/>
               <a:t>13-02-15</a:t>
             </a:fld>
             <a:endParaRPr lang="en-US"/>
@@ -5448,8 +5971,8 @@
           <a:bodyPr/>
           <a:lstStyle/>
           <a:p>
-            <a:fld id="{098483E7-CF7E-A346-811A-084A65C27AFA}" type="datetimeFigureOut">
-              <a:rPr lang="en-US" smtClean="0"/>
+            <a:fld id="{9854C37A-3654-2447-9E22-C30D01B99D35}" type="datetime1">
+              <a:rPr lang="en-CA" smtClean="0"/>
               <a:t>13-02-15</a:t>
             </a:fld>
             <a:endParaRPr lang="en-US"/>
@@ -5661,8 +6184,8 @@
             </a:lvl1pPr>
           </a:lstStyle>
           <a:p>
-            <a:fld id="{098483E7-CF7E-A346-811A-084A65C27AFA}" type="datetimeFigureOut">
-              <a:rPr lang="en-US" smtClean="0"/>
+            <a:fld id="{EEFC5683-FEAD-944E-906D-1D6468BCC397}" type="datetime1">
+              <a:rPr lang="en-CA" smtClean="0"/>
               <a:t>13-02-15</a:t>
             </a:fld>
             <a:endParaRPr lang="en-US"/>
@@ -5768,6 +6291,7 @@
     <p:sldLayoutId id="2147483658" r:id="rId10"/>
     <p:sldLayoutId id="2147483659" r:id="rId11"/>
   </p:sldLayoutIdLst>
+  <p:hf hdr="0" ftr="0" dt="0"/>
   <p:txStyles>
     <p:titleStyle>
       <a:lvl1pPr algn="ctr" defTabSz="457200" rtl="0" eaLnBrk="1" latinLnBrk="0" hangingPunct="1">
@@ -6048,7 +6572,12 @@
             <p:ph type="ctrTitle"/>
           </p:nvPr>
         </p:nvSpPr>
-        <p:spPr/>
+        <p:spPr>
+          <a:xfrm>
+            <a:off x="685800" y="2685230"/>
+            <a:ext cx="7772400" cy="1470025"/>
+          </a:xfrm>
+        </p:spPr>
         <p:txBody>
           <a:bodyPr/>
           <a:lstStyle/>
@@ -6063,12 +6592,12 @@
       </p:sp>
       <p:sp>
         <p:nvSpPr>
-          <p:cNvPr id="3" name="Subtitle 2"/>
-          <p:cNvSpPr>
-            <a:spLocks noGrp="1"/>
-          </p:cNvSpPr>
-          <p:nvPr>
-            <p:ph type="subTitle" idx="1"/>
+          <p:cNvPr id="4" name="Slide Number Placeholder 3"/>
+          <p:cNvSpPr>
+            <a:spLocks noGrp="1"/>
+          </p:cNvSpPr>
+          <p:nvPr>
+            <p:ph type="sldNum" sz="quarter" idx="12"/>
           </p:nvPr>
         </p:nvSpPr>
         <p:spPr/>
@@ -6076,7 +6605,11 @@
           <a:bodyPr/>
           <a:lstStyle/>
           <a:p>
-            <a:endParaRPr lang="en-US" dirty="0"/>
+            <a:fld id="{C70626AA-6735-7946-BC33-AE0B434276E6}" type="slidenum">
+              <a:rPr lang="en-US" smtClean="0"/>
+              <a:t>1</a:t>
+            </a:fld>
+            <a:endParaRPr lang="en-US"/>
           </a:p>
         </p:txBody>
       </p:sp>
@@ -6090,6 +6623,13 @@
   <p:clrMapOvr>
     <a:masterClrMapping/>
   </p:clrMapOvr>
+  <p:timing>
+    <p:tnLst>
+      <p:par>
+        <p:cTn xmlns:p14="http://schemas.microsoft.com/office/powerpoint/2010/main" id="1" dur="indefinite" restart="never" nodeType="tmRoot"/>
+      </p:par>
+    </p:tnLst>
+  </p:timing>
 </p:sld>
 </file>
 
@@ -6195,6 +6735,29 @@
               <a:rPr lang="en-US" dirty="0" smtClean="0"/>
               <a:t>In these two cloud environment, time and the size of data has positive linear relationship.</a:t>
             </a:r>
+          </a:p>
+        </p:txBody>
+      </p:sp>
+      <p:sp>
+        <p:nvSpPr>
+          <p:cNvPr id="4" name="Slide Number Placeholder 3"/>
+          <p:cNvSpPr>
+            <a:spLocks noGrp="1"/>
+          </p:cNvSpPr>
+          <p:nvPr>
+            <p:ph type="sldNum" sz="quarter" idx="12"/>
+          </p:nvPr>
+        </p:nvSpPr>
+        <p:spPr/>
+        <p:txBody>
+          <a:bodyPr/>
+          <a:lstStyle/>
+          <a:p>
+            <a:fld id="{C70626AA-6735-7946-BC33-AE0B434276E6}" type="slidenum">
+              <a:rPr lang="en-US" smtClean="0"/>
+              <a:t>10</a:t>
+            </a:fld>
+            <a:endParaRPr lang="en-US"/>
           </a:p>
         </p:txBody>
       </p:sp>
@@ -6256,6 +6819,29 @@
           </a:p>
         </p:txBody>
       </p:sp>
+      <p:sp>
+        <p:nvSpPr>
+          <p:cNvPr id="3" name="Slide Number Placeholder 2"/>
+          <p:cNvSpPr>
+            <a:spLocks noGrp="1"/>
+          </p:cNvSpPr>
+          <p:nvPr>
+            <p:ph type="sldNum" sz="quarter" idx="12"/>
+          </p:nvPr>
+        </p:nvSpPr>
+        <p:spPr/>
+        <p:txBody>
+          <a:bodyPr/>
+          <a:lstStyle/>
+          <a:p>
+            <a:fld id="{C70626AA-6735-7946-BC33-AE0B434276E6}" type="slidenum">
+              <a:rPr lang="en-US" smtClean="0"/>
+              <a:t>11</a:t>
+            </a:fld>
+            <a:endParaRPr lang="en-US"/>
+          </a:p>
+        </p:txBody>
+      </p:sp>
     </p:spTree>
     <p:extLst>
       <p:ext uri="{BB962C8B-B14F-4D97-AF65-F5344CB8AC3E}">
@@ -6353,6 +6939,29 @@
           </a:p>
         </p:txBody>
       </p:sp>
+      <p:sp>
+        <p:nvSpPr>
+          <p:cNvPr id="4" name="Slide Number Placeholder 3"/>
+          <p:cNvSpPr>
+            <a:spLocks noGrp="1"/>
+          </p:cNvSpPr>
+          <p:nvPr>
+            <p:ph type="sldNum" sz="quarter" idx="12"/>
+          </p:nvPr>
+        </p:nvSpPr>
+        <p:spPr/>
+        <p:txBody>
+          <a:bodyPr/>
+          <a:lstStyle/>
+          <a:p>
+            <a:fld id="{C70626AA-6735-7946-BC33-AE0B434276E6}" type="slidenum">
+              <a:rPr lang="en-US" smtClean="0"/>
+              <a:t>12</a:t>
+            </a:fld>
+            <a:endParaRPr lang="en-US"/>
+          </a:p>
+        </p:txBody>
+      </p:sp>
     </p:spTree>
     <p:extLst>
       <p:ext uri="{BB962C8B-B14F-4D97-AF65-F5344CB8AC3E}">
@@ -6481,6 +7090,29 @@
           </a:p>
         </p:txBody>
       </p:sp>
+      <p:sp>
+        <p:nvSpPr>
+          <p:cNvPr id="3" name="Slide Number Placeholder 2"/>
+          <p:cNvSpPr>
+            <a:spLocks noGrp="1"/>
+          </p:cNvSpPr>
+          <p:nvPr>
+            <p:ph type="sldNum" sz="quarter" idx="12"/>
+          </p:nvPr>
+        </p:nvSpPr>
+        <p:spPr/>
+        <p:txBody>
+          <a:bodyPr/>
+          <a:lstStyle/>
+          <a:p>
+            <a:fld id="{C70626AA-6735-7946-BC33-AE0B434276E6}" type="slidenum">
+              <a:rPr lang="en-US" smtClean="0"/>
+              <a:t>13</a:t>
+            </a:fld>
+            <a:endParaRPr lang="en-US"/>
+          </a:p>
+        </p:txBody>
+      </p:sp>
     </p:spTree>
     <p:extLst>
       <p:ext uri="{BB962C8B-B14F-4D97-AF65-F5344CB8AC3E}">
@@ -6606,6 +7238,29 @@
               <a:t>74.05</a:t>
             </a:r>
             <a:endParaRPr lang="en-US" dirty="0"/>
+          </a:p>
+        </p:txBody>
+      </p:sp>
+      <p:sp>
+        <p:nvSpPr>
+          <p:cNvPr id="3" name="Slide Number Placeholder 2"/>
+          <p:cNvSpPr>
+            <a:spLocks noGrp="1"/>
+          </p:cNvSpPr>
+          <p:nvPr>
+            <p:ph type="sldNum" sz="quarter" idx="12"/>
+          </p:nvPr>
+        </p:nvSpPr>
+        <p:spPr/>
+        <p:txBody>
+          <a:bodyPr/>
+          <a:lstStyle/>
+          <a:p>
+            <a:fld id="{C70626AA-6735-7946-BC33-AE0B434276E6}" type="slidenum">
+              <a:rPr lang="en-US" smtClean="0"/>
+              <a:t>14</a:t>
+            </a:fld>
+            <a:endParaRPr lang="en-US"/>
           </a:p>
         </p:txBody>
       </p:sp>
@@ -7104,6 +7759,29 @@
           </a:p>
         </p:txBody>
       </p:sp>
+      <p:sp>
+        <p:nvSpPr>
+          <p:cNvPr id="3" name="Slide Number Placeholder 2"/>
+          <p:cNvSpPr>
+            <a:spLocks noGrp="1"/>
+          </p:cNvSpPr>
+          <p:nvPr>
+            <p:ph type="sldNum" sz="quarter" idx="12"/>
+          </p:nvPr>
+        </p:nvSpPr>
+        <p:spPr/>
+        <p:txBody>
+          <a:bodyPr/>
+          <a:lstStyle/>
+          <a:p>
+            <a:fld id="{C70626AA-6735-7946-BC33-AE0B434276E6}" type="slidenum">
+              <a:rPr lang="en-US" smtClean="0"/>
+              <a:t>15</a:t>
+            </a:fld>
+            <a:endParaRPr lang="en-US"/>
+          </a:p>
+        </p:txBody>
+      </p:sp>
     </p:spTree>
     <p:extLst>
       <p:ext uri="{BB962C8B-B14F-4D97-AF65-F5344CB8AC3E}">
@@ -7208,6 +7886,29 @@
           </a:p>
         </p:txBody>
       </p:sp>
+      <p:sp>
+        <p:nvSpPr>
+          <p:cNvPr id="4" name="Slide Number Placeholder 3"/>
+          <p:cNvSpPr>
+            <a:spLocks noGrp="1"/>
+          </p:cNvSpPr>
+          <p:nvPr>
+            <p:ph type="sldNum" sz="quarter" idx="12"/>
+          </p:nvPr>
+        </p:nvSpPr>
+        <p:spPr/>
+        <p:txBody>
+          <a:bodyPr/>
+          <a:lstStyle/>
+          <a:p>
+            <a:fld id="{C70626AA-6735-7946-BC33-AE0B434276E6}" type="slidenum">
+              <a:rPr lang="en-US" smtClean="0"/>
+              <a:t>16</a:t>
+            </a:fld>
+            <a:endParaRPr lang="en-US"/>
+          </a:p>
+        </p:txBody>
+      </p:sp>
     </p:spTree>
     <p:extLst>
       <p:ext uri="{BB962C8B-B14F-4D97-AF65-F5344CB8AC3E}">
@@ -7304,6 +8005,29 @@
           </a:p>
         </p:txBody>
       </p:sp>
+      <p:sp>
+        <p:nvSpPr>
+          <p:cNvPr id="4" name="Slide Number Placeholder 3"/>
+          <p:cNvSpPr>
+            <a:spLocks noGrp="1"/>
+          </p:cNvSpPr>
+          <p:nvPr>
+            <p:ph type="sldNum" sz="quarter" idx="12"/>
+          </p:nvPr>
+        </p:nvSpPr>
+        <p:spPr/>
+        <p:txBody>
+          <a:bodyPr/>
+          <a:lstStyle/>
+          <a:p>
+            <a:fld id="{C70626AA-6735-7946-BC33-AE0B434276E6}" type="slidenum">
+              <a:rPr lang="en-US" smtClean="0"/>
+              <a:t>17</a:t>
+            </a:fld>
+            <a:endParaRPr lang="en-US"/>
+          </a:p>
+        </p:txBody>
+      </p:sp>
     </p:spTree>
     <p:extLst>
       <p:ext uri="{BB962C8B-B14F-4D97-AF65-F5344CB8AC3E}">
@@ -7381,6 +8105,29 @@
           </a:p>
         </p:txBody>
       </p:sp>
+      <p:sp>
+        <p:nvSpPr>
+          <p:cNvPr id="4" name="Slide Number Placeholder 3"/>
+          <p:cNvSpPr>
+            <a:spLocks noGrp="1"/>
+          </p:cNvSpPr>
+          <p:nvPr>
+            <p:ph type="sldNum" sz="quarter" idx="12"/>
+          </p:nvPr>
+        </p:nvSpPr>
+        <p:spPr/>
+        <p:txBody>
+          <a:bodyPr/>
+          <a:lstStyle/>
+          <a:p>
+            <a:fld id="{C70626AA-6735-7946-BC33-AE0B434276E6}" type="slidenum">
+              <a:rPr lang="en-US" smtClean="0"/>
+              <a:t>2</a:t>
+            </a:fld>
+            <a:endParaRPr lang="en-US"/>
+          </a:p>
+        </p:txBody>
+      </p:sp>
     </p:spTree>
     <p:extLst>
       <p:ext uri="{BB962C8B-B14F-4D97-AF65-F5344CB8AC3E}">
@@ -7429,15 +8176,7 @@
             <a:pPr algn="l"/>
             <a:r>
               <a:rPr lang="en-US" dirty="0" smtClean="0"/>
-              <a:t>Test </a:t>
-            </a:r>
-            <a:r>
-              <a:rPr lang="en-US" dirty="0" smtClean="0"/>
-              <a:t>Categories</a:t>
-            </a:r>
-            <a:r>
-              <a:rPr lang="en-US" dirty="0" smtClean="0"/>
-              <a:t>: </a:t>
+              <a:t>Test Categories: </a:t>
             </a:r>
             <a:endParaRPr lang="en-US" dirty="0"/>
           </a:p>
@@ -7534,6 +8273,29 @@
               <a:t>Local to instance. </a:t>
             </a:r>
             <a:endParaRPr lang="en-US" dirty="0"/>
+          </a:p>
+        </p:txBody>
+      </p:sp>
+      <p:sp>
+        <p:nvSpPr>
+          <p:cNvPr id="4" name="Slide Number Placeholder 3"/>
+          <p:cNvSpPr>
+            <a:spLocks noGrp="1"/>
+          </p:cNvSpPr>
+          <p:nvPr>
+            <p:ph type="sldNum" sz="quarter" idx="12"/>
+          </p:nvPr>
+        </p:nvSpPr>
+        <p:spPr/>
+        <p:txBody>
+          <a:bodyPr/>
+          <a:lstStyle/>
+          <a:p>
+            <a:fld id="{C70626AA-6735-7946-BC33-AE0B434276E6}" type="slidenum">
+              <a:rPr lang="en-US" smtClean="0"/>
+              <a:t>3</a:t>
+            </a:fld>
+            <a:endParaRPr lang="en-US"/>
           </a:p>
         </p:txBody>
       </p:sp>
@@ -7647,6 +8409,29 @@
           </a:p>
         </p:txBody>
       </p:sp>
+      <p:sp>
+        <p:nvSpPr>
+          <p:cNvPr id="4" name="Slide Number Placeholder 3"/>
+          <p:cNvSpPr>
+            <a:spLocks noGrp="1"/>
+          </p:cNvSpPr>
+          <p:nvPr>
+            <p:ph type="sldNum" sz="quarter" idx="12"/>
+          </p:nvPr>
+        </p:nvSpPr>
+        <p:spPr/>
+        <p:txBody>
+          <a:bodyPr/>
+          <a:lstStyle/>
+          <a:p>
+            <a:fld id="{C70626AA-6735-7946-BC33-AE0B434276E6}" type="slidenum">
+              <a:rPr lang="en-US" smtClean="0"/>
+              <a:t>4</a:t>
+            </a:fld>
+            <a:endParaRPr lang="en-US"/>
+          </a:p>
+        </p:txBody>
+      </p:sp>
     </p:spTree>
     <p:extLst>
       <p:ext uri="{BB962C8B-B14F-4D97-AF65-F5344CB8AC3E}">
@@ -7770,6 +8555,29 @@
           </a:p>
         </p:txBody>
       </p:sp>
+      <p:sp>
+        <p:nvSpPr>
+          <p:cNvPr id="4" name="Slide Number Placeholder 3"/>
+          <p:cNvSpPr>
+            <a:spLocks noGrp="1"/>
+          </p:cNvSpPr>
+          <p:nvPr>
+            <p:ph type="sldNum" sz="quarter" idx="12"/>
+          </p:nvPr>
+        </p:nvSpPr>
+        <p:spPr/>
+        <p:txBody>
+          <a:bodyPr/>
+          <a:lstStyle/>
+          <a:p>
+            <a:fld id="{C70626AA-6735-7946-BC33-AE0B434276E6}" type="slidenum">
+              <a:rPr lang="en-US" smtClean="0"/>
+              <a:t>5</a:t>
+            </a:fld>
+            <a:endParaRPr lang="en-US"/>
+          </a:p>
+        </p:txBody>
+      </p:sp>
     </p:spTree>
     <p:extLst>
       <p:ext uri="{BB962C8B-B14F-4D97-AF65-F5344CB8AC3E}">
@@ -8232,6 +9040,29 @@
           </a:p>
         </p:txBody>
       </p:sp>
+      <p:sp>
+        <p:nvSpPr>
+          <p:cNvPr id="4" name="Slide Number Placeholder 3"/>
+          <p:cNvSpPr>
+            <a:spLocks noGrp="1"/>
+          </p:cNvSpPr>
+          <p:nvPr>
+            <p:ph type="sldNum" sz="quarter" idx="12"/>
+          </p:nvPr>
+        </p:nvSpPr>
+        <p:spPr/>
+        <p:txBody>
+          <a:bodyPr/>
+          <a:lstStyle/>
+          <a:p>
+            <a:fld id="{C70626AA-6735-7946-BC33-AE0B434276E6}" type="slidenum">
+              <a:rPr lang="en-US" smtClean="0"/>
+              <a:t>6</a:t>
+            </a:fld>
+            <a:endParaRPr lang="en-US"/>
+          </a:p>
+        </p:txBody>
+      </p:sp>
     </p:spTree>
     <p:extLst>
       <p:ext uri="{BB962C8B-B14F-4D97-AF65-F5344CB8AC3E}">
@@ -8290,6 +9121,29 @@
           </a:p>
         </p:txBody>
       </p:sp>
+      <p:sp>
+        <p:nvSpPr>
+          <p:cNvPr id="3" name="Slide Number Placeholder 2"/>
+          <p:cNvSpPr>
+            <a:spLocks noGrp="1"/>
+          </p:cNvSpPr>
+          <p:nvPr>
+            <p:ph type="sldNum" sz="quarter" idx="12"/>
+          </p:nvPr>
+        </p:nvSpPr>
+        <p:spPr/>
+        <p:txBody>
+          <a:bodyPr/>
+          <a:lstStyle/>
+          <a:p>
+            <a:fld id="{C70626AA-6735-7946-BC33-AE0B434276E6}" type="slidenum">
+              <a:rPr lang="en-US" smtClean="0"/>
+              <a:t>7</a:t>
+            </a:fld>
+            <a:endParaRPr lang="en-US"/>
+          </a:p>
+        </p:txBody>
+      </p:sp>
     </p:spTree>
     <p:extLst>
       <p:ext uri="{BB962C8B-B14F-4D97-AF65-F5344CB8AC3E}">
@@ -8461,6 +9315,29 @@
               <a:t>39.39</a:t>
             </a:r>
             <a:endParaRPr lang="en-US" dirty="0"/>
+          </a:p>
+        </p:txBody>
+      </p:sp>
+      <p:sp>
+        <p:nvSpPr>
+          <p:cNvPr id="3" name="Slide Number Placeholder 2"/>
+          <p:cNvSpPr>
+            <a:spLocks noGrp="1"/>
+          </p:cNvSpPr>
+          <p:nvPr>
+            <p:ph type="sldNum" sz="quarter" idx="12"/>
+          </p:nvPr>
+        </p:nvSpPr>
+        <p:spPr/>
+        <p:txBody>
+          <a:bodyPr/>
+          <a:lstStyle/>
+          <a:p>
+            <a:fld id="{C70626AA-6735-7946-BC33-AE0B434276E6}" type="slidenum">
+              <a:rPr lang="en-US" smtClean="0"/>
+              <a:t>8</a:t>
+            </a:fld>
+            <a:endParaRPr lang="en-US"/>
           </a:p>
         </p:txBody>
       </p:sp>
@@ -8549,6 +9426,29 @@
           </a:graphicData>
         </a:graphic>
       </p:graphicFrame>
+      <p:sp>
+        <p:nvSpPr>
+          <p:cNvPr id="3" name="Slide Number Placeholder 2"/>
+          <p:cNvSpPr>
+            <a:spLocks noGrp="1"/>
+          </p:cNvSpPr>
+          <p:nvPr>
+            <p:ph type="sldNum" sz="quarter" idx="12"/>
+          </p:nvPr>
+        </p:nvSpPr>
+        <p:spPr/>
+        <p:txBody>
+          <a:bodyPr/>
+          <a:lstStyle/>
+          <a:p>
+            <a:fld id="{C70626AA-6735-7946-BC33-AE0B434276E6}" type="slidenum">
+              <a:rPr lang="en-US" smtClean="0"/>
+              <a:t>9</a:t>
+            </a:fld>
+            <a:endParaRPr lang="en-US"/>
+          </a:p>
+        </p:txBody>
+      </p:sp>
     </p:spTree>
     <p:extLst>
       <p:ext uri="{BB962C8B-B14F-4D97-AF65-F5344CB8AC3E}">
@@ -8880,4 +9780,644 @@
   </a:objectDefaults>
   <a:extraClrSchemeLst/>
 </a:theme>
+</file>
+
+<file path=ppt/theme/theme2.xml><?xml version="1.0" encoding="utf-8"?>
+<a:theme xmlns:a="http://schemas.openxmlformats.org/drawingml/2006/main" name="Office Theme">
+  <a:themeElements>
+    <a:clrScheme name="Office">
+      <a:dk1>
+        <a:sysClr val="windowText" lastClr="000000"/>
+      </a:dk1>
+      <a:lt1>
+        <a:sysClr val="window" lastClr="FFFFFF"/>
+      </a:lt1>
+      <a:dk2>
+        <a:srgbClr val="1F497D"/>
+      </a:dk2>
+      <a:lt2>
+        <a:srgbClr val="EEECE1"/>
+      </a:lt2>
+      <a:accent1>
+        <a:srgbClr val="4F81BD"/>
+      </a:accent1>
+      <a:accent2>
+        <a:srgbClr val="C0504D"/>
+      </a:accent2>
+      <a:accent3>
+        <a:srgbClr val="9BBB59"/>
+      </a:accent3>
+      <a:accent4>
+        <a:srgbClr val="8064A2"/>
+      </a:accent4>
+      <a:accent5>
+        <a:srgbClr val="4BACC6"/>
+      </a:accent5>
+      <a:accent6>
+        <a:srgbClr val="F79646"/>
+      </a:accent6>
+      <a:hlink>
+        <a:srgbClr val="0000FF"/>
+      </a:hlink>
+      <a:folHlink>
+        <a:srgbClr val="800080"/>
+      </a:folHlink>
+    </a:clrScheme>
+    <a:fontScheme name="Office">
+      <a:majorFont>
+        <a:latin typeface="Calibri"/>
+        <a:ea typeface=""/>
+        <a:cs typeface=""/>
+        <a:font script="Jpan" typeface="ＭＳ Ｐゴシック"/>
+        <a:font script="Hang" typeface="맑은 고딕"/>
+        <a:font script="Hans" typeface="宋体"/>
+        <a:font script="Hant" typeface="新細明體"/>
+        <a:font script="Arab" typeface="Times New Roman"/>
+        <a:font script="Hebr" typeface="Times New Roman"/>
+        <a:font script="Thai" typeface="Angsana New"/>
+        <a:font script="Ethi" typeface="Nyala"/>
+        <a:font script="Beng" typeface="Vrinda"/>
+        <a:font script="Gujr" typeface="Shruti"/>
+        <a:font script="Khmr" typeface="MoolBoran"/>
+        <a:font script="Knda" typeface="Tunga"/>
+        <a:font script="Guru" typeface="Raavi"/>
+        <a:font script="Cans" typeface="Euphemia"/>
+        <a:font script="Cher" typeface="Plantagenet Cherokee"/>
+        <a:font script="Yiii" typeface="Microsoft Yi Baiti"/>
+        <a:font script="Tibt" typeface="Microsoft Himalaya"/>
+        <a:font script="Thaa" typeface="MV Boli"/>
+        <a:font script="Deva" typeface="Mangal"/>
+        <a:font script="Telu" typeface="Gautami"/>
+        <a:font script="Taml" typeface="Latha"/>
+        <a:font script="Syrc" typeface="Estrangelo Edessa"/>
+        <a:font script="Orya" typeface="Kalinga"/>
+        <a:font script="Mlym" typeface="Kartika"/>
+        <a:font script="Laoo" typeface="DokChampa"/>
+        <a:font script="Sinh" typeface="Iskoola Pota"/>
+        <a:font script="Mong" typeface="Mongolian Baiti"/>
+        <a:font script="Viet" typeface="Times New Roman"/>
+        <a:font script="Uigh" typeface="Microsoft Uighur"/>
+        <a:font script="Geor" typeface="Sylfaen"/>
+      </a:majorFont>
+      <a:minorFont>
+        <a:latin typeface="Calibri"/>
+        <a:ea typeface=""/>
+        <a:cs typeface=""/>
+        <a:font script="Jpan" typeface="ＭＳ Ｐゴシック"/>
+        <a:font script="Hang" typeface="맑은 고딕"/>
+        <a:font script="Hans" typeface="宋体"/>
+        <a:font script="Hant" typeface="新細明體"/>
+        <a:font script="Arab" typeface="Arial"/>
+        <a:font script="Hebr" typeface="Arial"/>
+        <a:font script="Thai" typeface="Cordia New"/>
+        <a:font script="Ethi" typeface="Nyala"/>
+        <a:font script="Beng" typeface="Vrinda"/>
+        <a:font script="Gujr" typeface="Shruti"/>
+        <a:font script="Khmr" typeface="DaunPenh"/>
+        <a:font script="Knda" typeface="Tunga"/>
+        <a:font script="Guru" typeface="Raavi"/>
+        <a:font script="Cans" typeface="Euphemia"/>
+        <a:font script="Cher" typeface="Plantagenet Cherokee"/>
+        <a:font script="Yiii" typeface="Microsoft Yi Baiti"/>
+        <a:font script="Tibt" typeface="Microsoft Himalaya"/>
+        <a:font script="Thaa" typeface="MV Boli"/>
+        <a:font script="Deva" typeface="Mangal"/>
+        <a:font script="Telu" typeface="Gautami"/>
+        <a:font script="Taml" typeface="Latha"/>
+        <a:font script="Syrc" typeface="Estrangelo Edessa"/>
+        <a:font script="Orya" typeface="Kalinga"/>
+        <a:font script="Mlym" typeface="Kartika"/>
+        <a:font script="Laoo" typeface="DokChampa"/>
+        <a:font script="Sinh" typeface="Iskoola Pota"/>
+        <a:font script="Mong" typeface="Mongolian Baiti"/>
+        <a:font script="Viet" typeface="Arial"/>
+        <a:font script="Uigh" typeface="Microsoft Uighur"/>
+        <a:font script="Geor" typeface="Sylfaen"/>
+      </a:minorFont>
+    </a:fontScheme>
+    <a:fmtScheme name="Office">
+      <a:fillStyleLst>
+        <a:solidFill>
+          <a:schemeClr val="phClr"/>
+        </a:solidFill>
+        <a:gradFill rotWithShape="1">
+          <a:gsLst>
+            <a:gs pos="0">
+              <a:schemeClr val="phClr">
+                <a:tint val="50000"/>
+                <a:satMod val="300000"/>
+              </a:schemeClr>
+            </a:gs>
+            <a:gs pos="35000">
+              <a:schemeClr val="phClr">
+                <a:tint val="37000"/>
+                <a:satMod val="300000"/>
+              </a:schemeClr>
+            </a:gs>
+            <a:gs pos="100000">
+              <a:schemeClr val="phClr">
+                <a:tint val="15000"/>
+                <a:satMod val="350000"/>
+              </a:schemeClr>
+            </a:gs>
+          </a:gsLst>
+          <a:lin ang="16200000" scaled="1"/>
+        </a:gradFill>
+        <a:gradFill rotWithShape="1">
+          <a:gsLst>
+            <a:gs pos="0">
+              <a:schemeClr val="phClr">
+                <a:tint val="100000"/>
+                <a:shade val="100000"/>
+                <a:satMod val="130000"/>
+              </a:schemeClr>
+            </a:gs>
+            <a:gs pos="100000">
+              <a:schemeClr val="phClr">
+                <a:tint val="50000"/>
+                <a:shade val="100000"/>
+                <a:satMod val="350000"/>
+              </a:schemeClr>
+            </a:gs>
+          </a:gsLst>
+          <a:lin ang="16200000" scaled="0"/>
+        </a:gradFill>
+      </a:fillStyleLst>
+      <a:lnStyleLst>
+        <a:ln w="9525" cap="flat" cmpd="sng" algn="ctr">
+          <a:solidFill>
+            <a:schemeClr val="phClr">
+              <a:shade val="95000"/>
+              <a:satMod val="105000"/>
+            </a:schemeClr>
+          </a:solidFill>
+          <a:prstDash val="solid"/>
+        </a:ln>
+        <a:ln w="25400" cap="flat" cmpd="sng" algn="ctr">
+          <a:solidFill>
+            <a:schemeClr val="phClr"/>
+          </a:solidFill>
+          <a:prstDash val="solid"/>
+        </a:ln>
+        <a:ln w="38100" cap="flat" cmpd="sng" algn="ctr">
+          <a:solidFill>
+            <a:schemeClr val="phClr"/>
+          </a:solidFill>
+          <a:prstDash val="solid"/>
+        </a:ln>
+      </a:lnStyleLst>
+      <a:effectStyleLst>
+        <a:effectStyle>
+          <a:effectLst>
+            <a:outerShdw blurRad="40000" dist="20000" dir="5400000" rotWithShape="0">
+              <a:srgbClr val="000000">
+                <a:alpha val="38000"/>
+              </a:srgbClr>
+            </a:outerShdw>
+          </a:effectLst>
+        </a:effectStyle>
+        <a:effectStyle>
+          <a:effectLst>
+            <a:outerShdw blurRad="40000" dist="23000" dir="5400000" rotWithShape="0">
+              <a:srgbClr val="000000">
+                <a:alpha val="35000"/>
+              </a:srgbClr>
+            </a:outerShdw>
+          </a:effectLst>
+        </a:effectStyle>
+        <a:effectStyle>
+          <a:effectLst>
+            <a:outerShdw blurRad="40000" dist="23000" dir="5400000" rotWithShape="0">
+              <a:srgbClr val="000000">
+                <a:alpha val="35000"/>
+              </a:srgbClr>
+            </a:outerShdw>
+          </a:effectLst>
+          <a:scene3d>
+            <a:camera prst="orthographicFront">
+              <a:rot lat="0" lon="0" rev="0"/>
+            </a:camera>
+            <a:lightRig rig="threePt" dir="t">
+              <a:rot lat="0" lon="0" rev="1200000"/>
+            </a:lightRig>
+          </a:scene3d>
+          <a:sp3d>
+            <a:bevelT w="63500" h="25400"/>
+          </a:sp3d>
+        </a:effectStyle>
+      </a:effectStyleLst>
+      <a:bgFillStyleLst>
+        <a:solidFill>
+          <a:schemeClr val="phClr"/>
+        </a:solidFill>
+        <a:gradFill rotWithShape="1">
+          <a:gsLst>
+            <a:gs pos="0">
+              <a:schemeClr val="phClr">
+                <a:tint val="40000"/>
+                <a:satMod val="350000"/>
+              </a:schemeClr>
+            </a:gs>
+            <a:gs pos="40000">
+              <a:schemeClr val="phClr">
+                <a:tint val="45000"/>
+                <a:shade val="99000"/>
+                <a:satMod val="350000"/>
+              </a:schemeClr>
+            </a:gs>
+            <a:gs pos="100000">
+              <a:schemeClr val="phClr">
+                <a:shade val="20000"/>
+                <a:satMod val="255000"/>
+              </a:schemeClr>
+            </a:gs>
+          </a:gsLst>
+          <a:path path="circle">
+            <a:fillToRect l="50000" t="-80000" r="50000" b="180000"/>
+          </a:path>
+        </a:gradFill>
+        <a:gradFill rotWithShape="1">
+          <a:gsLst>
+            <a:gs pos="0">
+              <a:schemeClr val="phClr">
+                <a:tint val="80000"/>
+                <a:satMod val="300000"/>
+              </a:schemeClr>
+            </a:gs>
+            <a:gs pos="100000">
+              <a:schemeClr val="phClr">
+                <a:shade val="30000"/>
+                <a:satMod val="200000"/>
+              </a:schemeClr>
+            </a:gs>
+          </a:gsLst>
+          <a:path path="circle">
+            <a:fillToRect l="50000" t="50000" r="50000" b="50000"/>
+          </a:path>
+        </a:gradFill>
+      </a:bgFillStyleLst>
+    </a:fmtScheme>
+  </a:themeElements>
+  <a:objectDefaults>
+    <a:spDef>
+      <a:spPr/>
+      <a:bodyPr/>
+      <a:lstStyle/>
+      <a:style>
+        <a:lnRef idx="1">
+          <a:schemeClr val="accent1"/>
+        </a:lnRef>
+        <a:fillRef idx="3">
+          <a:schemeClr val="accent1"/>
+        </a:fillRef>
+        <a:effectRef idx="2">
+          <a:schemeClr val="accent1"/>
+        </a:effectRef>
+        <a:fontRef idx="minor">
+          <a:schemeClr val="lt1"/>
+        </a:fontRef>
+      </a:style>
+    </a:spDef>
+    <a:lnDef>
+      <a:spPr/>
+      <a:bodyPr/>
+      <a:lstStyle/>
+      <a:style>
+        <a:lnRef idx="2">
+          <a:schemeClr val="accent1"/>
+        </a:lnRef>
+        <a:fillRef idx="0">
+          <a:schemeClr val="accent1"/>
+        </a:fillRef>
+        <a:effectRef idx="1">
+          <a:schemeClr val="accent1"/>
+        </a:effectRef>
+        <a:fontRef idx="minor">
+          <a:schemeClr val="tx1"/>
+        </a:fontRef>
+      </a:style>
+    </a:lnDef>
+  </a:objectDefaults>
+  <a:extraClrSchemeLst/>
+</a:theme>
+</file>
+
+<file path=ppt/theme/theme3.xml><?xml version="1.0" encoding="utf-8"?>
+<a:theme xmlns:a="http://schemas.openxmlformats.org/drawingml/2006/main" name="Office Theme">
+  <a:themeElements>
+    <a:clrScheme name="Office">
+      <a:dk1>
+        <a:sysClr val="windowText" lastClr="000000"/>
+      </a:dk1>
+      <a:lt1>
+        <a:sysClr val="window" lastClr="FFFFFF"/>
+      </a:lt1>
+      <a:dk2>
+        <a:srgbClr val="1F497D"/>
+      </a:dk2>
+      <a:lt2>
+        <a:srgbClr val="EEECE1"/>
+      </a:lt2>
+      <a:accent1>
+        <a:srgbClr val="4F81BD"/>
+      </a:accent1>
+      <a:accent2>
+        <a:srgbClr val="C0504D"/>
+      </a:accent2>
+      <a:accent3>
+        <a:srgbClr val="9BBB59"/>
+      </a:accent3>
+      <a:accent4>
+        <a:srgbClr val="8064A2"/>
+      </a:accent4>
+      <a:accent5>
+        <a:srgbClr val="4BACC6"/>
+      </a:accent5>
+      <a:accent6>
+        <a:srgbClr val="F79646"/>
+      </a:accent6>
+      <a:hlink>
+        <a:srgbClr val="0000FF"/>
+      </a:hlink>
+      <a:folHlink>
+        <a:srgbClr val="800080"/>
+      </a:folHlink>
+    </a:clrScheme>
+    <a:fontScheme name="Office">
+      <a:majorFont>
+        <a:latin typeface="Calibri"/>
+        <a:ea typeface=""/>
+        <a:cs typeface=""/>
+        <a:font script="Jpan" typeface="ＭＳ Ｐゴシック"/>
+        <a:font script="Hang" typeface="맑은 고딕"/>
+        <a:font script="Hans" typeface="宋体"/>
+        <a:font script="Hant" typeface="新細明體"/>
+        <a:font script="Arab" typeface="Times New Roman"/>
+        <a:font script="Hebr" typeface="Times New Roman"/>
+        <a:font script="Thai" typeface="Angsana New"/>
+        <a:font script="Ethi" typeface="Nyala"/>
+        <a:font script="Beng" typeface="Vrinda"/>
+        <a:font script="Gujr" typeface="Shruti"/>
+        <a:font script="Khmr" typeface="MoolBoran"/>
+        <a:font script="Knda" typeface="Tunga"/>
+        <a:font script="Guru" typeface="Raavi"/>
+        <a:font script="Cans" typeface="Euphemia"/>
+        <a:font script="Cher" typeface="Plantagenet Cherokee"/>
+        <a:font script="Yiii" typeface="Microsoft Yi Baiti"/>
+        <a:font script="Tibt" typeface="Microsoft Himalaya"/>
+        <a:font script="Thaa" typeface="MV Boli"/>
+        <a:font script="Deva" typeface="Mangal"/>
+        <a:font script="Telu" typeface="Gautami"/>
+        <a:font script="Taml" typeface="Latha"/>
+        <a:font script="Syrc" typeface="Estrangelo Edessa"/>
+        <a:font script="Orya" typeface="Kalinga"/>
+        <a:font script="Mlym" typeface="Kartika"/>
+        <a:font script="Laoo" typeface="DokChampa"/>
+        <a:font script="Sinh" typeface="Iskoola Pota"/>
+        <a:font script="Mong" typeface="Mongolian Baiti"/>
+        <a:font script="Viet" typeface="Times New Roman"/>
+        <a:font script="Uigh" typeface="Microsoft Uighur"/>
+        <a:font script="Geor" typeface="Sylfaen"/>
+      </a:majorFont>
+      <a:minorFont>
+        <a:latin typeface="Calibri"/>
+        <a:ea typeface=""/>
+        <a:cs typeface=""/>
+        <a:font script="Jpan" typeface="ＭＳ Ｐゴシック"/>
+        <a:font script="Hang" typeface="맑은 고딕"/>
+        <a:font script="Hans" typeface="宋体"/>
+        <a:font script="Hant" typeface="新細明體"/>
+        <a:font script="Arab" typeface="Arial"/>
+        <a:font script="Hebr" typeface="Arial"/>
+        <a:font script="Thai" typeface="Cordia New"/>
+        <a:font script="Ethi" typeface="Nyala"/>
+        <a:font script="Beng" typeface="Vrinda"/>
+        <a:font script="Gujr" typeface="Shruti"/>
+        <a:font script="Khmr" typeface="DaunPenh"/>
+        <a:font script="Knda" typeface="Tunga"/>
+        <a:font script="Guru" typeface="Raavi"/>
+        <a:font script="Cans" typeface="Euphemia"/>
+        <a:font script="Cher" typeface="Plantagenet Cherokee"/>
+        <a:font script="Yiii" typeface="Microsoft Yi Baiti"/>
+        <a:font script="Tibt" typeface="Microsoft Himalaya"/>
+        <a:font script="Thaa" typeface="MV Boli"/>
+        <a:font script="Deva" typeface="Mangal"/>
+        <a:font script="Telu" typeface="Gautami"/>
+        <a:font script="Taml" typeface="Latha"/>
+        <a:font script="Syrc" typeface="Estrangelo Edessa"/>
+        <a:font script="Orya" typeface="Kalinga"/>
+        <a:font script="Mlym" typeface="Kartika"/>
+        <a:font script="Laoo" typeface="DokChampa"/>
+        <a:font script="Sinh" typeface="Iskoola Pota"/>
+        <a:font script="Mong" typeface="Mongolian Baiti"/>
+        <a:font script="Viet" typeface="Arial"/>
+        <a:font script="Uigh" typeface="Microsoft Uighur"/>
+        <a:font script="Geor" typeface="Sylfaen"/>
+      </a:minorFont>
+    </a:fontScheme>
+    <a:fmtScheme name="Office">
+      <a:fillStyleLst>
+        <a:solidFill>
+          <a:schemeClr val="phClr"/>
+        </a:solidFill>
+        <a:gradFill rotWithShape="1">
+          <a:gsLst>
+            <a:gs pos="0">
+              <a:schemeClr val="phClr">
+                <a:tint val="50000"/>
+                <a:satMod val="300000"/>
+              </a:schemeClr>
+            </a:gs>
+            <a:gs pos="35000">
+              <a:schemeClr val="phClr">
+                <a:tint val="37000"/>
+                <a:satMod val="300000"/>
+              </a:schemeClr>
+            </a:gs>
+            <a:gs pos="100000">
+              <a:schemeClr val="phClr">
+                <a:tint val="15000"/>
+                <a:satMod val="350000"/>
+              </a:schemeClr>
+            </a:gs>
+          </a:gsLst>
+          <a:lin ang="16200000" scaled="1"/>
+        </a:gradFill>
+        <a:gradFill rotWithShape="1">
+          <a:gsLst>
+            <a:gs pos="0">
+              <a:schemeClr val="phClr">
+                <a:tint val="100000"/>
+                <a:shade val="100000"/>
+                <a:satMod val="130000"/>
+              </a:schemeClr>
+            </a:gs>
+            <a:gs pos="100000">
+              <a:schemeClr val="phClr">
+                <a:tint val="50000"/>
+                <a:shade val="100000"/>
+                <a:satMod val="350000"/>
+              </a:schemeClr>
+            </a:gs>
+          </a:gsLst>
+          <a:lin ang="16200000" scaled="0"/>
+        </a:gradFill>
+      </a:fillStyleLst>
+      <a:lnStyleLst>
+        <a:ln w="9525" cap="flat" cmpd="sng" algn="ctr">
+          <a:solidFill>
+            <a:schemeClr val="phClr">
+              <a:shade val="95000"/>
+              <a:satMod val="105000"/>
+            </a:schemeClr>
+          </a:solidFill>
+          <a:prstDash val="solid"/>
+        </a:ln>
+        <a:ln w="25400" cap="flat" cmpd="sng" algn="ctr">
+          <a:solidFill>
+            <a:schemeClr val="phClr"/>
+          </a:solidFill>
+          <a:prstDash val="solid"/>
+        </a:ln>
+        <a:ln w="38100" cap="flat" cmpd="sng" algn="ctr">
+          <a:solidFill>
+            <a:schemeClr val="phClr"/>
+          </a:solidFill>
+          <a:prstDash val="solid"/>
+        </a:ln>
+      </a:lnStyleLst>
+      <a:effectStyleLst>
+        <a:effectStyle>
+          <a:effectLst>
+            <a:outerShdw blurRad="40000" dist="20000" dir="5400000" rotWithShape="0">
+              <a:srgbClr val="000000">
+                <a:alpha val="38000"/>
+              </a:srgbClr>
+            </a:outerShdw>
+          </a:effectLst>
+        </a:effectStyle>
+        <a:effectStyle>
+          <a:effectLst>
+            <a:outerShdw blurRad="40000" dist="23000" dir="5400000" rotWithShape="0">
+              <a:srgbClr val="000000">
+                <a:alpha val="35000"/>
+              </a:srgbClr>
+            </a:outerShdw>
+          </a:effectLst>
+        </a:effectStyle>
+        <a:effectStyle>
+          <a:effectLst>
+            <a:outerShdw blurRad="40000" dist="23000" dir="5400000" rotWithShape="0">
+              <a:srgbClr val="000000">
+                <a:alpha val="35000"/>
+              </a:srgbClr>
+            </a:outerShdw>
+          </a:effectLst>
+          <a:scene3d>
+            <a:camera prst="orthographicFront">
+              <a:rot lat="0" lon="0" rev="0"/>
+            </a:camera>
+            <a:lightRig rig="threePt" dir="t">
+              <a:rot lat="0" lon="0" rev="1200000"/>
+            </a:lightRig>
+          </a:scene3d>
+          <a:sp3d>
+            <a:bevelT w="63500" h="25400"/>
+          </a:sp3d>
+        </a:effectStyle>
+      </a:effectStyleLst>
+      <a:bgFillStyleLst>
+        <a:solidFill>
+          <a:schemeClr val="phClr"/>
+        </a:solidFill>
+        <a:gradFill rotWithShape="1">
+          <a:gsLst>
+            <a:gs pos="0">
+              <a:schemeClr val="phClr">
+                <a:tint val="40000"/>
+                <a:satMod val="350000"/>
+              </a:schemeClr>
+            </a:gs>
+            <a:gs pos="40000">
+              <a:schemeClr val="phClr">
+                <a:tint val="45000"/>
+                <a:shade val="99000"/>
+                <a:satMod val="350000"/>
+              </a:schemeClr>
+            </a:gs>
+            <a:gs pos="100000">
+              <a:schemeClr val="phClr">
+                <a:shade val="20000"/>
+                <a:satMod val="255000"/>
+              </a:schemeClr>
+            </a:gs>
+          </a:gsLst>
+          <a:path path="circle">
+            <a:fillToRect l="50000" t="-80000" r="50000" b="180000"/>
+          </a:path>
+        </a:gradFill>
+        <a:gradFill rotWithShape="1">
+          <a:gsLst>
+            <a:gs pos="0">
+              <a:schemeClr val="phClr">
+                <a:tint val="80000"/>
+                <a:satMod val="300000"/>
+              </a:schemeClr>
+            </a:gs>
+            <a:gs pos="100000">
+              <a:schemeClr val="phClr">
+                <a:shade val="30000"/>
+                <a:satMod val="200000"/>
+              </a:schemeClr>
+            </a:gs>
+          </a:gsLst>
+          <a:path path="circle">
+            <a:fillToRect l="50000" t="50000" r="50000" b="50000"/>
+          </a:path>
+        </a:gradFill>
+      </a:bgFillStyleLst>
+    </a:fmtScheme>
+  </a:themeElements>
+  <a:objectDefaults>
+    <a:spDef>
+      <a:spPr/>
+      <a:bodyPr/>
+      <a:lstStyle/>
+      <a:style>
+        <a:lnRef idx="1">
+          <a:schemeClr val="accent1"/>
+        </a:lnRef>
+        <a:fillRef idx="3">
+          <a:schemeClr val="accent1"/>
+        </a:fillRef>
+        <a:effectRef idx="2">
+          <a:schemeClr val="accent1"/>
+        </a:effectRef>
+        <a:fontRef idx="minor">
+          <a:schemeClr val="lt1"/>
+        </a:fontRef>
+      </a:style>
+    </a:spDef>
+    <a:lnDef>
+      <a:spPr/>
+      <a:bodyPr/>
+      <a:lstStyle/>
+      <a:style>
+        <a:lnRef idx="2">
+          <a:schemeClr val="accent1"/>
+        </a:lnRef>
+        <a:fillRef idx="0">
+          <a:schemeClr val="accent1"/>
+        </a:fillRef>
+        <a:effectRef idx="1">
+          <a:schemeClr val="accent1"/>
+        </a:effectRef>
+        <a:fontRef idx="minor">
+          <a:schemeClr val="tx1"/>
+        </a:fontRef>
+      </a:style>
+    </a:lnDef>
+  </a:objectDefaults>
+  <a:extraClrSchemeLst/>
+</a:theme>
 </file>
--- a/Performance_Testing/Google Cloud Performance Test and SGE install .pptx
+++ b/Performance_Testing/Google Cloud Performance Test and SGE install .pptx
@@ -8092,14 +8092,146 @@
             <p:ph idx="1"/>
           </p:nvPr>
         </p:nvSpPr>
-        <p:spPr/>
-        <p:txBody>
-          <a:bodyPr/>
+        <p:spPr>
+          <a:xfrm>
+            <a:off x="457200" y="1600200"/>
+            <a:ext cx="8229600" cy="5121275"/>
+          </a:xfrm>
+        </p:spPr>
+        <p:txBody>
+          <a:bodyPr>
+            <a:normAutofit/>
+          </a:bodyPr>
           <a:lstStyle/>
           <a:p>
             <a:r>
+              <a:rPr lang="en-US" dirty="0" err="1" smtClean="0"/>
+              <a:t>Git</a:t>
+            </a:r>
+            <a:r>
               <a:rPr lang="en-US" dirty="0" smtClean="0"/>
-              <a:t>We can let it run when we move on to the next section – Performance Test.</a:t>
+              <a:t> clone </a:t>
+            </a:r>
+            <a:r>
+              <a:rPr lang="nl-NL" dirty="0">
+                <a:hlinkClick r:id="rId2"/>
+              </a:rPr>
+              <a:t>https://github.com/qtrinh/</a:t>
+            </a:r>
+            <a:r>
+              <a:rPr lang="nl-NL" dirty="0" smtClean="0">
+                <a:hlinkClick r:id="rId2"/>
+              </a:rPr>
+              <a:t>GoogleCloud.git</a:t>
+            </a:r>
+            <a:endParaRPr lang="nl-NL" dirty="0" smtClean="0"/>
+          </a:p>
+          <a:p>
+            <a:r>
+              <a:rPr lang="nl-NL" dirty="0" smtClean="0"/>
+              <a:t>. </a:t>
+            </a:r>
+            <a:r>
+              <a:rPr lang="en-US" dirty="0"/>
+              <a:t>e</a:t>
+            </a:r>
+            <a:r>
+              <a:rPr lang="nl-NL" dirty="0" err="1" smtClean="0"/>
+              <a:t>nv.sh</a:t>
+            </a:r>
+            <a:endParaRPr lang="nl-NL" dirty="0" smtClean="0"/>
+          </a:p>
+          <a:p>
+            <a:r>
+              <a:rPr lang="en-US" dirty="0" smtClean="0"/>
+              <a:t>Edit </a:t>
+            </a:r>
+            <a:r>
+              <a:rPr lang="en-US" dirty="0" err="1" smtClean="0"/>
+              <a:t>config.txt</a:t>
+            </a:r>
+            <a:r>
+              <a:rPr lang="en-US" dirty="0" smtClean="0"/>
+              <a:t> (vi </a:t>
+            </a:r>
+            <a:r>
+              <a:rPr lang="en-US" dirty="0" err="1" smtClean="0"/>
+              <a:t>config.txt</a:t>
+            </a:r>
+            <a:r>
+              <a:rPr lang="en-US" dirty="0" smtClean="0"/>
+              <a:t>)</a:t>
+            </a:r>
+          </a:p>
+          <a:p>
+            <a:r>
+              <a:rPr lang="en-US" dirty="0" err="1"/>
+              <a:t>p</a:t>
+            </a:r>
+            <a:r>
+              <a:rPr lang="en-US" dirty="0" err="1" smtClean="0"/>
+              <a:t>erl</a:t>
+            </a:r>
+            <a:r>
+              <a:rPr lang="en-US" dirty="0" smtClean="0"/>
+              <a:t> </a:t>
+            </a:r>
+            <a:r>
+              <a:rPr lang="en-US" dirty="0" err="1" smtClean="0"/>
+              <a:t>setup.pl</a:t>
+            </a:r>
+            <a:r>
+              <a:rPr lang="en-US" dirty="0" smtClean="0"/>
+              <a:t> </a:t>
+            </a:r>
+            <a:r>
+              <a:rPr lang="en-US" dirty="0" err="1" smtClean="0"/>
+              <a:t>config.txt</a:t>
+            </a:r>
+            <a:r>
+              <a:rPr lang="en-US" dirty="0" smtClean="0"/>
+              <a:t> 100</a:t>
+            </a:r>
+          </a:p>
+          <a:p>
+            <a:r>
+              <a:rPr lang="en-US" dirty="0" err="1"/>
+              <a:t>perl</a:t>
+            </a:r>
+            <a:r>
+              <a:rPr lang="en-US" dirty="0"/>
+              <a:t> </a:t>
+            </a:r>
+            <a:r>
+              <a:rPr lang="en-US" dirty="0" err="1"/>
+              <a:t>setup.pl</a:t>
+            </a:r>
+            <a:r>
+              <a:rPr lang="en-US" dirty="0"/>
+              <a:t> </a:t>
+            </a:r>
+            <a:r>
+              <a:rPr lang="en-US" dirty="0" err="1"/>
+              <a:t>config.txt</a:t>
+            </a:r>
+            <a:r>
+              <a:rPr lang="en-US" dirty="0"/>
+              <a:t> </a:t>
+            </a:r>
+            <a:r>
+              <a:rPr lang="en-US" dirty="0" smtClean="0"/>
+              <a:t>201</a:t>
+            </a:r>
+            <a:endParaRPr lang="en-US" dirty="0" smtClean="0"/>
+          </a:p>
+          <a:p>
+            <a:r>
+              <a:rPr lang="en-US" dirty="0" smtClean="0"/>
+              <a:t>We </a:t>
+            </a:r>
+            <a:r>
+              <a:rPr lang="en-US" dirty="0" smtClean="0"/>
+              <a:t>can let it run when we move on to the next section – Performance Test.</a:t>
             </a:r>
             <a:endParaRPr lang="en-US" dirty="0"/>
           </a:p>

--- a/Performance_Testing/Google Cloud Performance Test and SGE install .pptx
+++ b/Performance_Testing/Google Cloud Performance Test and SGE install .pptx
@@ -150,10 +150,10 @@
           <c:layoutTarget val="inner"/>
           <c:xMode val="edge"/>
           <c:yMode val="edge"/>
-          <c:x val="0.0651058374647614"/>
-          <c:y val="0.0326797385620915"/>
-          <c:w val="0.806066394478468"/>
-          <c:h val="0.910227061069655"/>
+          <c:x val="0.0820811461067366"/>
+          <c:y val="0.053426290289283"/>
+          <c:w val="0.773658987071061"/>
+          <c:h val="0.822053807734538"/>
         </c:manualLayout>
       </c:layout>
       <c:lineChart>
@@ -303,6 +303,37 @@
         </c:scaling>
         <c:delete val="0"/>
         <c:axPos val="b"/>
+        <c:title>
+          <c:tx>
+            <c:rich>
+              <a:bodyPr/>
+              <a:lstStyle/>
+              <a:p>
+                <a:pPr>
+                  <a:defRPr/>
+                </a:pPr>
+                <a:r>
+                  <a:rPr lang="en-US" dirty="0" smtClean="0"/>
+                  <a:t>Size</a:t>
+                </a:r>
+                <a:r>
+                  <a:rPr lang="en-US" baseline="0" dirty="0" smtClean="0"/>
+                  <a:t> of File (G)</a:t>
+                </a:r>
+                <a:endParaRPr lang="en-US" dirty="0"/>
+              </a:p>
+            </c:rich>
+          </c:tx>
+          <c:layout>
+            <c:manualLayout>
+              <c:xMode val="edge"/>
+              <c:yMode val="edge"/>
+              <c:x val="0.759564741907262"/>
+              <c:y val="0.948992245940876"/>
+            </c:manualLayout>
+          </c:layout>
+          <c:overlay val="0"/>
+        </c:title>
         <c:numFmt formatCode="General" sourceLinked="1"/>
         <c:majorTickMark val="out"/>
         <c:minorTickMark val="none"/>
@@ -317,10 +348,38 @@
         <c:axId val="1889236968"/>
         <c:scaling>
           <c:orientation val="minMax"/>
+          <c:max val="3000.0"/>
         </c:scaling>
         <c:delete val="0"/>
         <c:axPos val="l"/>
         <c:majorGridlines/>
+        <c:title>
+          <c:tx>
+            <c:rich>
+              <a:bodyPr rot="-5400000" vert="horz"/>
+              <a:lstStyle/>
+              <a:p>
+                <a:pPr>
+                  <a:defRPr/>
+                </a:pPr>
+                <a:r>
+                  <a:rPr lang="en-US" dirty="0" smtClean="0"/>
+                  <a:t>Time (Sec)</a:t>
+                </a:r>
+                <a:endParaRPr lang="en-US" dirty="0"/>
+              </a:p>
+            </c:rich>
+          </c:tx>
+          <c:layout>
+            <c:manualLayout>
+              <c:xMode val="edge"/>
+              <c:yMode val="edge"/>
+              <c:x val="0.00308641975308642"/>
+              <c:y val="0.0366245696245"/>
+            </c:manualLayout>
+          </c:layout>
+          <c:overlay val="0"/>
+        </c:title>
         <c:numFmt formatCode="General" sourceLinked="1"/>
         <c:majorTickMark val="out"/>
         <c:minorTickMark val="none"/>
@@ -542,14 +601,10 @@
                   <a:defRPr/>
                 </a:pPr>
                 <a:r>
-                  <a:rPr lang="en-US"/>
-                  <a:t>File</a:t>
+                  <a:rPr lang="en-US" dirty="0" smtClean="0"/>
+                  <a:t>Size of File (G)</a:t>
                 </a:r>
-                <a:r>
-                  <a:rPr lang="en-US" baseline="0"/>
-                  <a:t> Size</a:t>
-                </a:r>
-                <a:endParaRPr lang="en-US"/>
+                <a:endParaRPr lang="en-US" dirty="0"/>
               </a:p>
             </c:rich>
           </c:tx>
@@ -557,8 +612,8 @@
             <c:manualLayout>
               <c:xMode val="edge"/>
               <c:yMode val="edge"/>
-              <c:x val="0.845396016674386"/>
-              <c:y val="0.940298507462687"/>
+              <c:x val="0.853881112083212"/>
+              <c:y val="0.955278688756404"/>
             </c:manualLayout>
           </c:layout>
           <c:overlay val="0"/>
@@ -584,16 +639,17 @@
         <c:title>
           <c:tx>
             <c:rich>
-              <a:bodyPr rot="0" vert="horz"/>
+              <a:bodyPr rot="-5400000" vert="horz"/>
               <a:lstStyle/>
               <a:p>
                 <a:pPr>
                   <a:defRPr/>
                 </a:pPr>
                 <a:r>
-                  <a:rPr lang="en-US"/>
-                  <a:t>sec</a:t>
+                  <a:rPr lang="en-US" dirty="0" smtClean="0"/>
+                  <a:t>Time (Sec)</a:t>
                 </a:r>
+                <a:endParaRPr lang="en-US" dirty="0"/>
               </a:p>
             </c:rich>
           </c:tx>
@@ -601,8 +657,8 @@
             <c:manualLayout>
               <c:xMode val="edge"/>
               <c:yMode val="edge"/>
-              <c:x val="0.0174880763116057"/>
-              <c:y val="0.0729519724213577"/>
+              <c:x val="0.017488091766307"/>
+              <c:y val="0.0729519883392772"/>
             </c:manualLayout>
           </c:layout>
           <c:overlay val="0"/>
@@ -663,10 +719,10 @@
           <c:layoutTarget val="inner"/>
           <c:xMode val="edge"/>
           <c:yMode val="edge"/>
-          <c:x val="0.0642247496840673"/>
-          <c:y val="0.0364784245916283"/>
-          <c:w val="0.843285214348206"/>
-          <c:h val="0.906428311499674"/>
+          <c:x val="0.0873728978322154"/>
+          <c:y val="0.0313177910271271"/>
+          <c:w val="0.812421016817342"/>
+          <c:h val="0.850840590958453"/>
         </c:manualLayout>
       </c:layout>
       <c:lineChart>
@@ -797,6 +853,37 @@
         </c:scaling>
         <c:delete val="0"/>
         <c:axPos val="b"/>
+        <c:title>
+          <c:tx>
+            <c:rich>
+              <a:bodyPr/>
+              <a:lstStyle/>
+              <a:p>
+                <a:pPr>
+                  <a:defRPr/>
+                </a:pPr>
+                <a:r>
+                  <a:rPr lang="en-US" dirty="0" smtClean="0"/>
+                  <a:t>Size</a:t>
+                </a:r>
+                <a:r>
+                  <a:rPr lang="en-US" baseline="0" dirty="0" smtClean="0"/>
+                  <a:t> of File (G)</a:t>
+                </a:r>
+                <a:endParaRPr lang="en-US" dirty="0"/>
+              </a:p>
+            </c:rich>
+          </c:tx>
+          <c:layout>
+            <c:manualLayout>
+              <c:xMode val="edge"/>
+              <c:yMode val="edge"/>
+              <c:x val="0.816644915913289"/>
+              <c:y val="0.944980886193869"/>
+            </c:manualLayout>
+          </c:layout>
+          <c:overlay val="0"/>
+        </c:title>
         <c:numFmt formatCode="General" sourceLinked="1"/>
         <c:majorTickMark val="out"/>
         <c:minorTickMark val="none"/>
@@ -815,6 +902,37 @@
         <c:delete val="0"/>
         <c:axPos val="l"/>
         <c:majorGridlines/>
+        <c:title>
+          <c:tx>
+            <c:rich>
+              <a:bodyPr rot="-5400000" vert="horz"/>
+              <a:lstStyle/>
+              <a:p>
+                <a:pPr>
+                  <a:defRPr/>
+                </a:pPr>
+                <a:r>
+                  <a:rPr lang="en-US" dirty="0" smtClean="0"/>
+                  <a:t>Time</a:t>
+                </a:r>
+                <a:r>
+                  <a:rPr lang="en-US" baseline="0" dirty="0" smtClean="0"/>
+                  <a:t> (Sec)</a:t>
+                </a:r>
+                <a:endParaRPr lang="en-US" dirty="0"/>
+              </a:p>
+            </c:rich>
+          </c:tx>
+          <c:layout>
+            <c:manualLayout>
+              <c:xMode val="edge"/>
+              <c:yMode val="edge"/>
+              <c:x val="0.00617283950617284"/>
+              <c:y val="0.0216441632033581"/>
+            </c:manualLayout>
+          </c:layout>
+          <c:overlay val="0"/>
+        </c:title>
         <c:numFmt formatCode="General" sourceLinked="1"/>
         <c:majorTickMark val="out"/>
         <c:minorTickMark val="none"/>
@@ -861,10 +979,10 @@
           <c:layoutTarget val="inner"/>
           <c:xMode val="edge"/>
           <c:yMode val="edge"/>
-          <c:x val="0.0570368189957564"/>
+          <c:x val="0.0863577816661806"/>
           <c:y val="0.0169971671388102"/>
-          <c:w val="0.824628900554097"/>
-          <c:h val="0.911011645477438"/>
+          <c:w val="0.79222149314669"/>
+          <c:h val="0.877963909348816"/>
         </c:manualLayout>
       </c:layout>
       <c:lineChart>
@@ -995,6 +1113,37 @@
         </c:scaling>
         <c:delete val="0"/>
         <c:axPos val="b"/>
+        <c:title>
+          <c:tx>
+            <c:rich>
+              <a:bodyPr/>
+              <a:lstStyle/>
+              <a:p>
+                <a:pPr>
+                  <a:defRPr/>
+                </a:pPr>
+                <a:r>
+                  <a:rPr lang="en-US" dirty="0" smtClean="0"/>
+                  <a:t>Size</a:t>
+                </a:r>
+                <a:r>
+                  <a:rPr lang="en-US" baseline="0" dirty="0" smtClean="0"/>
+                  <a:t> of File (G)</a:t>
+                </a:r>
+                <a:endParaRPr lang="en-US" dirty="0"/>
+              </a:p>
+            </c:rich>
+          </c:tx>
+          <c:layout>
+            <c:manualLayout>
+              <c:xMode val="edge"/>
+              <c:yMode val="edge"/>
+              <c:x val="0.774135194906192"/>
+              <c:y val="0.951769172920742"/>
+            </c:manualLayout>
+          </c:layout>
+          <c:overlay val="0"/>
+        </c:title>
         <c:numFmt formatCode="General" sourceLinked="1"/>
         <c:majorTickMark val="out"/>
         <c:minorTickMark val="none"/>
@@ -1009,10 +1158,42 @@
         <c:axId val="1888943752"/>
         <c:scaling>
           <c:orientation val="minMax"/>
+          <c:max val="18000.0"/>
         </c:scaling>
         <c:delete val="0"/>
         <c:axPos val="l"/>
         <c:majorGridlines/>
+        <c:title>
+          <c:tx>
+            <c:rich>
+              <a:bodyPr rot="-5400000" vert="horz"/>
+              <a:lstStyle/>
+              <a:p>
+                <a:pPr>
+                  <a:defRPr/>
+                </a:pPr>
+                <a:r>
+                  <a:rPr lang="en-US" dirty="0" smtClean="0"/>
+                  <a:t>Time</a:t>
+                </a:r>
+                <a:r>
+                  <a:rPr lang="en-US" baseline="0" dirty="0" smtClean="0"/>
+                  <a:t> (Sec)</a:t>
+                </a:r>
+                <a:endParaRPr lang="en-US" dirty="0"/>
+              </a:p>
+            </c:rich>
+          </c:tx>
+          <c:layout>
+            <c:manualLayout>
+              <c:xMode val="edge"/>
+              <c:yMode val="edge"/>
+              <c:x val="0.00515772334013804"/>
+              <c:y val="0.0173287249372424"/>
+            </c:manualLayout>
+          </c:layout>
+          <c:overlay val="0"/>
+        </c:title>
         <c:numFmt formatCode="General" sourceLinked="1"/>
         <c:majorTickMark val="out"/>
         <c:minorTickMark val="none"/>
@@ -1024,7 +1205,16 @@
     </c:plotArea>
     <c:legend>
       <c:legendPos val="r"/>
-      <c:layout/>
+      <c:layout>
+        <c:manualLayout>
+          <c:xMode val="edge"/>
+          <c:yMode val="edge"/>
+          <c:x val="0.898250704773014"/>
+          <c:y val="0.271886043615022"/>
+          <c:w val="0.083230776708467"/>
+          <c:h val="0.107687728261099"/>
+        </c:manualLayout>
+      </c:layout>
       <c:overlay val="0"/>
     </c:legend>
     <c:plotVisOnly val="1"/>
@@ -1183,6 +1373,37 @@
         </c:scaling>
         <c:delete val="0"/>
         <c:axPos val="b"/>
+        <c:title>
+          <c:tx>
+            <c:rich>
+              <a:bodyPr/>
+              <a:lstStyle/>
+              <a:p>
+                <a:pPr>
+                  <a:defRPr/>
+                </a:pPr>
+                <a:r>
+                  <a:rPr lang="en-US" dirty="0" smtClean="0"/>
+                  <a:t>Size</a:t>
+                </a:r>
+                <a:r>
+                  <a:rPr lang="en-US" baseline="0" dirty="0" smtClean="0"/>
+                  <a:t> of File (G)</a:t>
+                </a:r>
+                <a:endParaRPr lang="en-US" dirty="0"/>
+              </a:p>
+            </c:rich>
+          </c:tx>
+          <c:layout>
+            <c:manualLayout>
+              <c:xMode val="edge"/>
+              <c:yMode val="edge"/>
+              <c:x val="0.636616870445744"/>
+              <c:y val="0.883768059096555"/>
+            </c:manualLayout>
+          </c:layout>
+          <c:overlay val="0"/>
+        </c:title>
         <c:numFmt formatCode="General" sourceLinked="1"/>
         <c:majorTickMark val="out"/>
         <c:minorTickMark val="none"/>
@@ -1201,6 +1422,37 @@
         <c:delete val="0"/>
         <c:axPos val="l"/>
         <c:majorGridlines/>
+        <c:title>
+          <c:tx>
+            <c:rich>
+              <a:bodyPr rot="-5400000" vert="horz"/>
+              <a:lstStyle/>
+              <a:p>
+                <a:pPr>
+                  <a:defRPr/>
+                </a:pPr>
+                <a:r>
+                  <a:rPr lang="en-US" dirty="0" smtClean="0"/>
+                  <a:t>Time</a:t>
+                </a:r>
+                <a:r>
+                  <a:rPr lang="en-US" baseline="0" dirty="0" smtClean="0"/>
+                  <a:t> (Sec)</a:t>
+                </a:r>
+                <a:endParaRPr lang="en-US" dirty="0"/>
+              </a:p>
+            </c:rich>
+          </c:tx>
+          <c:layout>
+            <c:manualLayout>
+              <c:xMode val="edge"/>
+              <c:yMode val="edge"/>
+              <c:x val="0.0230651413673209"/>
+              <c:y val="0.0590200692946329"/>
+            </c:manualLayout>
+          </c:layout>
+          <c:overlay val="0"/>
+        </c:title>
         <c:numFmt formatCode="General" sourceLinked="1"/>
         <c:majorTickMark val="out"/>
         <c:minorTickMark val="none"/>
@@ -1225,16 +1477,266 @@
 </c:chartSpace>
 </file>
 
+<file path=ppt/charts/chart6.xml><?xml version="1.0" encoding="utf-8"?>
+<c:chartSpace xmlns:c="http://schemas.openxmlformats.org/drawingml/2006/chart" xmlns:a="http://schemas.openxmlformats.org/drawingml/2006/main" xmlns:r="http://schemas.openxmlformats.org/officeDocument/2006/relationships">
+  <c:date1904 val="0"/>
+  <c:lang val="en-US"/>
+  <c:roundedCorners val="0"/>
+  <mc:AlternateContent xmlns:mc="http://schemas.openxmlformats.org/markup-compatibility/2006">
+    <mc:Choice xmlns:c14="http://schemas.microsoft.com/office/drawing/2007/8/2/chart" Requires="c14">
+      <c14:style val="118"/>
+    </mc:Choice>
+    <mc:Fallback>
+      <c:style val="18"/>
+    </mc:Fallback>
+  </mc:AlternateContent>
+  <c:chart>
+    <c:autoTitleDeleted val="0"/>
+    <c:plotArea>
+      <c:layout/>
+      <c:lineChart>
+        <c:grouping val="standard"/>
+        <c:varyColors val="0"/>
+        <c:ser>
+          <c:idx val="0"/>
+          <c:order val="0"/>
+          <c:tx>
+            <c:strRef>
+              <c:f>Sheet1!$B$159</c:f>
+              <c:strCache>
+                <c:ptCount val="1"/>
+                <c:pt idx="0">
+                  <c:v>push </c:v>
+                </c:pt>
+              </c:strCache>
+            </c:strRef>
+          </c:tx>
+          <c:cat>
+            <c:numRef>
+              <c:f>Sheet1!$A$160:$A$162</c:f>
+              <c:numCache>
+                <c:formatCode>General</c:formatCode>
+                <c:ptCount val="3"/>
+                <c:pt idx="0">
+                  <c:v>1.0</c:v>
+                </c:pt>
+                <c:pt idx="1">
+                  <c:v>10.0</c:v>
+                </c:pt>
+                <c:pt idx="2">
+                  <c:v>50.0</c:v>
+                </c:pt>
+              </c:numCache>
+            </c:numRef>
+          </c:cat>
+          <c:val>
+            <c:numRef>
+              <c:f>Sheet1!$B$160:$B$162</c:f>
+              <c:numCache>
+                <c:formatCode>General</c:formatCode>
+                <c:ptCount val="3"/>
+                <c:pt idx="0">
+                  <c:v>47.554</c:v>
+                </c:pt>
+                <c:pt idx="1">
+                  <c:v>580.424</c:v>
+                </c:pt>
+                <c:pt idx="2">
+                  <c:v>2750.661</c:v>
+                </c:pt>
+              </c:numCache>
+            </c:numRef>
+          </c:val>
+          <c:smooth val="0"/>
+        </c:ser>
+        <c:ser>
+          <c:idx val="1"/>
+          <c:order val="1"/>
+          <c:tx>
+            <c:strRef>
+              <c:f>Sheet1!$C$159</c:f>
+              <c:strCache>
+                <c:ptCount val="1"/>
+                <c:pt idx="0">
+                  <c:v>pull</c:v>
+                </c:pt>
+              </c:strCache>
+            </c:strRef>
+          </c:tx>
+          <c:cat>
+            <c:numRef>
+              <c:f>Sheet1!$A$160:$A$162</c:f>
+              <c:numCache>
+                <c:formatCode>General</c:formatCode>
+                <c:ptCount val="3"/>
+                <c:pt idx="0">
+                  <c:v>1.0</c:v>
+                </c:pt>
+                <c:pt idx="1">
+                  <c:v>10.0</c:v>
+                </c:pt>
+                <c:pt idx="2">
+                  <c:v>50.0</c:v>
+                </c:pt>
+              </c:numCache>
+            </c:numRef>
+          </c:cat>
+          <c:val>
+            <c:numRef>
+              <c:f>Sheet1!$C$160:$C$162</c:f>
+              <c:numCache>
+                <c:formatCode>General</c:formatCode>
+                <c:ptCount val="3"/>
+                <c:pt idx="0">
+                  <c:v>58.69</c:v>
+                </c:pt>
+                <c:pt idx="1">
+                  <c:v>584.779</c:v>
+                </c:pt>
+                <c:pt idx="2">
+                  <c:v>3120.54</c:v>
+                </c:pt>
+              </c:numCache>
+            </c:numRef>
+          </c:val>
+          <c:smooth val="0"/>
+        </c:ser>
+        <c:dLbls>
+          <c:dLblPos val="r"/>
+          <c:showLegendKey val="0"/>
+          <c:showVal val="1"/>
+          <c:showCatName val="0"/>
+          <c:showSerName val="0"/>
+          <c:showPercent val="0"/>
+          <c:showBubbleSize val="0"/>
+        </c:dLbls>
+        <c:marker val="1"/>
+        <c:smooth val="0"/>
+        <c:axId val="1863570456"/>
+        <c:axId val="1868468520"/>
+      </c:lineChart>
+      <c:dateAx>
+        <c:axId val="1863570456"/>
+        <c:scaling>
+          <c:orientation val="minMax"/>
+        </c:scaling>
+        <c:delete val="0"/>
+        <c:axPos val="b"/>
+        <c:title>
+          <c:tx>
+            <c:rich>
+              <a:bodyPr/>
+              <a:lstStyle/>
+              <a:p>
+                <a:pPr>
+                  <a:defRPr/>
+                </a:pPr>
+                <a:r>
+                  <a:rPr lang="en-US" dirty="0" smtClean="0"/>
+                  <a:t>Size</a:t>
+                </a:r>
+                <a:r>
+                  <a:rPr lang="en-US" baseline="0" dirty="0" smtClean="0"/>
+                  <a:t> of File(G)</a:t>
+                </a:r>
+                <a:endParaRPr lang="en-US" dirty="0"/>
+              </a:p>
+            </c:rich>
+          </c:tx>
+          <c:layout>
+            <c:manualLayout>
+              <c:xMode val="edge"/>
+              <c:yMode val="edge"/>
+              <c:x val="0.612448975123252"/>
+              <c:y val="0.869002421760628"/>
+            </c:manualLayout>
+          </c:layout>
+          <c:overlay val="0"/>
+        </c:title>
+        <c:numFmt formatCode="General" sourceLinked="1"/>
+        <c:majorTickMark val="out"/>
+        <c:minorTickMark val="none"/>
+        <c:tickLblPos val="nextTo"/>
+        <c:crossAx val="1868468520"/>
+        <c:crosses val="autoZero"/>
+        <c:auto val="0"/>
+        <c:lblOffset val="100"/>
+        <c:baseTimeUnit val="days"/>
+      </c:dateAx>
+      <c:valAx>
+        <c:axId val="1868468520"/>
+        <c:scaling>
+          <c:orientation val="minMax"/>
+          <c:max val="18000.0"/>
+        </c:scaling>
+        <c:delete val="0"/>
+        <c:axPos val="l"/>
+        <c:majorGridlines/>
+        <c:title>
+          <c:tx>
+            <c:rich>
+              <a:bodyPr rot="-5400000" vert="horz"/>
+              <a:lstStyle/>
+              <a:p>
+                <a:pPr>
+                  <a:defRPr/>
+                </a:pPr>
+                <a:r>
+                  <a:rPr lang="en-US" dirty="0" smtClean="0"/>
+                  <a:t>Time</a:t>
+                </a:r>
+                <a:r>
+                  <a:rPr lang="en-US" baseline="0" dirty="0" smtClean="0"/>
+                  <a:t> (Sec)</a:t>
+                </a:r>
+                <a:endParaRPr lang="en-US" dirty="0"/>
+              </a:p>
+            </c:rich>
+          </c:tx>
+          <c:layout>
+            <c:manualLayout>
+              <c:xMode val="edge"/>
+              <c:yMode val="edge"/>
+              <c:x val="0.0220261404326879"/>
+              <c:y val="0.0447819420796197"/>
+            </c:manualLayout>
+          </c:layout>
+          <c:overlay val="0"/>
+        </c:title>
+        <c:numFmt formatCode="General" sourceLinked="1"/>
+        <c:majorTickMark val="out"/>
+        <c:minorTickMark val="none"/>
+        <c:tickLblPos val="nextTo"/>
+        <c:crossAx val="1863570456"/>
+        <c:crosses val="autoZero"/>
+        <c:crossBetween val="between"/>
+      </c:valAx>
+    </c:plotArea>
+    <c:legend>
+      <c:legendPos val="r"/>
+      <c:layout/>
+      <c:overlay val="0"/>
+    </c:legend>
+    <c:plotVisOnly val="1"/>
+    <c:dispBlanksAs val="gap"/>
+    <c:showDLblsOverMax val="0"/>
+  </c:chart>
+  <c:externalData r:id="rId1">
+    <c:autoUpdate val="0"/>
+  </c:externalData>
+</c:chartSpace>
+</file>
+
 <file path=ppt/drawings/drawing1.xml><?xml version="1.0" encoding="utf-8"?>
 <c:userShapes xmlns:c="http://schemas.openxmlformats.org/drawingml/2006/chart">
   <cdr:relSizeAnchor xmlns:cdr="http://schemas.openxmlformats.org/drawingml/2006/chartDrawing">
     <cdr:from>
-      <cdr:x>0.7358</cdr:x>
-      <cdr:y>0.64054</cdr:y>
+      <cdr:x>0.69744</cdr:x>
+      <cdr:y>0.66378</cdr:y>
     </cdr:from>
     <cdr:to>
-      <cdr:x>0.8224</cdr:x>
-      <cdr:y>0.72215</cdr:y>
+      <cdr:x>0.78404</cdr:x>
+      <cdr:y>0.74539</cdr:y>
     </cdr:to>
     <cdr:sp macro="" textlink="">
       <cdr:nvSpPr>
@@ -1243,15 +1745,15 @@
       </cdr:nvSpPr>
       <cdr:spPr>
         <a:xfrm xmlns:a="http://schemas.openxmlformats.org/drawingml/2006/main">
-          <a:off x="6055356" y="2899074"/>
-          <a:ext cx="712638" cy="369332"/>
+          <a:off x="5739658" y="3250639"/>
+          <a:ext cx="712683" cy="399658"/>
         </a:xfrm>
         <a:prstGeom xmlns:a="http://schemas.openxmlformats.org/drawingml/2006/main" prst="borderCallout1">
           <a:avLst>
             <a:gd name="adj1" fmla="val 52132"/>
             <a:gd name="adj2" fmla="val -1302"/>
-            <a:gd name="adj3" fmla="val -197950"/>
-            <a:gd name="adj4" fmla="val -133458"/>
+            <a:gd name="adj3" fmla="val -146062"/>
+            <a:gd name="adj4" fmla="val -112698"/>
           </a:avLst>
         </a:prstGeom>
       </cdr:spPr>
@@ -1380,12 +1882,12 @@
   </cdr:relSizeAnchor>
   <cdr:relSizeAnchor xmlns:cdr="http://schemas.openxmlformats.org/drawingml/2006/chartDrawing">
     <cdr:from>
-      <cdr:x>0.20544</cdr:x>
-      <cdr:y>0.42262</cdr:y>
+      <cdr:x>0.13353</cdr:x>
+      <cdr:y>0.57719</cdr:y>
     </cdr:from>
     <cdr:to>
-      <cdr:x>0.30582</cdr:x>
-      <cdr:y>0.50422</cdr:y>
+      <cdr:x>0.23391</cdr:x>
+      <cdr:y>0.65879</cdr:y>
     </cdr:to>
     <cdr:sp macro="" textlink="">
       <cdr:nvSpPr>
@@ -1394,15 +1896,15 @@
       </cdr:nvSpPr>
       <cdr:spPr>
         <a:xfrm xmlns:a="http://schemas.openxmlformats.org/drawingml/2006/main">
-          <a:off x="1690648" y="1912755"/>
-          <a:ext cx="826089" cy="369332"/>
+          <a:off x="1098864" y="2826613"/>
+          <a:ext cx="826087" cy="399610"/>
         </a:xfrm>
         <a:prstGeom xmlns:a="http://schemas.openxmlformats.org/drawingml/2006/main" prst="borderCallout1">
           <a:avLst>
             <a:gd name="adj1" fmla="val 105543"/>
             <a:gd name="adj2" fmla="val 50937"/>
-            <a:gd name="adj3" fmla="val 526435"/>
-            <a:gd name="adj4" fmla="val -50483"/>
+            <a:gd name="adj3" fmla="val 302769"/>
+            <a:gd name="adj4" fmla="val 3248"/>
           </a:avLst>
         </a:prstGeom>
       </cdr:spPr>
@@ -2145,12 +2647,12 @@
 <c:userShapes xmlns:c="http://schemas.openxmlformats.org/drawingml/2006/chart">
   <cdr:relSizeAnchor xmlns:cdr="http://schemas.openxmlformats.org/drawingml/2006/chartDrawing">
     <cdr:from>
-      <cdr:x>0.43017</cdr:x>
-      <cdr:y>0.75743</cdr:y>
+      <cdr:x>0.43766</cdr:x>
+      <cdr:y>0.72737</cdr:y>
     </cdr:from>
     <cdr:to>
-      <cdr:x>0.53055</cdr:x>
-      <cdr:y>0.8356</cdr:y>
+      <cdr:x>0.53804</cdr:x>
+      <cdr:y>0.80554</cdr:y>
     </cdr:to>
     <cdr:sp macro="" textlink="">
       <cdr:nvSpPr>
@@ -2159,8 +2661,8 @@
       </cdr:nvSpPr>
       <cdr:spPr>
         <a:xfrm xmlns:a="http://schemas.openxmlformats.org/drawingml/2006/main">
-          <a:off x="3540101" y="3578512"/>
-          <a:ext cx="826089" cy="369332"/>
+          <a:off x="3601775" y="3579997"/>
+          <a:ext cx="826087" cy="384740"/>
         </a:xfrm>
         <a:prstGeom xmlns:a="http://schemas.openxmlformats.org/drawingml/2006/main" prst="borderCallout1">
           <a:avLst>
@@ -2297,11 +2799,11 @@
   <cdr:relSizeAnchor xmlns:cdr="http://schemas.openxmlformats.org/drawingml/2006/chartDrawing">
     <cdr:from>
       <cdr:x>0.70883</cdr:x>
-      <cdr:y>0.55649</cdr:y>
+      <cdr:y>0.52393</cdr:y>
     </cdr:from>
     <cdr:to>
       <cdr:x>0.80921</cdr:x>
-      <cdr:y>0.63466</cdr:y>
+      <cdr:y>0.6021</cdr:y>
     </cdr:to>
     <cdr:sp macro="" textlink="">
       <cdr:nvSpPr>
@@ -2310,8 +2812,8 @@
       </cdr:nvSpPr>
       <cdr:spPr>
         <a:xfrm xmlns:a="http://schemas.openxmlformats.org/drawingml/2006/main">
-          <a:off x="5833422" y="2629180"/>
-          <a:ext cx="826089" cy="369332"/>
+          <a:off x="5833387" y="2578675"/>
+          <a:ext cx="826088" cy="384740"/>
         </a:xfrm>
         <a:prstGeom xmlns:a="http://schemas.openxmlformats.org/drawingml/2006/main" prst="borderCallout1">
           <a:avLst>
@@ -2447,12 +2949,12 @@
   </cdr:relSizeAnchor>
   <cdr:relSizeAnchor xmlns:cdr="http://schemas.openxmlformats.org/drawingml/2006/chartDrawing">
     <cdr:from>
-      <cdr:x>0.47361</cdr:x>
-      <cdr:y>0.15201</cdr:y>
+      <cdr:x>0.4796</cdr:x>
+      <cdr:y>0.13448</cdr:y>
     </cdr:from>
     <cdr:to>
-      <cdr:x>0.574</cdr:x>
-      <cdr:y>0.23018</cdr:y>
+      <cdr:x>0.57999</cdr:x>
+      <cdr:y>0.21265</cdr:y>
     </cdr:to>
     <cdr:sp macro="" textlink="">
       <cdr:nvSpPr>
@@ -2461,8 +2963,8 @@
       </cdr:nvSpPr>
       <cdr:spPr>
         <a:xfrm xmlns:a="http://schemas.openxmlformats.org/drawingml/2006/main">
-          <a:off x="3897662" y="718187"/>
-          <a:ext cx="826089" cy="369332"/>
+          <a:off x="3946940" y="661865"/>
+          <a:ext cx="826169" cy="384740"/>
         </a:xfrm>
         <a:prstGeom xmlns:a="http://schemas.openxmlformats.org/drawingml/2006/main" prst="borderCallout1">
           <a:avLst>
@@ -2603,12 +3105,12 @@
 <c:userShapes xmlns:c="http://schemas.openxmlformats.org/drawingml/2006/chart">
   <cdr:relSizeAnchor xmlns:cdr="http://schemas.openxmlformats.org/drawingml/2006/chartDrawing">
     <cdr:from>
-      <cdr:x>0.08857</cdr:x>
-      <cdr:y>0.48217</cdr:y>
+      <cdr:x>0.13052</cdr:x>
+      <cdr:y>0.4946</cdr:y>
     </cdr:from>
     <cdr:to>
-      <cdr:x>0.18895</cdr:x>
-      <cdr:y>0.56013</cdr:y>
+      <cdr:x>0.2309</cdr:x>
+      <cdr:y>0.57256</cdr:y>
     </cdr:to>
     <cdr:sp macro="" textlink="">
       <cdr:nvSpPr>
@@ -2617,8 +3119,8 @@
       </cdr:nvSpPr>
       <cdr:spPr>
         <a:xfrm xmlns:a="http://schemas.openxmlformats.org/drawingml/2006/main">
-          <a:off x="728934" y="2283968"/>
-          <a:ext cx="826089" cy="369332"/>
+          <a:off x="1074127" y="2470949"/>
+          <a:ext cx="826087" cy="389473"/>
         </a:xfrm>
         <a:prstGeom xmlns:a="http://schemas.openxmlformats.org/drawingml/2006/main" prst="borderCallout1">
           <a:avLst>
@@ -2753,12 +3255,12 @@
   </cdr:relSizeAnchor>
   <cdr:relSizeAnchor xmlns:cdr="http://schemas.openxmlformats.org/drawingml/2006/chartDrawing">
     <cdr:from>
-      <cdr:x>0.59946</cdr:x>
-      <cdr:y>0.56806</cdr:y>
+      <cdr:x>0.74074</cdr:x>
+      <cdr:y>0.61599</cdr:y>
     </cdr:from>
     <cdr:to>
-      <cdr:x>0.69984</cdr:x>
-      <cdr:y>0.64603</cdr:y>
+      <cdr:x>0.84112</cdr:x>
+      <cdr:y>0.69396</cdr:y>
     </cdr:to>
     <cdr:sp macro="" textlink="">
       <cdr:nvSpPr>
@@ -2767,15 +3269,15 @@
       </cdr:nvSpPr>
       <cdr:spPr>
         <a:xfrm xmlns:a="http://schemas.openxmlformats.org/drawingml/2006/main">
-          <a:off x="4933354" y="2690825"/>
-          <a:ext cx="826089" cy="369332"/>
+          <a:off x="6096000" y="3077362"/>
+          <a:ext cx="826087" cy="389524"/>
         </a:xfrm>
         <a:prstGeom xmlns:a="http://schemas.openxmlformats.org/drawingml/2006/main" prst="borderCallout1">
           <a:avLst>
             <a:gd name="adj1" fmla="val 52132"/>
             <a:gd name="adj2" fmla="val -1302"/>
-            <a:gd name="adj3" fmla="val 262719"/>
-            <a:gd name="adj4" fmla="val -120633"/>
+            <a:gd name="adj3" fmla="val 215985"/>
+            <a:gd name="adj4" fmla="val -81827"/>
           </a:avLst>
         </a:prstGeom>
       </cdr:spPr>
@@ -2904,12 +3406,12 @@
   </cdr:relSizeAnchor>
   <cdr:relSizeAnchor xmlns:cdr="http://schemas.openxmlformats.org/drawingml/2006/chartDrawing">
     <cdr:from>
-      <cdr:x>0.46582</cdr:x>
-      <cdr:y>0.11257</cdr:y>
+      <cdr:x>0.71752</cdr:x>
+      <cdr:y>0.22189</cdr:y>
     </cdr:from>
     <cdr:to>
-      <cdr:x>0.5662</cdr:x>
-      <cdr:y>0.19054</cdr:y>
+      <cdr:x>0.8179</cdr:x>
+      <cdr:y>0.29986</cdr:y>
     </cdr:to>
     <cdr:sp macro="" textlink="">
       <cdr:nvSpPr>
@@ -2918,15 +3420,15 @@
       </cdr:nvSpPr>
       <cdr:spPr>
         <a:xfrm xmlns:a="http://schemas.openxmlformats.org/drawingml/2006/main">
-          <a:off x="3833529" y="533252"/>
-          <a:ext cx="826089" cy="369332"/>
+          <a:off x="5904898" y="1108499"/>
+          <a:ext cx="826088" cy="389523"/>
         </a:xfrm>
         <a:prstGeom xmlns:a="http://schemas.openxmlformats.org/drawingml/2006/main" prst="borderCallout1">
           <a:avLst>
             <a:gd name="adj1" fmla="val 105543"/>
             <a:gd name="adj2" fmla="val 53922"/>
-            <a:gd name="adj3" fmla="val 439643"/>
-            <a:gd name="adj4" fmla="val -48991"/>
+            <a:gd name="adj3" fmla="val 380941"/>
+            <a:gd name="adj4" fmla="val 7725"/>
           </a:avLst>
         </a:prstGeom>
       </cdr:spPr>
@@ -7027,14 +7529,14 @@
             <p:ph idx="1"/>
             <p:extLst>
               <p:ext uri="{D42A27DB-BD31-4B8C-83A1-F6EECF244321}">
-                <p14:modId xmlns:p14="http://schemas.microsoft.com/office/powerpoint/2010/main" val="1638617458"/>
+                <p14:modId xmlns:p14="http://schemas.microsoft.com/office/powerpoint/2010/main" val="2800481072"/>
               </p:ext>
             </p:extLst>
           </p:nvPr>
         </p:nvGraphicFramePr>
         <p:xfrm>
           <a:off x="457200" y="1600200"/>
-          <a:ext cx="8229600" cy="4724571"/>
+          <a:ext cx="8229600" cy="4921835"/>
         </p:xfrm>
         <a:graphic>
           <a:graphicData uri="http://schemas.openxmlformats.org/drawingml/2006/chart">
@@ -7050,7 +7552,7 @@
         </p:nvSpPr>
         <p:spPr>
           <a:xfrm>
-            <a:off x="1171321" y="3698697"/>
+            <a:off x="1282288" y="3698697"/>
             <a:ext cx="826089" cy="369332"/>
           </a:xfrm>
           <a:prstGeom prst="borderCallout1">
@@ -7162,7 +7664,15 @@
           <a:p>
             <a:r>
               <a:rPr lang="en-US" dirty="0" smtClean="0"/>
-              <a:t>2-1. Google Cloud – Local to Instance</a:t>
+              <a:t>2-1. Google Cloud </a:t>
+            </a:r>
+            <a:r>
+              <a:rPr lang="en-US" dirty="0" smtClean="0"/>
+              <a:t>External – </a:t>
+            </a:r>
+            <a:r>
+              <a:rPr lang="en-US" dirty="0" smtClean="0"/>
+              <a:t>Local to Instance</a:t>
             </a:r>
             <a:endParaRPr lang="en-US" dirty="0"/>
           </a:p>
@@ -7178,14 +7688,14 @@
             <p:ph idx="1"/>
             <p:extLst>
               <p:ext uri="{D42A27DB-BD31-4B8C-83A1-F6EECF244321}">
-                <p14:modId xmlns:p14="http://schemas.microsoft.com/office/powerpoint/2010/main" val="2870697759"/>
+                <p14:modId xmlns:p14="http://schemas.microsoft.com/office/powerpoint/2010/main" val="2838631388"/>
               </p:ext>
             </p:extLst>
           </p:nvPr>
         </p:nvGraphicFramePr>
         <p:xfrm>
-          <a:off x="457200" y="1600200"/>
-          <a:ext cx="8229600" cy="4736900"/>
+          <a:off x="457200" y="1600199"/>
+          <a:ext cx="8229600" cy="4995809"/>
         </p:xfrm>
         <a:graphic>
           <a:graphicData uri="http://schemas.openxmlformats.org/drawingml/2006/chart">
@@ -7201,15 +7711,15 @@
         </p:nvSpPr>
         <p:spPr>
           <a:xfrm>
-            <a:off x="4290729" y="5523118"/>
+            <a:off x="4000981" y="3685830"/>
             <a:ext cx="826089" cy="369332"/>
           </a:xfrm>
           <a:prstGeom prst="borderCallout1">
             <a:avLst>
               <a:gd name="adj1" fmla="val 52132"/>
               <a:gd name="adj2" fmla="val -1302"/>
-              <a:gd name="adj3" fmla="val 75781"/>
-              <a:gd name="adj4" fmla="val -305707"/>
+              <a:gd name="adj3" fmla="val 619905"/>
+              <a:gd name="adj4" fmla="val -246005"/>
             </a:avLst>
           </a:prstGeom>
         </p:spPr>
@@ -7327,14 +7837,14 @@
             <p:ph idx="1"/>
             <p:extLst>
               <p:ext uri="{D42A27DB-BD31-4B8C-83A1-F6EECF244321}">
-                <p14:modId xmlns:p14="http://schemas.microsoft.com/office/powerpoint/2010/main" val="2349366669"/>
+                <p14:modId xmlns:p14="http://schemas.microsoft.com/office/powerpoint/2010/main" val="159081663"/>
               </p:ext>
             </p:extLst>
           </p:nvPr>
         </p:nvGraphicFramePr>
         <p:xfrm>
-          <a:off x="457200" y="1600200"/>
-          <a:ext cx="8229600" cy="4525963"/>
+          <a:off x="173617" y="1588091"/>
+          <a:ext cx="4955530" cy="3059400"/>
         </p:xfrm>
         <a:graphic>
           <a:graphicData uri="http://schemas.openxmlformats.org/drawingml/2006/chart">
@@ -7350,15 +7860,15 @@
         </p:nvSpPr>
         <p:spPr>
           <a:xfrm>
-            <a:off x="3813725" y="5315604"/>
-            <a:ext cx="920873" cy="369332"/>
+            <a:off x="2630076" y="3624185"/>
+            <a:ext cx="723598" cy="307777"/>
           </a:xfrm>
           <a:prstGeom prst="borderCallout1">
             <a:avLst>
               <a:gd name="adj1" fmla="val 52132"/>
               <a:gd name="adj2" fmla="val -1302"/>
-              <a:gd name="adj3" fmla="val 39061"/>
-              <a:gd name="adj4" fmla="val -240561"/>
+              <a:gd name="adj3" fmla="val 57754"/>
+              <a:gd name="adj4" fmla="val -179212"/>
             </a:avLst>
           </a:prstGeom>
         </p:spPr>
@@ -7474,10 +7984,10 @@
           </a:lstStyle>
           <a:p>
             <a:r>
-              <a:rPr lang="en-US" sz="1800" dirty="0" smtClean="0"/>
+              <a:rPr lang="en-US" sz="1400" dirty="0" smtClean="0"/>
               <a:t>~ 58.83</a:t>
             </a:r>
-            <a:endParaRPr lang="en-US" sz="1800" dirty="0"/>
+            <a:endParaRPr lang="en-US" sz="1400" dirty="0"/>
           </a:p>
         </p:txBody>
       </p:sp>
@@ -7489,15 +7999,15 @@
         </p:nvSpPr>
         <p:spPr>
           <a:xfrm>
-            <a:off x="6049842" y="4185789"/>
-            <a:ext cx="706824" cy="369332"/>
+            <a:off x="2951030" y="3070187"/>
+            <a:ext cx="599918" cy="307777"/>
           </a:xfrm>
           <a:prstGeom prst="borderCallout1">
             <a:avLst>
               <a:gd name="adj1" fmla="val 52132"/>
               <a:gd name="adj2" fmla="val -1302"/>
-              <a:gd name="adj3" fmla="val -74437"/>
-              <a:gd name="adj4" fmla="val -159369"/>
+              <a:gd name="adj3" fmla="val 8350"/>
+              <a:gd name="adj4" fmla="val -51461"/>
             </a:avLst>
           </a:prstGeom>
         </p:spPr>
@@ -7613,10 +8123,10 @@
           </a:lstStyle>
           <a:p>
             <a:r>
-              <a:rPr lang="en-US" sz="1800" dirty="0" smtClean="0"/>
+              <a:rPr lang="en-US" sz="1400" dirty="0" smtClean="0"/>
               <a:t>54.26</a:t>
             </a:r>
-            <a:endParaRPr lang="en-US" sz="1800" dirty="0"/>
+            <a:endParaRPr lang="en-US" sz="1400" dirty="0"/>
           </a:p>
         </p:txBody>
       </p:sp>
@@ -7628,8 +8138,8 @@
         </p:nvSpPr>
         <p:spPr>
           <a:xfrm>
-            <a:off x="4011000" y="2965219"/>
-            <a:ext cx="723598" cy="369332"/>
+            <a:off x="2227432" y="2133326"/>
+            <a:ext cx="723598" cy="307777"/>
           </a:xfrm>
           <a:prstGeom prst="borderCallout1">
             <a:avLst>
@@ -7752,10 +8262,10 @@
           </a:lstStyle>
           <a:p>
             <a:r>
-              <a:rPr lang="en-US" sz="1800" dirty="0" smtClean="0"/>
+              <a:rPr lang="en-US" sz="1400" dirty="0" smtClean="0"/>
               <a:t>63.39</a:t>
             </a:r>
-            <a:endParaRPr lang="en-US" sz="1800" dirty="0"/>
+            <a:endParaRPr lang="en-US" sz="1400" dirty="0"/>
           </a:p>
         </p:txBody>
       </p:sp>
@@ -7782,6 +8292,30 @@
           </a:p>
         </p:txBody>
       </p:sp>
+      <p:graphicFrame>
+        <p:nvGraphicFramePr>
+          <p:cNvPr id="8" name="Content Placeholder 3"/>
+          <p:cNvGraphicFramePr>
+            <a:graphicFrameLocks/>
+          </p:cNvGraphicFramePr>
+          <p:nvPr>
+            <p:extLst>
+              <p:ext uri="{D42A27DB-BD31-4B8C-83A1-F6EECF244321}">
+                <p14:modId xmlns:p14="http://schemas.microsoft.com/office/powerpoint/2010/main" val="3408469391"/>
+              </p:ext>
+            </p:extLst>
+          </p:nvPr>
+        </p:nvGraphicFramePr>
+        <p:xfrm>
+          <a:off x="4377036" y="4131117"/>
+          <a:ext cx="4612701" cy="2714554"/>
+        </p:xfrm>
+        <a:graphic>
+          <a:graphicData uri="http://schemas.openxmlformats.org/drawingml/2006/chart">
+            <c:chart xmlns:c="http://schemas.openxmlformats.org/drawingml/2006/chart" xmlns:r="http://schemas.openxmlformats.org/officeDocument/2006/relationships" r:id="rId3"/>
+          </a:graphicData>
+        </a:graphic>
+      </p:graphicFrame>
     </p:spTree>
     <p:extLst>
       <p:ext uri="{BB962C8B-B14F-4D97-AF65-F5344CB8AC3E}">
@@ -9339,14 +9873,14 @@
             <p:ph idx="1"/>
             <p:extLst>
               <p:ext uri="{D42A27DB-BD31-4B8C-83A1-F6EECF244321}">
-                <p14:modId xmlns:p14="http://schemas.microsoft.com/office/powerpoint/2010/main" val="1377601816"/>
+                <p14:modId xmlns:p14="http://schemas.microsoft.com/office/powerpoint/2010/main" val="1575282575"/>
               </p:ext>
             </p:extLst>
           </p:nvPr>
         </p:nvGraphicFramePr>
         <p:xfrm>
           <a:off x="457200" y="1600200"/>
-          <a:ext cx="8229600" cy="4525963"/>
+          <a:ext cx="8229600" cy="4897177"/>
         </p:xfrm>
         <a:graphic>
           <a:graphicData uri="http://schemas.openxmlformats.org/drawingml/2006/chart">
@@ -9362,15 +9896,15 @@
         </p:nvSpPr>
         <p:spPr>
           <a:xfrm>
-            <a:off x="4019477" y="5338452"/>
+            <a:off x="4591087" y="5325316"/>
             <a:ext cx="813758" cy="369332"/>
           </a:xfrm>
           <a:prstGeom prst="borderCallout1">
             <a:avLst>
               <a:gd name="adj1" fmla="val 52132"/>
               <a:gd name="adj2" fmla="val -1302"/>
-              <a:gd name="adj3" fmla="val 45737"/>
-              <a:gd name="adj4" fmla="val -254961"/>
+              <a:gd name="adj3" fmla="val 95809"/>
+              <a:gd name="adj4" fmla="val -347386"/>
             </a:avLst>
           </a:prstGeom>
         </p:spPr>
@@ -9410,15 +9944,15 @@
         </p:nvSpPr>
         <p:spPr>
           <a:xfrm>
-            <a:off x="4997966" y="2199012"/>
+            <a:off x="4398257" y="3213903"/>
             <a:ext cx="826089" cy="369332"/>
           </a:xfrm>
           <a:prstGeom prst="borderCallout1">
             <a:avLst>
               <a:gd name="adj1" fmla="val 95528"/>
               <a:gd name="adj2" fmla="val 49444"/>
-              <a:gd name="adj3" fmla="val 519760"/>
-              <a:gd name="adj4" fmla="val -51976"/>
+              <a:gd name="adj3" fmla="val 319469"/>
+              <a:gd name="adj4" fmla="val 31606"/>
             </a:avLst>
           </a:prstGeom>
         </p:spPr>
@@ -9543,7 +10077,7 @@
             <p:ph idx="1"/>
             <p:extLst>
               <p:ext uri="{D42A27DB-BD31-4B8C-83A1-F6EECF244321}">
-                <p14:modId xmlns:p14="http://schemas.microsoft.com/office/powerpoint/2010/main" val="153014402"/>
+                <p14:modId xmlns:p14="http://schemas.microsoft.com/office/powerpoint/2010/main" val="2594176169"/>
               </p:ext>
             </p:extLst>
           </p:nvPr>

--- a/Performance_Testing/Google Cloud Performance Test and SGE install .pptx
+++ b/Performance_Testing/Google Cloud Performance Test and SGE install .pptx
@@ -5,10 +5,10 @@
     <p:sldMasterId id="2147483648" r:id="rId1"/>
   </p:sldMasterIdLst>
   <p:notesMasterIdLst>
-    <p:notesMasterId r:id="rId19"/>
+    <p:notesMasterId r:id="rId23"/>
   </p:notesMasterIdLst>
   <p:handoutMasterIdLst>
-    <p:handoutMasterId r:id="rId20"/>
+    <p:handoutMasterId r:id="rId24"/>
   </p:handoutMasterIdLst>
   <p:sldIdLst>
     <p:sldId id="256" r:id="rId2"/>
@@ -20,14 +20,18 @@
     <p:sldId id="266" r:id="rId8"/>
     <p:sldId id="259" r:id="rId9"/>
     <p:sldId id="258" r:id="rId10"/>
-    <p:sldId id="265" r:id="rId11"/>
-    <p:sldId id="267" r:id="rId12"/>
-    <p:sldId id="270" r:id="rId13"/>
-    <p:sldId id="261" r:id="rId14"/>
-    <p:sldId id="260" r:id="rId15"/>
-    <p:sldId id="263" r:id="rId16"/>
-    <p:sldId id="271" r:id="rId17"/>
-    <p:sldId id="272" r:id="rId18"/>
+    <p:sldId id="276" r:id="rId11"/>
+    <p:sldId id="277" r:id="rId12"/>
+    <p:sldId id="265" r:id="rId13"/>
+    <p:sldId id="267" r:id="rId14"/>
+    <p:sldId id="270" r:id="rId15"/>
+    <p:sldId id="261" r:id="rId16"/>
+    <p:sldId id="260" r:id="rId17"/>
+    <p:sldId id="263" r:id="rId18"/>
+    <p:sldId id="274" r:id="rId19"/>
+    <p:sldId id="275" r:id="rId20"/>
+    <p:sldId id="271" r:id="rId21"/>
+    <p:sldId id="272" r:id="rId22"/>
   </p:sldIdLst>
   <p:sldSz cx="9144000" cy="6858000" type="screen4x3"/>
   <p:notesSz cx="6858000" cy="9144000"/>
@@ -173,16 +177,6 @@
               </c:strCache>
             </c:strRef>
           </c:tx>
-          <c:dLbls>
-            <c:dLblPos val="r"/>
-            <c:showLegendKey val="0"/>
-            <c:showVal val="1"/>
-            <c:showCatName val="0"/>
-            <c:showSerName val="0"/>
-            <c:showPercent val="0"/>
-            <c:showBubbleSize val="0"/>
-            <c:showLeaderLines val="0"/>
-          </c:dLbls>
           <c:cat>
             <c:numRef>
               <c:f>Sheet1!$A$46:$A$48</c:f>
@@ -235,16 +229,6 @@
               </c:strCache>
             </c:strRef>
           </c:tx>
-          <c:dLbls>
-            <c:dLblPos val="r"/>
-            <c:showLegendKey val="0"/>
-            <c:showVal val="1"/>
-            <c:showCatName val="0"/>
-            <c:showSerName val="0"/>
-            <c:showPercent val="0"/>
-            <c:showBubbleSize val="0"/>
-            <c:showLeaderLines val="0"/>
-          </c:dLbls>
           <c:cat>
             <c:numRef>
               <c:f>Sheet1!$A$46:$A$48</c:f>
@@ -293,11 +277,11 @@
         </c:dLbls>
         <c:marker val="1"/>
         <c:smooth val="0"/>
-        <c:axId val="1889233704"/>
-        <c:axId val="1889236968"/>
+        <c:axId val="1806890408"/>
+        <c:axId val="1806884584"/>
       </c:lineChart>
       <c:dateAx>
-        <c:axId val="1889233704"/>
+        <c:axId val="1806890408"/>
         <c:scaling>
           <c:orientation val="minMax"/>
         </c:scaling>
@@ -338,14 +322,14 @@
         <c:majorTickMark val="out"/>
         <c:minorTickMark val="none"/>
         <c:tickLblPos val="nextTo"/>
-        <c:crossAx val="1889236968"/>
+        <c:crossAx val="1806884584"/>
         <c:crosses val="autoZero"/>
         <c:auto val="0"/>
         <c:lblOffset val="100"/>
         <c:baseTimeUnit val="days"/>
       </c:dateAx>
       <c:valAx>
-        <c:axId val="1889236968"/>
+        <c:axId val="1806884584"/>
         <c:scaling>
           <c:orientation val="minMax"/>
           <c:max val="3000.0"/>
@@ -384,15 +368,34 @@
         <c:majorTickMark val="out"/>
         <c:minorTickMark val="none"/>
         <c:tickLblPos val="nextTo"/>
-        <c:crossAx val="1889233704"/>
+        <c:crossAx val="1806890408"/>
         <c:crosses val="autoZero"/>
         <c:crossBetween val="between"/>
       </c:valAx>
     </c:plotArea>
     <c:legend>
       <c:legendPos val="r"/>
-      <c:layout/>
+      <c:layout>
+        <c:manualLayout>
+          <c:xMode val="edge"/>
+          <c:yMode val="edge"/>
+          <c:x val="0.903229926120346"/>
+          <c:y val="0.445762528085058"/>
+          <c:w val="0.0967700738796539"/>
+          <c:h val="0.12922138611694"/>
+        </c:manualLayout>
+      </c:layout>
       <c:overlay val="0"/>
+      <c:txPr>
+        <a:bodyPr/>
+        <a:lstStyle/>
+        <a:p>
+          <a:pPr>
+            <a:defRPr sz="1400"/>
+          </a:pPr>
+          <a:endParaRPr lang="en-US"/>
+        </a:p>
+      </c:txPr>
     </c:legend>
     <c:plotVisOnly val="1"/>
     <c:dispBlanksAs val="gap"/>
@@ -402,6 +405,315 @@
     <c:autoUpdate val="0"/>
   </c:externalData>
   <c:userShapes r:id="rId2"/>
+</c:chartSpace>
+</file>
+
+<file path=ppt/charts/chart10.xml><?xml version="1.0" encoding="utf-8"?>
+<c:chartSpace xmlns:c="http://schemas.openxmlformats.org/drawingml/2006/chart" xmlns:a="http://schemas.openxmlformats.org/drawingml/2006/main" xmlns:r="http://schemas.openxmlformats.org/officeDocument/2006/relationships">
+  <c:date1904 val="0"/>
+  <c:lang val="en-US"/>
+  <c:roundedCorners val="0"/>
+  <mc:AlternateContent xmlns:mc="http://schemas.openxmlformats.org/markup-compatibility/2006">
+    <mc:Choice xmlns:c14="http://schemas.microsoft.com/office/drawing/2007/8/2/chart" Requires="c14">
+      <c14:style val="118"/>
+    </mc:Choice>
+    <mc:Fallback>
+      <c:style val="18"/>
+    </mc:Fallback>
+  </mc:AlternateContent>
+  <c:chart>
+    <c:autoTitleDeleted val="0"/>
+    <c:plotArea>
+      <c:layout/>
+      <c:lineChart>
+        <c:grouping val="standard"/>
+        <c:varyColors val="0"/>
+        <c:ser>
+          <c:idx val="0"/>
+          <c:order val="0"/>
+          <c:tx>
+            <c:strRef>
+              <c:f>Sheet1!$A$239</c:f>
+              <c:strCache>
+                <c:ptCount val="1"/>
+                <c:pt idx="0">
+                  <c:v>Pull - GC Int - Diff</c:v>
+                </c:pt>
+              </c:strCache>
+            </c:strRef>
+          </c:tx>
+          <c:cat>
+            <c:numRef>
+              <c:f>Sheet1!$B$238:$D$238</c:f>
+              <c:numCache>
+                <c:formatCode>General</c:formatCode>
+                <c:ptCount val="3"/>
+                <c:pt idx="0">
+                  <c:v>1.0</c:v>
+                </c:pt>
+                <c:pt idx="1">
+                  <c:v>10.0</c:v>
+                </c:pt>
+                <c:pt idx="2">
+                  <c:v>50.0</c:v>
+                </c:pt>
+              </c:numCache>
+            </c:numRef>
+          </c:cat>
+          <c:val>
+            <c:numRef>
+              <c:f>Sheet1!$B$239:$D$239</c:f>
+              <c:numCache>
+                <c:formatCode>General</c:formatCode>
+                <c:ptCount val="3"/>
+                <c:pt idx="0">
+                  <c:v>456.77</c:v>
+                </c:pt>
+                <c:pt idx="1">
+                  <c:v>6344.65</c:v>
+                </c:pt>
+                <c:pt idx="2">
+                  <c:v>16852.093</c:v>
+                </c:pt>
+              </c:numCache>
+            </c:numRef>
+          </c:val>
+          <c:smooth val="0"/>
+        </c:ser>
+        <c:ser>
+          <c:idx val="1"/>
+          <c:order val="1"/>
+          <c:tx>
+            <c:strRef>
+              <c:f>Sheet1!$A$240</c:f>
+              <c:strCache>
+                <c:ptCount val="1"/>
+                <c:pt idx="0">
+                  <c:v>Pull - GC Ext</c:v>
+                </c:pt>
+              </c:strCache>
+            </c:strRef>
+          </c:tx>
+          <c:cat>
+            <c:numRef>
+              <c:f>Sheet1!$B$238:$D$238</c:f>
+              <c:numCache>
+                <c:formatCode>General</c:formatCode>
+                <c:ptCount val="3"/>
+                <c:pt idx="0">
+                  <c:v>1.0</c:v>
+                </c:pt>
+                <c:pt idx="1">
+                  <c:v>10.0</c:v>
+                </c:pt>
+                <c:pt idx="2">
+                  <c:v>50.0</c:v>
+                </c:pt>
+              </c:numCache>
+            </c:numRef>
+          </c:cat>
+          <c:val>
+            <c:numRef>
+              <c:f>Sheet1!$B$240:$D$240</c:f>
+              <c:numCache>
+                <c:formatCode>General</c:formatCode>
+                <c:ptCount val="3"/>
+                <c:pt idx="0">
+                  <c:v>74.096</c:v>
+                </c:pt>
+                <c:pt idx="1">
+                  <c:v>740.563</c:v>
+                </c:pt>
+                <c:pt idx="2">
+                  <c:v>3170.685</c:v>
+                </c:pt>
+              </c:numCache>
+            </c:numRef>
+          </c:val>
+          <c:smooth val="0"/>
+        </c:ser>
+        <c:ser>
+          <c:idx val="2"/>
+          <c:order val="2"/>
+          <c:tx>
+            <c:strRef>
+              <c:f>Sheet1!$A$241</c:f>
+              <c:strCache>
+                <c:ptCount val="1"/>
+                <c:pt idx="0">
+                  <c:v>Pull - Az Ext</c:v>
+                </c:pt>
+              </c:strCache>
+            </c:strRef>
+          </c:tx>
+          <c:cat>
+            <c:numRef>
+              <c:f>Sheet1!$B$238:$D$238</c:f>
+              <c:numCache>
+                <c:formatCode>General</c:formatCode>
+                <c:ptCount val="3"/>
+                <c:pt idx="0">
+                  <c:v>1.0</c:v>
+                </c:pt>
+                <c:pt idx="1">
+                  <c:v>10.0</c:v>
+                </c:pt>
+                <c:pt idx="2">
+                  <c:v>50.0</c:v>
+                </c:pt>
+              </c:numCache>
+            </c:numRef>
+          </c:cat>
+          <c:val>
+            <c:numRef>
+              <c:f>Sheet1!$B$241:$D$241</c:f>
+              <c:numCache>
+                <c:formatCode>General</c:formatCode>
+                <c:ptCount val="3"/>
+                <c:pt idx="0">
+                  <c:v>58.69</c:v>
+                </c:pt>
+                <c:pt idx="1">
+                  <c:v>584.779</c:v>
+                </c:pt>
+                <c:pt idx="2">
+                  <c:v>3120.54</c:v>
+                </c:pt>
+              </c:numCache>
+            </c:numRef>
+          </c:val>
+          <c:smooth val="0"/>
+        </c:ser>
+        <c:dLbls>
+          <c:showLegendKey val="0"/>
+          <c:showVal val="0"/>
+          <c:showCatName val="0"/>
+          <c:showSerName val="0"/>
+          <c:showPercent val="0"/>
+          <c:showBubbleSize val="0"/>
+        </c:dLbls>
+        <c:marker val="1"/>
+        <c:smooth val="0"/>
+        <c:axId val="1879850648"/>
+        <c:axId val="1878189800"/>
+      </c:lineChart>
+      <c:dateAx>
+        <c:axId val="1879850648"/>
+        <c:scaling>
+          <c:orientation val="minMax"/>
+        </c:scaling>
+        <c:delete val="0"/>
+        <c:axPos val="b"/>
+        <c:title>
+          <c:tx>
+            <c:rich>
+              <a:bodyPr/>
+              <a:lstStyle/>
+              <a:p>
+                <a:pPr>
+                  <a:defRPr/>
+                </a:pPr>
+                <a:r>
+                  <a:rPr lang="en-US"/>
+                  <a:t>Size</a:t>
+                </a:r>
+                <a:r>
+                  <a:rPr lang="en-US" baseline="0"/>
+                  <a:t> of File (G)</a:t>
+                </a:r>
+                <a:endParaRPr lang="en-US"/>
+              </a:p>
+            </c:rich>
+          </c:tx>
+          <c:layout>
+            <c:manualLayout>
+              <c:xMode val="edge"/>
+              <c:yMode val="edge"/>
+              <c:x val="0.746390506872456"/>
+              <c:y val="0.943248532289628"/>
+            </c:manualLayout>
+          </c:layout>
+          <c:overlay val="0"/>
+        </c:title>
+        <c:numFmt formatCode="General" sourceLinked="1"/>
+        <c:majorTickMark val="out"/>
+        <c:minorTickMark val="none"/>
+        <c:tickLblPos val="nextTo"/>
+        <c:crossAx val="1878189800"/>
+        <c:crosses val="autoZero"/>
+        <c:auto val="0"/>
+        <c:lblOffset val="100"/>
+        <c:baseTimeUnit val="days"/>
+      </c:dateAx>
+      <c:valAx>
+        <c:axId val="1878189800"/>
+        <c:scaling>
+          <c:orientation val="minMax"/>
+        </c:scaling>
+        <c:delete val="0"/>
+        <c:axPos val="l"/>
+        <c:majorGridlines/>
+        <c:title>
+          <c:tx>
+            <c:rich>
+              <a:bodyPr rot="-5400000" vert="horz"/>
+              <a:lstStyle/>
+              <a:p>
+                <a:pPr>
+                  <a:defRPr/>
+                </a:pPr>
+                <a:r>
+                  <a:rPr lang="en-US"/>
+                  <a:t>Time</a:t>
+                </a:r>
+                <a:r>
+                  <a:rPr lang="en-US" baseline="0"/>
+                  <a:t> (Sec)</a:t>
+                </a:r>
+              </a:p>
+            </c:rich>
+          </c:tx>
+          <c:layout>
+            <c:manualLayout>
+              <c:xMode val="edge"/>
+              <c:yMode val="edge"/>
+              <c:x val="0.00586166471277843"/>
+              <c:y val="0.0220127278610722"/>
+            </c:manualLayout>
+          </c:layout>
+          <c:overlay val="0"/>
+        </c:title>
+        <c:numFmt formatCode="General" sourceLinked="1"/>
+        <c:majorTickMark val="out"/>
+        <c:minorTickMark val="none"/>
+        <c:tickLblPos val="nextTo"/>
+        <c:crossAx val="1879850648"/>
+        <c:crosses val="autoZero"/>
+        <c:crossBetween val="between"/>
+      </c:valAx>
+    </c:plotArea>
+    <c:legend>
+      <c:legendPos val="r"/>
+      <c:layout/>
+      <c:overlay val="0"/>
+      <c:txPr>
+        <a:bodyPr/>
+        <a:lstStyle/>
+        <a:p>
+          <a:pPr>
+            <a:defRPr sz="1400"/>
+          </a:pPr>
+          <a:endParaRPr lang="en-US"/>
+        </a:p>
+      </c:txPr>
+    </c:legend>
+    <c:plotVisOnly val="1"/>
+    <c:dispBlanksAs val="gap"/>
+    <c:showDLblsOverMax val="0"/>
+  </c:chart>
+  <c:externalData r:id="rId1">
+    <c:autoUpdate val="0"/>
+  </c:externalData>
 </c:chartSpace>
 </file>
 
@@ -419,48 +731,17 @@
     </mc:Fallback>
   </mc:AlternateContent>
   <c:chart>
-    <c:title>
-      <c:tx>
-        <c:rich>
-          <a:bodyPr/>
-          <a:lstStyle/>
-          <a:p>
-            <a:pPr>
-              <a:defRPr/>
-            </a:pPr>
-            <a:r>
-              <a:rPr lang="en-US"/>
-              <a:t>Internal</a:t>
-            </a:r>
-            <a:r>
-              <a:rPr lang="en-US" baseline="0"/>
-              <a:t> File Transfer : Amazon (Same Zone) </a:t>
-            </a:r>
-            <a:endParaRPr lang="en-US"/>
-          </a:p>
-        </c:rich>
-      </c:tx>
-      <c:layout>
-        <c:manualLayout>
-          <c:xMode val="edge"/>
-          <c:yMode val="edge"/>
-          <c:x val="0.248106347817634"/>
-          <c:y val="0.0"/>
-        </c:manualLayout>
-      </c:layout>
-      <c:overlay val="0"/>
-    </c:title>
-    <c:autoTitleDeleted val="0"/>
+    <c:autoTitleDeleted val="1"/>
     <c:plotArea>
       <c:layout>
         <c:manualLayout>
           <c:layoutTarget val="inner"/>
           <c:xMode val="edge"/>
           <c:yMode val="edge"/>
-          <c:x val="0.106217799163993"/>
-          <c:y val="0.0757628818441512"/>
-          <c:w val="0.845759210654224"/>
-          <c:h val="0.811198412359977"/>
+          <c:x val="0.0768968115096724"/>
+          <c:y val="0.0897930451486236"/>
+          <c:w val="0.802549334111014"/>
+          <c:h val="0.797168249055505"/>
         </c:manualLayout>
       </c:layout>
       <c:lineChart>
@@ -511,7 +792,7 @@
                   <c:v>546.7485333333332</c:v>
                 </c:pt>
                 <c:pt idx="2">
-                  <c:v>2811.167666666666</c:v>
+                  <c:v>2811.167666666665</c:v>
                 </c:pt>
               </c:numCache>
             </c:numRef>
@@ -573,7 +854,7 @@
         <c:dLbls>
           <c:dLblPos val="r"/>
           <c:showLegendKey val="0"/>
-          <c:showVal val="1"/>
+          <c:showVal val="0"/>
           <c:showCatName val="0"/>
           <c:showSerName val="0"/>
           <c:showPercent val="0"/>
@@ -581,11 +862,11 @@
         </c:dLbls>
         <c:marker val="1"/>
         <c:smooth val="0"/>
-        <c:axId val="1889503672"/>
-        <c:axId val="1889477112"/>
+        <c:axId val="1860009624"/>
+        <c:axId val="1860015256"/>
       </c:lineChart>
       <c:dateAx>
-        <c:axId val="1889503672"/>
+        <c:axId val="1860009624"/>
         <c:scaling>
           <c:orientation val="minMax"/>
         </c:scaling>
@@ -622,14 +903,14 @@
         <c:majorTickMark val="out"/>
         <c:minorTickMark val="in"/>
         <c:tickLblPos val="nextTo"/>
-        <c:crossAx val="1889477112"/>
+        <c:crossAx val="1860015256"/>
         <c:crosses val="autoZero"/>
         <c:auto val="0"/>
         <c:lblOffset val="100"/>
         <c:baseTimeUnit val="days"/>
       </c:dateAx>
       <c:valAx>
-        <c:axId val="1889477112"/>
+        <c:axId val="1860015256"/>
         <c:scaling>
           <c:orientation val="minMax"/>
         </c:scaling>
@@ -657,7 +938,7 @@
             <c:manualLayout>
               <c:xMode val="edge"/>
               <c:yMode val="edge"/>
-              <c:x val="0.017488091766307"/>
+              <c:x val="0.000512783124331681"/>
               <c:y val="0.0729519883392772"/>
             </c:manualLayout>
           </c:layout>
@@ -667,15 +948,34 @@
         <c:majorTickMark val="out"/>
         <c:minorTickMark val="none"/>
         <c:tickLblPos val="nextTo"/>
-        <c:crossAx val="1889503672"/>
+        <c:crossAx val="1860009624"/>
         <c:crosses val="autoZero"/>
         <c:crossBetween val="between"/>
       </c:valAx>
     </c:plotArea>
     <c:legend>
       <c:legendPos val="r"/>
-      <c:layout/>
+      <c:layout>
+        <c:manualLayout>
+          <c:xMode val="edge"/>
+          <c:yMode val="edge"/>
+          <c:x val="0.907004471663264"/>
+          <c:y val="0.481440303422719"/>
+          <c:w val="0.0929955283367357"/>
+          <c:h val="0.139819967595846"/>
+        </c:manualLayout>
+      </c:layout>
       <c:overlay val="0"/>
+      <c:txPr>
+        <a:bodyPr/>
+        <a:lstStyle/>
+        <a:p>
+          <a:pPr>
+            <a:defRPr sz="1400"/>
+          </a:pPr>
+          <a:endParaRPr lang="en-US"/>
+        </a:p>
+      </c:txPr>
     </c:legend>
     <c:plotVisOnly val="1"/>
     <c:dispBlanksAs val="gap"/>
@@ -699,6 +999,527 @@
 </file>
 
 <file path=ppt/charts/chart3.xml><?xml version="1.0" encoding="utf-8"?>
+<c:chartSpace xmlns:c="http://schemas.openxmlformats.org/drawingml/2006/chart" xmlns:a="http://schemas.openxmlformats.org/drawingml/2006/main" xmlns:r="http://schemas.openxmlformats.org/officeDocument/2006/relationships">
+  <c:date1904 val="0"/>
+  <c:lang val="en-US"/>
+  <c:roundedCorners val="0"/>
+  <mc:AlternateContent xmlns:mc="http://schemas.openxmlformats.org/markup-compatibility/2006">
+    <mc:Choice xmlns:c14="http://schemas.microsoft.com/office/drawing/2007/8/2/chart" Requires="c14">
+      <c14:style val="118"/>
+    </mc:Choice>
+    <mc:Fallback>
+      <c:style val="18"/>
+    </mc:Fallback>
+  </mc:AlternateContent>
+  <c:chart>
+    <c:autoTitleDeleted val="0"/>
+    <c:plotArea>
+      <c:layout/>
+      <c:lineChart>
+        <c:grouping val="standard"/>
+        <c:varyColors val="0"/>
+        <c:ser>
+          <c:idx val="0"/>
+          <c:order val="0"/>
+          <c:tx>
+            <c:strRef>
+              <c:f>Sheet1!$O$7</c:f>
+              <c:strCache>
+                <c:ptCount val="1"/>
+                <c:pt idx="0">
+                  <c:v>Push - Az Int - Same</c:v>
+                </c:pt>
+              </c:strCache>
+            </c:strRef>
+          </c:tx>
+          <c:cat>
+            <c:numRef>
+              <c:f>Sheet1!$N$8:$N$10</c:f>
+              <c:numCache>
+                <c:formatCode>General</c:formatCode>
+                <c:ptCount val="3"/>
+                <c:pt idx="0">
+                  <c:v>1.0</c:v>
+                </c:pt>
+                <c:pt idx="1">
+                  <c:v>10.0</c:v>
+                </c:pt>
+                <c:pt idx="2">
+                  <c:v>50.0</c:v>
+                </c:pt>
+              </c:numCache>
+            </c:numRef>
+          </c:cat>
+          <c:val>
+            <c:numRef>
+              <c:f>Sheet1!$O$8:$O$10</c:f>
+              <c:numCache>
+                <c:formatCode>General</c:formatCode>
+                <c:ptCount val="3"/>
+                <c:pt idx="0">
+                  <c:v>39.22</c:v>
+                </c:pt>
+                <c:pt idx="1">
+                  <c:v>546.75</c:v>
+                </c:pt>
+                <c:pt idx="2">
+                  <c:v>2811.17</c:v>
+                </c:pt>
+              </c:numCache>
+            </c:numRef>
+          </c:val>
+          <c:smooth val="0"/>
+        </c:ser>
+        <c:ser>
+          <c:idx val="1"/>
+          <c:order val="1"/>
+          <c:tx>
+            <c:strRef>
+              <c:f>Sheet1!$P$7</c:f>
+              <c:strCache>
+                <c:ptCount val="1"/>
+                <c:pt idx="0">
+                  <c:v>Push - GC Int - Same</c:v>
+                </c:pt>
+              </c:strCache>
+            </c:strRef>
+          </c:tx>
+          <c:cat>
+            <c:numRef>
+              <c:f>Sheet1!$N$8:$N$10</c:f>
+              <c:numCache>
+                <c:formatCode>General</c:formatCode>
+                <c:ptCount val="3"/>
+                <c:pt idx="0">
+                  <c:v>1.0</c:v>
+                </c:pt>
+                <c:pt idx="1">
+                  <c:v>10.0</c:v>
+                </c:pt>
+                <c:pt idx="2">
+                  <c:v>50.0</c:v>
+                </c:pt>
+              </c:numCache>
+            </c:numRef>
+          </c:cat>
+          <c:val>
+            <c:numRef>
+              <c:f>Sheet1!$P$8:$P$10</c:f>
+              <c:numCache>
+                <c:formatCode>General</c:formatCode>
+                <c:ptCount val="3"/>
+                <c:pt idx="0">
+                  <c:v>36.2</c:v>
+                </c:pt>
+                <c:pt idx="1">
+                  <c:v>301.38</c:v>
+                </c:pt>
+                <c:pt idx="2">
+                  <c:v>2044.54</c:v>
+                </c:pt>
+              </c:numCache>
+            </c:numRef>
+          </c:val>
+          <c:smooth val="0"/>
+        </c:ser>
+        <c:dLbls>
+          <c:showLegendKey val="0"/>
+          <c:showVal val="0"/>
+          <c:showCatName val="0"/>
+          <c:showSerName val="0"/>
+          <c:showPercent val="0"/>
+          <c:showBubbleSize val="0"/>
+        </c:dLbls>
+        <c:marker val="1"/>
+        <c:smooth val="0"/>
+        <c:axId val="1888643544"/>
+        <c:axId val="1889152984"/>
+      </c:lineChart>
+      <c:dateAx>
+        <c:axId val="1888643544"/>
+        <c:scaling>
+          <c:orientation val="minMax"/>
+        </c:scaling>
+        <c:delete val="0"/>
+        <c:axPos val="b"/>
+        <c:title>
+          <c:tx>
+            <c:rich>
+              <a:bodyPr/>
+              <a:lstStyle/>
+              <a:p>
+                <a:pPr>
+                  <a:defRPr/>
+                </a:pPr>
+                <a:r>
+                  <a:rPr lang="en-US"/>
+                  <a:t>Size</a:t>
+                </a:r>
+                <a:r>
+                  <a:rPr lang="en-US" baseline="0"/>
+                  <a:t> of File (G)</a:t>
+                </a:r>
+                <a:endParaRPr lang="en-US"/>
+              </a:p>
+            </c:rich>
+          </c:tx>
+          <c:layout>
+            <c:manualLayout>
+              <c:xMode val="edge"/>
+              <c:yMode val="edge"/>
+              <c:x val="0.682491042502521"/>
+              <c:y val="0.917355371900826"/>
+            </c:manualLayout>
+          </c:layout>
+          <c:overlay val="0"/>
+        </c:title>
+        <c:numFmt formatCode="General" sourceLinked="1"/>
+        <c:majorTickMark val="out"/>
+        <c:minorTickMark val="none"/>
+        <c:tickLblPos val="nextTo"/>
+        <c:crossAx val="1889152984"/>
+        <c:crosses val="autoZero"/>
+        <c:auto val="0"/>
+        <c:lblOffset val="100"/>
+        <c:baseTimeUnit val="days"/>
+      </c:dateAx>
+      <c:valAx>
+        <c:axId val="1889152984"/>
+        <c:scaling>
+          <c:orientation val="minMax"/>
+        </c:scaling>
+        <c:delete val="0"/>
+        <c:axPos val="l"/>
+        <c:majorGridlines/>
+        <c:title>
+          <c:tx>
+            <c:rich>
+              <a:bodyPr rot="-5400000" vert="horz"/>
+              <a:lstStyle/>
+              <a:p>
+                <a:pPr>
+                  <a:defRPr/>
+                </a:pPr>
+                <a:r>
+                  <a:rPr lang="en-US"/>
+                  <a:t>Time</a:t>
+                </a:r>
+                <a:r>
+                  <a:rPr lang="en-US" baseline="0"/>
+                  <a:t> (Sec)</a:t>
+                </a:r>
+                <a:endParaRPr lang="en-US"/>
+              </a:p>
+            </c:rich>
+          </c:tx>
+          <c:layout>
+            <c:manualLayout>
+              <c:xMode val="edge"/>
+              <c:yMode val="edge"/>
+              <c:x val="0.0108991825613079"/>
+              <c:y val="0.0311253551983688"/>
+            </c:manualLayout>
+          </c:layout>
+          <c:overlay val="0"/>
+        </c:title>
+        <c:numFmt formatCode="General" sourceLinked="1"/>
+        <c:majorTickMark val="out"/>
+        <c:minorTickMark val="none"/>
+        <c:tickLblPos val="nextTo"/>
+        <c:crossAx val="1888643544"/>
+        <c:crosses val="autoZero"/>
+        <c:crossBetween val="between"/>
+      </c:valAx>
+    </c:plotArea>
+    <c:legend>
+      <c:legendPos val="r"/>
+      <c:layout/>
+      <c:overlay val="0"/>
+      <c:txPr>
+        <a:bodyPr/>
+        <a:lstStyle/>
+        <a:p>
+          <a:pPr>
+            <a:defRPr sz="1400"/>
+          </a:pPr>
+          <a:endParaRPr lang="en-US"/>
+        </a:p>
+      </c:txPr>
+    </c:legend>
+    <c:plotVisOnly val="1"/>
+    <c:dispBlanksAs val="gap"/>
+    <c:showDLblsOverMax val="0"/>
+  </c:chart>
+  <c:externalData r:id="rId1">
+    <c:autoUpdate val="0"/>
+  </c:externalData>
+</c:chartSpace>
+</file>
+
+<file path=ppt/charts/chart4.xml><?xml version="1.0" encoding="utf-8"?>
+<c:chartSpace xmlns:c="http://schemas.openxmlformats.org/drawingml/2006/chart" xmlns:a="http://schemas.openxmlformats.org/drawingml/2006/main" xmlns:r="http://schemas.openxmlformats.org/officeDocument/2006/relationships">
+  <c:date1904 val="0"/>
+  <c:lang val="en-US"/>
+  <c:roundedCorners val="0"/>
+  <mc:AlternateContent xmlns:mc="http://schemas.openxmlformats.org/markup-compatibility/2006">
+    <mc:Choice xmlns:c14="http://schemas.microsoft.com/office/drawing/2007/8/2/chart" Requires="c14">
+      <c14:style val="118"/>
+    </mc:Choice>
+    <mc:Fallback>
+      <c:style val="18"/>
+    </mc:Fallback>
+  </mc:AlternateContent>
+  <c:chart>
+    <c:autoTitleDeleted val="0"/>
+    <c:plotArea>
+      <c:layout/>
+      <c:lineChart>
+        <c:grouping val="standard"/>
+        <c:varyColors val="0"/>
+        <c:ser>
+          <c:idx val="0"/>
+          <c:order val="0"/>
+          <c:tx>
+            <c:strRef>
+              <c:f>Sheet1!$O$40</c:f>
+              <c:strCache>
+                <c:ptCount val="1"/>
+                <c:pt idx="0">
+                  <c:v>Pull - Az Int - Same</c:v>
+                </c:pt>
+              </c:strCache>
+            </c:strRef>
+          </c:tx>
+          <c:cat>
+            <c:numRef>
+              <c:f>Sheet1!$N$41:$N$43</c:f>
+              <c:numCache>
+                <c:formatCode>General</c:formatCode>
+                <c:ptCount val="3"/>
+                <c:pt idx="0">
+                  <c:v>1.0</c:v>
+                </c:pt>
+                <c:pt idx="1">
+                  <c:v>10.0</c:v>
+                </c:pt>
+                <c:pt idx="2">
+                  <c:v>50.0</c:v>
+                </c:pt>
+              </c:numCache>
+            </c:numRef>
+          </c:cat>
+          <c:val>
+            <c:numRef>
+              <c:f>Sheet1!$O$41:$O$43</c:f>
+              <c:numCache>
+                <c:formatCode>General</c:formatCode>
+                <c:ptCount val="3"/>
+                <c:pt idx="0">
+                  <c:v>38.59</c:v>
+                </c:pt>
+                <c:pt idx="1">
+                  <c:v>431.55</c:v>
+                </c:pt>
+                <c:pt idx="2">
+                  <c:v>1972.46</c:v>
+                </c:pt>
+              </c:numCache>
+            </c:numRef>
+          </c:val>
+          <c:smooth val="0"/>
+        </c:ser>
+        <c:ser>
+          <c:idx val="1"/>
+          <c:order val="1"/>
+          <c:tx>
+            <c:strRef>
+              <c:f>Sheet1!$P$40</c:f>
+              <c:strCache>
+                <c:ptCount val="1"/>
+                <c:pt idx="0">
+                  <c:v>Pull - GC Int - Same</c:v>
+                </c:pt>
+              </c:strCache>
+            </c:strRef>
+          </c:tx>
+          <c:cat>
+            <c:numRef>
+              <c:f>Sheet1!$N$41:$N$43</c:f>
+              <c:numCache>
+                <c:formatCode>General</c:formatCode>
+                <c:ptCount val="3"/>
+                <c:pt idx="0">
+                  <c:v>1.0</c:v>
+                </c:pt>
+                <c:pt idx="1">
+                  <c:v>10.0</c:v>
+                </c:pt>
+                <c:pt idx="2">
+                  <c:v>50.0</c:v>
+                </c:pt>
+              </c:numCache>
+            </c:numRef>
+          </c:cat>
+          <c:val>
+            <c:numRef>
+              <c:f>Sheet1!$P$41:$P$43</c:f>
+              <c:numCache>
+                <c:formatCode>General</c:formatCode>
+                <c:ptCount val="3"/>
+                <c:pt idx="0">
+                  <c:v>37.31</c:v>
+                </c:pt>
+                <c:pt idx="1">
+                  <c:v>391.89</c:v>
+                </c:pt>
+                <c:pt idx="2">
+                  <c:v>1798.79</c:v>
+                </c:pt>
+              </c:numCache>
+            </c:numRef>
+          </c:val>
+          <c:smooth val="0"/>
+        </c:ser>
+        <c:dLbls>
+          <c:showLegendKey val="0"/>
+          <c:showVal val="0"/>
+          <c:showCatName val="0"/>
+          <c:showSerName val="0"/>
+          <c:showPercent val="0"/>
+          <c:showBubbleSize val="0"/>
+        </c:dLbls>
+        <c:marker val="1"/>
+        <c:smooth val="0"/>
+        <c:axId val="1891295320"/>
+        <c:axId val="1890757576"/>
+      </c:lineChart>
+      <c:dateAx>
+        <c:axId val="1891295320"/>
+        <c:scaling>
+          <c:orientation val="minMax"/>
+        </c:scaling>
+        <c:delete val="0"/>
+        <c:axPos val="b"/>
+        <c:title>
+          <c:tx>
+            <c:rich>
+              <a:bodyPr/>
+              <a:lstStyle/>
+              <a:p>
+                <a:pPr>
+                  <a:defRPr/>
+                </a:pPr>
+                <a:r>
+                  <a:rPr lang="en-US"/>
+                  <a:t>Size of File (G)</a:t>
+                </a:r>
+              </a:p>
+            </c:rich>
+          </c:tx>
+          <c:layout>
+            <c:manualLayout>
+              <c:xMode val="edge"/>
+              <c:yMode val="edge"/>
+              <c:x val="0.678343057837195"/>
+              <c:y val="0.930946291560102"/>
+            </c:manualLayout>
+          </c:layout>
+          <c:overlay val="0"/>
+        </c:title>
+        <c:numFmt formatCode="General" sourceLinked="1"/>
+        <c:majorTickMark val="out"/>
+        <c:minorTickMark val="none"/>
+        <c:tickLblPos val="nextTo"/>
+        <c:crossAx val="1890757576"/>
+        <c:crosses val="autoZero"/>
+        <c:auto val="0"/>
+        <c:lblOffset val="100"/>
+        <c:baseTimeUnit val="days"/>
+      </c:dateAx>
+      <c:valAx>
+        <c:axId val="1890757576"/>
+        <c:scaling>
+          <c:orientation val="minMax"/>
+          <c:max val="3000.0"/>
+        </c:scaling>
+        <c:delete val="0"/>
+        <c:axPos val="l"/>
+        <c:majorGridlines/>
+        <c:title>
+          <c:tx>
+            <c:rich>
+              <a:bodyPr rot="-5400000" vert="horz"/>
+              <a:lstStyle/>
+              <a:p>
+                <a:pPr>
+                  <a:defRPr/>
+                </a:pPr>
+                <a:r>
+                  <a:rPr lang="en-US"/>
+                  <a:t>Time</a:t>
+                </a:r>
+                <a:r>
+                  <a:rPr lang="en-US" baseline="0"/>
+                  <a:t> (Sec)</a:t>
+                </a:r>
+                <a:endParaRPr lang="en-US"/>
+              </a:p>
+            </c:rich>
+          </c:tx>
+          <c:layout>
+            <c:manualLayout>
+              <c:xMode val="edge"/>
+              <c:yMode val="edge"/>
+              <c:x val="0.00863309352517985"/>
+              <c:y val="0.0236534627544959"/>
+            </c:manualLayout>
+          </c:layout>
+          <c:overlay val="0"/>
+        </c:title>
+        <c:numFmt formatCode="General" sourceLinked="1"/>
+        <c:majorTickMark val="out"/>
+        <c:minorTickMark val="none"/>
+        <c:tickLblPos val="nextTo"/>
+        <c:crossAx val="1891295320"/>
+        <c:crosses val="autoZero"/>
+        <c:crossBetween val="between"/>
+      </c:valAx>
+    </c:plotArea>
+    <c:legend>
+      <c:legendPos val="r"/>
+      <c:layout>
+        <c:manualLayout>
+          <c:xMode val="edge"/>
+          <c:yMode val="edge"/>
+          <c:x val="0.78592389964002"/>
+          <c:y val="0.615511697461905"/>
+          <c:w val="0.202582081548706"/>
+          <c:h val="0.13358817300726"/>
+        </c:manualLayout>
+      </c:layout>
+      <c:overlay val="0"/>
+      <c:txPr>
+        <a:bodyPr/>
+        <a:lstStyle/>
+        <a:p>
+          <a:pPr>
+            <a:defRPr sz="1400"/>
+          </a:pPr>
+          <a:endParaRPr lang="en-US"/>
+        </a:p>
+      </c:txPr>
+    </c:legend>
+    <c:plotVisOnly val="1"/>
+    <c:dispBlanksAs val="gap"/>
+    <c:showDLblsOverMax val="0"/>
+  </c:chart>
+  <c:externalData r:id="rId1">
+    <c:autoUpdate val="0"/>
+  </c:externalData>
+</c:chartSpace>
+</file>
+
+<file path=ppt/charts/chart5.xml><?xml version="1.0" encoding="utf-8"?>
 <c:chartSpace xmlns:c="http://schemas.openxmlformats.org/drawingml/2006/chart" xmlns:a="http://schemas.openxmlformats.org/drawingml/2006/main" xmlns:r="http://schemas.openxmlformats.org/officeDocument/2006/relationships">
   <c:date1904 val="0"/>
   <c:lang val="en-US"/>
@@ -770,7 +1591,7 @@
                   <c:v>410.9336666666666</c:v>
                 </c:pt>
                 <c:pt idx="1">
-                  <c:v>4060.937333333334</c:v>
+                  <c:v>4060.937333333335</c:v>
                 </c:pt>
                 <c:pt idx="2">
                   <c:v>11393.45</c:v>
@@ -835,7 +1656,7 @@
         <c:dLbls>
           <c:dLblPos val="r"/>
           <c:showLegendKey val="0"/>
-          <c:showVal val="1"/>
+          <c:showVal val="0"/>
           <c:showCatName val="0"/>
           <c:showSerName val="0"/>
           <c:showPercent val="0"/>
@@ -843,11 +1664,11 @@
         </c:dLbls>
         <c:marker val="1"/>
         <c:smooth val="0"/>
-        <c:axId val="1798314200"/>
-        <c:axId val="1869125960"/>
+        <c:axId val="1860119448"/>
+        <c:axId val="1860125208"/>
       </c:lineChart>
       <c:dateAx>
-        <c:axId val="1798314200"/>
+        <c:axId val="1860119448"/>
         <c:scaling>
           <c:orientation val="minMax"/>
         </c:scaling>
@@ -888,14 +1709,14 @@
         <c:majorTickMark val="out"/>
         <c:minorTickMark val="none"/>
         <c:tickLblPos val="nextTo"/>
-        <c:crossAx val="1869125960"/>
+        <c:crossAx val="1860125208"/>
         <c:crosses val="autoZero"/>
         <c:auto val="0"/>
         <c:lblOffset val="100"/>
         <c:baseTimeUnit val="days"/>
       </c:dateAx>
       <c:valAx>
-        <c:axId val="1869125960"/>
+        <c:axId val="1860125208"/>
         <c:scaling>
           <c:orientation val="minMax"/>
         </c:scaling>
@@ -937,15 +1758,34 @@
         <c:majorTickMark val="out"/>
         <c:minorTickMark val="none"/>
         <c:tickLblPos val="nextTo"/>
-        <c:crossAx val="1798314200"/>
+        <c:crossAx val="1860119448"/>
         <c:crosses val="autoZero"/>
         <c:crossBetween val="between"/>
       </c:valAx>
     </c:plotArea>
     <c:legend>
       <c:legendPos val="r"/>
-      <c:layout/>
+      <c:layout>
+        <c:manualLayout>
+          <c:xMode val="edge"/>
+          <c:yMode val="edge"/>
+          <c:x val="0.903229926120346"/>
+          <c:y val="0.435712899761979"/>
+          <c:w val="0.0967700738796539"/>
+          <c:h val="0.128573997299788"/>
+        </c:manualLayout>
+      </c:layout>
       <c:overlay val="0"/>
+      <c:txPr>
+        <a:bodyPr/>
+        <a:lstStyle/>
+        <a:p>
+          <a:pPr>
+            <a:defRPr sz="1400"/>
+          </a:pPr>
+          <a:endParaRPr lang="en-US"/>
+        </a:p>
+      </c:txPr>
     </c:legend>
     <c:plotVisOnly val="1"/>
     <c:dispBlanksAs val="gap"/>
@@ -958,7 +1798,7 @@
 </c:chartSpace>
 </file>
 
-<file path=ppt/charts/chart4.xml><?xml version="1.0" encoding="utf-8"?>
+<file path=ppt/charts/chart6.xml><?xml version="1.0" encoding="utf-8"?>
 <c:chartSpace xmlns:c="http://schemas.openxmlformats.org/drawingml/2006/chart" xmlns:a="http://schemas.openxmlformats.org/drawingml/2006/main" xmlns:r="http://schemas.openxmlformats.org/officeDocument/2006/relationships">
   <c:date1904 val="0"/>
   <c:lang val="en-US"/>
@@ -1079,7 +1919,7 @@
                 <c:formatCode>General</c:formatCode>
                 <c:ptCount val="3"/>
                 <c:pt idx="0">
-                  <c:v>74.09633333333332</c:v>
+                  <c:v>74.09633333333331</c:v>
                 </c:pt>
                 <c:pt idx="1">
                   <c:v>740.563</c:v>
@@ -1095,7 +1935,7 @@
         <c:dLbls>
           <c:dLblPos val="r"/>
           <c:showLegendKey val="0"/>
-          <c:showVal val="1"/>
+          <c:showVal val="0"/>
           <c:showCatName val="0"/>
           <c:showSerName val="0"/>
           <c:showPercent val="0"/>
@@ -1103,11 +1943,11 @@
         </c:dLbls>
         <c:marker val="1"/>
         <c:smooth val="0"/>
-        <c:axId val="1869223048"/>
-        <c:axId val="1888943752"/>
+        <c:axId val="1859357208"/>
+        <c:axId val="1859351432"/>
       </c:lineChart>
       <c:dateAx>
-        <c:axId val="1869223048"/>
+        <c:axId val="1859357208"/>
         <c:scaling>
           <c:orientation val="minMax"/>
         </c:scaling>
@@ -1148,14 +1988,14 @@
         <c:majorTickMark val="out"/>
         <c:minorTickMark val="none"/>
         <c:tickLblPos val="nextTo"/>
-        <c:crossAx val="1888943752"/>
+        <c:crossAx val="1859351432"/>
         <c:crosses val="autoZero"/>
         <c:auto val="0"/>
         <c:lblOffset val="100"/>
         <c:baseTimeUnit val="days"/>
       </c:dateAx>
       <c:valAx>
-        <c:axId val="1888943752"/>
+        <c:axId val="1859351432"/>
         <c:scaling>
           <c:orientation val="minMax"/>
           <c:max val="18000.0"/>
@@ -1198,7 +2038,7 @@
         <c:majorTickMark val="out"/>
         <c:minorTickMark val="none"/>
         <c:tickLblPos val="nextTo"/>
-        <c:crossAx val="1869223048"/>
+        <c:crossAx val="1859357208"/>
         <c:crosses val="autoZero"/>
         <c:crossBetween val="between"/>
       </c:valAx>
@@ -1209,13 +2049,23 @@
         <c:manualLayout>
           <c:xMode val="edge"/>
           <c:yMode val="edge"/>
-          <c:x val="0.898250704773014"/>
-          <c:y val="0.271886043615022"/>
+          <c:x val="0.91522601341499"/>
+          <c:y val="0.271886094924766"/>
           <c:w val="0.083230776708467"/>
           <c:h val="0.107687728261099"/>
         </c:manualLayout>
       </c:layout>
       <c:overlay val="0"/>
+      <c:txPr>
+        <a:bodyPr/>
+        <a:lstStyle/>
+        <a:p>
+          <a:pPr>
+            <a:defRPr sz="1400"/>
+          </a:pPr>
+          <a:endParaRPr lang="en-US"/>
+        </a:p>
+      </c:txPr>
     </c:legend>
     <c:plotVisOnly val="1"/>
     <c:dispBlanksAs val="gap"/>
@@ -1228,7 +2078,7 @@
 </c:chartSpace>
 </file>
 
-<file path=ppt/charts/chart5.xml><?xml version="1.0" encoding="utf-8"?>
+<file path=ppt/charts/chart7.xml><?xml version="1.0" encoding="utf-8"?>
 <c:chartSpace xmlns:c="http://schemas.openxmlformats.org/drawingml/2006/chart" xmlns:a="http://schemas.openxmlformats.org/drawingml/2006/main" xmlns:r="http://schemas.openxmlformats.org/officeDocument/2006/relationships">
   <c:date1904 val="0"/>
   <c:lang val="en-US"/>
@@ -1355,7 +2205,7 @@
         <c:dLbls>
           <c:dLblPos val="r"/>
           <c:showLegendKey val="0"/>
-          <c:showVal val="1"/>
+          <c:showVal val="0"/>
           <c:showCatName val="0"/>
           <c:showSerName val="0"/>
           <c:showPercent val="0"/>
@@ -1363,11 +2213,11 @@
         </c:dLbls>
         <c:marker val="1"/>
         <c:smooth val="0"/>
-        <c:axId val="1888788472"/>
-        <c:axId val="1888794776"/>
+        <c:axId val="1859286088"/>
+        <c:axId val="1859280312"/>
       </c:lineChart>
       <c:dateAx>
-        <c:axId val="1888788472"/>
+        <c:axId val="1859286088"/>
         <c:scaling>
           <c:orientation val="minMax"/>
         </c:scaling>
@@ -1408,14 +2258,14 @@
         <c:majorTickMark val="out"/>
         <c:minorTickMark val="none"/>
         <c:tickLblPos val="nextTo"/>
-        <c:crossAx val="1888794776"/>
+        <c:crossAx val="1859280312"/>
         <c:crosses val="autoZero"/>
         <c:auto val="0"/>
         <c:lblOffset val="100"/>
         <c:baseTimeUnit val="days"/>
       </c:dateAx>
       <c:valAx>
-        <c:axId val="1888794776"/>
+        <c:axId val="1859280312"/>
         <c:scaling>
           <c:orientation val="minMax"/>
         </c:scaling>
@@ -1457,7 +2307,7 @@
         <c:majorTickMark val="out"/>
         <c:minorTickMark val="none"/>
         <c:tickLblPos val="nextTo"/>
-        <c:crossAx val="1888788472"/>
+        <c:crossAx val="1859286088"/>
         <c:crosses val="autoZero"/>
         <c:crossBetween val="between"/>
       </c:valAx>
@@ -1477,7 +2327,7 @@
 </c:chartSpace>
 </file>
 
-<file path=ppt/charts/chart6.xml><?xml version="1.0" encoding="utf-8"?>
+<file path=ppt/charts/chart8.xml><?xml version="1.0" encoding="utf-8"?>
 <c:chartSpace xmlns:c="http://schemas.openxmlformats.org/drawingml/2006/chart" xmlns:a="http://schemas.openxmlformats.org/drawingml/2006/main" xmlns:r="http://schemas.openxmlformats.org/officeDocument/2006/relationships">
   <c:date1904 val="0"/>
   <c:lang val="en-US"/>
@@ -1604,7 +2454,7 @@
         <c:dLbls>
           <c:dLblPos val="r"/>
           <c:showLegendKey val="0"/>
-          <c:showVal val="1"/>
+          <c:showVal val="0"/>
           <c:showCatName val="0"/>
           <c:showSerName val="0"/>
           <c:showPercent val="0"/>
@@ -1612,11 +2462,11 @@
         </c:dLbls>
         <c:marker val="1"/>
         <c:smooth val="0"/>
-        <c:axId val="1863570456"/>
-        <c:axId val="1868468520"/>
+        <c:axId val="1859227656"/>
+        <c:axId val="1859221880"/>
       </c:lineChart>
       <c:dateAx>
-        <c:axId val="1863570456"/>
+        <c:axId val="1859227656"/>
         <c:scaling>
           <c:orientation val="minMax"/>
         </c:scaling>
@@ -1657,14 +2507,14 @@
         <c:majorTickMark val="out"/>
         <c:minorTickMark val="none"/>
         <c:tickLblPos val="nextTo"/>
-        <c:crossAx val="1868468520"/>
+        <c:crossAx val="1859221880"/>
         <c:crosses val="autoZero"/>
         <c:auto val="0"/>
         <c:lblOffset val="100"/>
         <c:baseTimeUnit val="days"/>
       </c:dateAx>
       <c:valAx>
-        <c:axId val="1868468520"/>
+        <c:axId val="1859221880"/>
         <c:scaling>
           <c:orientation val="minMax"/>
           <c:max val="18000.0"/>
@@ -1707,7 +2557,7 @@
         <c:majorTickMark val="out"/>
         <c:minorTickMark val="none"/>
         <c:tickLblPos val="nextTo"/>
-        <c:crossAx val="1863570456"/>
+        <c:crossAx val="1859227656"/>
         <c:crosses val="autoZero"/>
         <c:crossBetween val="between"/>
       </c:valAx>
@@ -1716,6 +2566,322 @@
       <c:legendPos val="r"/>
       <c:layout/>
       <c:overlay val="0"/>
+    </c:legend>
+    <c:plotVisOnly val="1"/>
+    <c:dispBlanksAs val="gap"/>
+    <c:showDLblsOverMax val="0"/>
+  </c:chart>
+  <c:externalData r:id="rId1">
+    <c:autoUpdate val="0"/>
+  </c:externalData>
+</c:chartSpace>
+</file>
+
+<file path=ppt/charts/chart9.xml><?xml version="1.0" encoding="utf-8"?>
+<c:chartSpace xmlns:c="http://schemas.openxmlformats.org/drawingml/2006/chart" xmlns:a="http://schemas.openxmlformats.org/drawingml/2006/main" xmlns:r="http://schemas.openxmlformats.org/officeDocument/2006/relationships">
+  <c:date1904 val="0"/>
+  <c:lang val="en-US"/>
+  <c:roundedCorners val="0"/>
+  <mc:AlternateContent xmlns:mc="http://schemas.openxmlformats.org/markup-compatibility/2006">
+    <mc:Choice xmlns:c14="http://schemas.microsoft.com/office/drawing/2007/8/2/chart" Requires="c14">
+      <c14:style val="118"/>
+    </mc:Choice>
+    <mc:Fallback>
+      <c:style val="18"/>
+    </mc:Fallback>
+  </mc:AlternateContent>
+  <c:chart>
+    <c:autoTitleDeleted val="0"/>
+    <c:plotArea>
+      <c:layout/>
+      <c:lineChart>
+        <c:grouping val="standard"/>
+        <c:varyColors val="0"/>
+        <c:ser>
+          <c:idx val="0"/>
+          <c:order val="0"/>
+          <c:tx>
+            <c:strRef>
+              <c:f>Sheet1!$A$197</c:f>
+              <c:strCache>
+                <c:ptCount val="1"/>
+                <c:pt idx="0">
+                  <c:v>Push - GC Int - Diff</c:v>
+                </c:pt>
+              </c:strCache>
+            </c:strRef>
+          </c:tx>
+          <c:cat>
+            <c:numRef>
+              <c:f>Sheet1!$B$196:$D$196</c:f>
+              <c:numCache>
+                <c:formatCode>General</c:formatCode>
+                <c:ptCount val="3"/>
+                <c:pt idx="0">
+                  <c:v>1.0</c:v>
+                </c:pt>
+                <c:pt idx="1">
+                  <c:v>10.0</c:v>
+                </c:pt>
+                <c:pt idx="2">
+                  <c:v>50.0</c:v>
+                </c:pt>
+              </c:numCache>
+            </c:numRef>
+          </c:cat>
+          <c:val>
+            <c:numRef>
+              <c:f>Sheet1!$B$197:$D$197</c:f>
+              <c:numCache>
+                <c:formatCode>General</c:formatCode>
+                <c:ptCount val="3"/>
+                <c:pt idx="0">
+                  <c:v>410.933</c:v>
+                </c:pt>
+                <c:pt idx="1">
+                  <c:v>4060.9373</c:v>
+                </c:pt>
+                <c:pt idx="2">
+                  <c:v>11393.45</c:v>
+                </c:pt>
+              </c:numCache>
+            </c:numRef>
+          </c:val>
+          <c:smooth val="0"/>
+        </c:ser>
+        <c:ser>
+          <c:idx val="1"/>
+          <c:order val="1"/>
+          <c:tx>
+            <c:strRef>
+              <c:f>Sheet1!$A$198</c:f>
+              <c:strCache>
+                <c:ptCount val="1"/>
+                <c:pt idx="0">
+                  <c:v>Push - GC Ext</c:v>
+                </c:pt>
+              </c:strCache>
+            </c:strRef>
+          </c:tx>
+          <c:cat>
+            <c:numRef>
+              <c:f>Sheet1!$B$196:$D$196</c:f>
+              <c:numCache>
+                <c:formatCode>General</c:formatCode>
+                <c:ptCount val="3"/>
+                <c:pt idx="0">
+                  <c:v>1.0</c:v>
+                </c:pt>
+                <c:pt idx="1">
+                  <c:v>10.0</c:v>
+                </c:pt>
+                <c:pt idx="2">
+                  <c:v>50.0</c:v>
+                </c:pt>
+              </c:numCache>
+            </c:numRef>
+          </c:cat>
+          <c:val>
+            <c:numRef>
+              <c:f>Sheet1!$B$198:$D$198</c:f>
+              <c:numCache>
+                <c:formatCode>General</c:formatCode>
+                <c:ptCount val="3"/>
+                <c:pt idx="0">
+                  <c:v>300.835</c:v>
+                </c:pt>
+                <c:pt idx="1">
+                  <c:v>3427.445</c:v>
+                </c:pt>
+                <c:pt idx="2">
+                  <c:v>8976.320599999999</c:v>
+                </c:pt>
+              </c:numCache>
+            </c:numRef>
+          </c:val>
+          <c:smooth val="0"/>
+        </c:ser>
+        <c:ser>
+          <c:idx val="2"/>
+          <c:order val="2"/>
+          <c:tx>
+            <c:strRef>
+              <c:f>Sheet1!$A$199</c:f>
+              <c:strCache>
+                <c:ptCount val="1"/>
+                <c:pt idx="0">
+                  <c:v>Push - Az Ext</c:v>
+                </c:pt>
+              </c:strCache>
+            </c:strRef>
+          </c:tx>
+          <c:cat>
+            <c:numRef>
+              <c:f>Sheet1!$B$196:$D$196</c:f>
+              <c:numCache>
+                <c:formatCode>General</c:formatCode>
+                <c:ptCount val="3"/>
+                <c:pt idx="0">
+                  <c:v>1.0</c:v>
+                </c:pt>
+                <c:pt idx="1">
+                  <c:v>10.0</c:v>
+                </c:pt>
+                <c:pt idx="2">
+                  <c:v>50.0</c:v>
+                </c:pt>
+              </c:numCache>
+            </c:numRef>
+          </c:cat>
+          <c:val>
+            <c:numRef>
+              <c:f>Sheet1!$B$199:$D$199</c:f>
+              <c:numCache>
+                <c:formatCode>General</c:formatCode>
+                <c:ptCount val="3"/>
+                <c:pt idx="0">
+                  <c:v>47.554</c:v>
+                </c:pt>
+                <c:pt idx="1">
+                  <c:v>580.424</c:v>
+                </c:pt>
+                <c:pt idx="2">
+                  <c:v>2750.661</c:v>
+                </c:pt>
+              </c:numCache>
+            </c:numRef>
+          </c:val>
+          <c:smooth val="0"/>
+        </c:ser>
+        <c:dLbls>
+          <c:showLegendKey val="0"/>
+          <c:showVal val="0"/>
+          <c:showCatName val="0"/>
+          <c:showSerName val="0"/>
+          <c:showPercent val="0"/>
+          <c:showBubbleSize val="0"/>
+        </c:dLbls>
+        <c:marker val="1"/>
+        <c:smooth val="0"/>
+        <c:axId val="1882263352"/>
+        <c:axId val="1882266328"/>
+      </c:lineChart>
+      <c:dateAx>
+        <c:axId val="1882263352"/>
+        <c:scaling>
+          <c:orientation val="minMax"/>
+        </c:scaling>
+        <c:delete val="0"/>
+        <c:axPos val="b"/>
+        <c:title>
+          <c:tx>
+            <c:rich>
+              <a:bodyPr/>
+              <a:lstStyle/>
+              <a:p>
+                <a:pPr>
+                  <a:defRPr/>
+                </a:pPr>
+                <a:r>
+                  <a:rPr lang="en-US" dirty="0" smtClean="0"/>
+                  <a:t>Size</a:t>
+                </a:r>
+                <a:r>
+                  <a:rPr lang="en-US" baseline="0" dirty="0" smtClean="0"/>
+                  <a:t> of File (G)</a:t>
+                </a:r>
+                <a:endParaRPr lang="en-US" dirty="0"/>
+              </a:p>
+            </c:rich>
+          </c:tx>
+          <c:layout>
+            <c:manualLayout>
+              <c:xMode val="edge"/>
+              <c:yMode val="edge"/>
+              <c:x val="0.682625963550503"/>
+              <c:y val="0.925897230127652"/>
+            </c:manualLayout>
+          </c:layout>
+          <c:overlay val="0"/>
+        </c:title>
+        <c:numFmt formatCode="General" sourceLinked="1"/>
+        <c:majorTickMark val="out"/>
+        <c:minorTickMark val="none"/>
+        <c:tickLblPos val="nextTo"/>
+        <c:crossAx val="1882266328"/>
+        <c:crosses val="autoZero"/>
+        <c:auto val="0"/>
+        <c:lblOffset val="100"/>
+        <c:baseTimeUnit val="days"/>
+      </c:dateAx>
+      <c:valAx>
+        <c:axId val="1882266328"/>
+        <c:scaling>
+          <c:orientation val="minMax"/>
+          <c:max val="18000.0"/>
+        </c:scaling>
+        <c:delete val="0"/>
+        <c:axPos val="l"/>
+        <c:majorGridlines/>
+        <c:title>
+          <c:tx>
+            <c:rich>
+              <a:bodyPr rot="-5400000" vert="horz"/>
+              <a:lstStyle/>
+              <a:p>
+                <a:pPr>
+                  <a:defRPr/>
+                </a:pPr>
+                <a:r>
+                  <a:rPr lang="en-US" dirty="0" smtClean="0"/>
+                  <a:t>Time (Sec)</a:t>
+                </a:r>
+                <a:endParaRPr lang="en-US" dirty="0"/>
+              </a:p>
+            </c:rich>
+          </c:tx>
+          <c:layout>
+            <c:manualLayout>
+              <c:xMode val="edge"/>
+              <c:yMode val="edge"/>
+              <c:x val="0.00292242133422801"/>
+              <c:y val="0.0256608973061892"/>
+            </c:manualLayout>
+          </c:layout>
+          <c:overlay val="0"/>
+        </c:title>
+        <c:numFmt formatCode="General" sourceLinked="1"/>
+        <c:majorTickMark val="out"/>
+        <c:minorTickMark val="none"/>
+        <c:tickLblPos val="nextTo"/>
+        <c:crossAx val="1882263352"/>
+        <c:crosses val="autoZero"/>
+        <c:crossBetween val="between"/>
+      </c:valAx>
+    </c:plotArea>
+    <c:legend>
+      <c:legendPos val="r"/>
+      <c:layout>
+        <c:manualLayout>
+          <c:xMode val="edge"/>
+          <c:yMode val="edge"/>
+          <c:x val="0.789585663935583"/>
+          <c:y val="0.537692596722386"/>
+          <c:w val="0.198724650727505"/>
+          <c:h val="0.192582520584497"/>
+        </c:manualLayout>
+      </c:layout>
+      <c:overlay val="0"/>
+      <c:txPr>
+        <a:bodyPr/>
+        <a:lstStyle/>
+        <a:p>
+          <a:pPr>
+            <a:defRPr sz="1400"/>
+          </a:pPr>
+          <a:endParaRPr lang="en-US"/>
+        </a:p>
+      </c:txPr>
     </c:legend>
     <c:plotVisOnly val="1"/>
     <c:dispBlanksAs val="gap"/>
@@ -2038,12 +3204,12 @@
 <c:userShapes xmlns:c="http://schemas.openxmlformats.org/drawingml/2006/chart">
   <cdr:relSizeAnchor xmlns:cdr="http://schemas.openxmlformats.org/drawingml/2006/chartDrawing">
     <cdr:from>
-      <cdr:x>0.16049</cdr:x>
-      <cdr:y>0.50706</cdr:y>
+      <cdr:x>0.11105</cdr:x>
+      <cdr:y>0.64054</cdr:y>
     </cdr:from>
     <cdr:to>
-      <cdr:x>0.26087</cdr:x>
-      <cdr:y>0.58867</cdr:y>
+      <cdr:x>0.21143</cdr:x>
+      <cdr:y>0.72215</cdr:y>
     </cdr:to>
     <cdr:sp macro="" textlink="">
       <cdr:nvSpPr>
@@ -2052,15 +3218,15 @@
       </cdr:nvSpPr>
       <cdr:spPr>
         <a:xfrm xmlns:a="http://schemas.openxmlformats.org/drawingml/2006/main">
-          <a:off x="1320758" y="2294953"/>
-          <a:ext cx="826089" cy="369332"/>
+          <a:off x="913890" y="2899056"/>
+          <a:ext cx="826087" cy="369364"/>
         </a:xfrm>
         <a:prstGeom xmlns:a="http://schemas.openxmlformats.org/drawingml/2006/main" prst="borderCallout1">
           <a:avLst>
             <a:gd name="adj1" fmla="val 102205"/>
             <a:gd name="adj2" fmla="val 47952"/>
-            <a:gd name="adj3" fmla="val 376218"/>
-            <a:gd name="adj4" fmla="val 21158"/>
+            <a:gd name="adj3" fmla="val 192634"/>
+            <a:gd name="adj4" fmla="val 58471"/>
           </a:avLst>
         </a:prstGeom>
       </cdr:spPr>
@@ -2189,12 +3355,12 @@
   </cdr:relSizeAnchor>
   <cdr:relSizeAnchor xmlns:cdr="http://schemas.openxmlformats.org/drawingml/2006/chartDrawing">
     <cdr:from>
-      <cdr:x>0.51856</cdr:x>
-      <cdr:y>0.22104</cdr:y>
+      <cdr:x>0.4871</cdr:x>
+      <cdr:y>0.25918</cdr:y>
     </cdr:from>
     <cdr:to>
-      <cdr:x>0.61894</cdr:x>
-      <cdr:y>0.30264</cdr:y>
+      <cdr:x>0.58748</cdr:x>
+      <cdr:y>0.34078</cdr:y>
     </cdr:to>
     <cdr:sp macro="" textlink="">
       <cdr:nvSpPr>
@@ -2203,15 +3369,15 @@
       </cdr:nvSpPr>
       <cdr:spPr>
         <a:xfrm xmlns:a="http://schemas.openxmlformats.org/drawingml/2006/main">
-          <a:off x="4267552" y="1000410"/>
-          <a:ext cx="826089" cy="369332"/>
+          <a:off x="4008618" y="1173024"/>
+          <a:ext cx="826088" cy="369318"/>
         </a:xfrm>
         <a:prstGeom xmlns:a="http://schemas.openxmlformats.org/drawingml/2006/main" prst="borderCallout1">
           <a:avLst>
             <a:gd name="adj1" fmla="val 108881"/>
             <a:gd name="adj2" fmla="val 50937"/>
-            <a:gd name="adj3" fmla="val 369541"/>
-            <a:gd name="adj4" fmla="val -17648"/>
+            <a:gd name="adj3" fmla="val 256038"/>
+            <a:gd name="adj4" fmla="val 28621"/>
           </a:avLst>
         </a:prstGeom>
       </cdr:spPr>
@@ -2340,12 +3506,12 @@
   </cdr:relSizeAnchor>
   <cdr:relSizeAnchor xmlns:cdr="http://schemas.openxmlformats.org/drawingml/2006/chartDrawing">
     <cdr:from>
-      <cdr:x>0.52306</cdr:x>
-      <cdr:y>0.77947</cdr:y>
+      <cdr:x>0.26237</cdr:x>
+      <cdr:y>0.78764</cdr:y>
     </cdr:from>
     <cdr:to>
-      <cdr:x>0.62344</cdr:x>
-      <cdr:y>0.86107</cdr:y>
+      <cdr:x>0.36275</cdr:x>
+      <cdr:y>0.86924</cdr:y>
     </cdr:to>
     <cdr:sp macro="" textlink="">
       <cdr:nvSpPr>
@@ -2354,15 +3520,15 @@
       </cdr:nvSpPr>
       <cdr:spPr>
         <a:xfrm xmlns:a="http://schemas.openxmlformats.org/drawingml/2006/main">
-          <a:off x="4304541" y="3527852"/>
-          <a:ext cx="826089" cy="369332"/>
+          <a:off x="2159210" y="3564839"/>
+          <a:ext cx="826087" cy="369319"/>
         </a:xfrm>
         <a:prstGeom xmlns:a="http://schemas.openxmlformats.org/drawingml/2006/main" prst="borderCallout1">
           <a:avLst>
             <a:gd name="adj1" fmla="val 52132"/>
             <a:gd name="adj2" fmla="val -1302"/>
-            <a:gd name="adj3" fmla="val 42399"/>
-            <a:gd name="adj4" fmla="val -310185"/>
+            <a:gd name="adj3" fmla="val 49076"/>
+            <a:gd name="adj4" fmla="val -99737"/>
           </a:avLst>
         </a:prstGeom>
       </cdr:spPr>
@@ -2491,12 +3657,12 @@
   </cdr:relSizeAnchor>
   <cdr:relSizeAnchor xmlns:cdr="http://schemas.openxmlformats.org/drawingml/2006/chartDrawing">
     <cdr:from>
-      <cdr:x>0.77625</cdr:x>
-      <cdr:y>0.63782</cdr:y>
+      <cdr:x>0.65489</cdr:x>
+      <cdr:y>0.53158</cdr:y>
     </cdr:from>
     <cdr:to>
-      <cdr:x>0.87663</cdr:x>
-      <cdr:y>0.71942</cdr:y>
+      <cdr:x>0.75527</cdr:x>
+      <cdr:y>0.61318</cdr:y>
     </cdr:to>
     <cdr:sp macro="" textlink="">
       <cdr:nvSpPr>
@@ -2505,15 +3671,15 @@
       </cdr:nvSpPr>
       <cdr:spPr>
         <a:xfrm xmlns:a="http://schemas.openxmlformats.org/drawingml/2006/main">
-          <a:off x="6388257" y="2886745"/>
-          <a:ext cx="826089" cy="369332"/>
+          <a:off x="5389523" y="2405919"/>
+          <a:ext cx="826087" cy="369318"/>
         </a:xfrm>
         <a:prstGeom xmlns:a="http://schemas.openxmlformats.org/drawingml/2006/main" prst="borderCallout1">
           <a:avLst>
             <a:gd name="adj1" fmla="val 52132"/>
             <a:gd name="adj2" fmla="val -1302"/>
-            <a:gd name="adj3" fmla="val -87791"/>
-            <a:gd name="adj4" fmla="val -169887"/>
+            <a:gd name="adj3" fmla="val 39065"/>
+            <a:gd name="adj4" fmla="val -105708"/>
           </a:avLst>
         </a:prstGeom>
       </cdr:spPr>
@@ -3105,12 +4271,12 @@
 <c:userShapes xmlns:c="http://schemas.openxmlformats.org/drawingml/2006/chart">
   <cdr:relSizeAnchor xmlns:cdr="http://schemas.openxmlformats.org/drawingml/2006/chartDrawing">
     <cdr:from>
-      <cdr:x>0.13052</cdr:x>
-      <cdr:y>0.4946</cdr:y>
+      <cdr:x>0.12752</cdr:x>
+      <cdr:y>0.51188</cdr:y>
     </cdr:from>
     <cdr:to>
-      <cdr:x>0.2309</cdr:x>
-      <cdr:y>0.57256</cdr:y>
+      <cdr:x>0.2279</cdr:x>
+      <cdr:y>0.58983</cdr:y>
     </cdr:to>
     <cdr:sp macro="" textlink="">
       <cdr:nvSpPr>
@@ -3119,14 +4285,14 @@
       </cdr:nvSpPr>
       <cdr:spPr>
         <a:xfrm xmlns:a="http://schemas.openxmlformats.org/drawingml/2006/main">
-          <a:off x="1074127" y="2470949"/>
-          <a:ext cx="826087" cy="389473"/>
+          <a:off x="1049467" y="2557230"/>
+          <a:ext cx="826088" cy="389473"/>
         </a:xfrm>
         <a:prstGeom xmlns:a="http://schemas.openxmlformats.org/drawingml/2006/main" prst="borderCallout1">
           <a:avLst>
             <a:gd name="adj1" fmla="val 105543"/>
             <a:gd name="adj2" fmla="val 50937"/>
-            <a:gd name="adj3" fmla="val 426290"/>
+            <a:gd name="adj3" fmla="val 400965"/>
             <a:gd name="adj4" fmla="val 21158"/>
           </a:avLst>
         </a:prstGeom>
@@ -3255,11 +4421,11 @@
   </cdr:relSizeAnchor>
   <cdr:relSizeAnchor xmlns:cdr="http://schemas.openxmlformats.org/drawingml/2006/chartDrawing">
     <cdr:from>
-      <cdr:x>0.74074</cdr:x>
+      <cdr:x>0.64036</cdr:x>
       <cdr:y>0.61599</cdr:y>
     </cdr:from>
     <cdr:to>
-      <cdr:x>0.84112</cdr:x>
+      <cdr:x>0.74074</cdr:x>
       <cdr:y>0.69396</cdr:y>
     </cdr:to>
     <cdr:sp macro="" textlink="">
@@ -3269,15 +4435,15 @@
       </cdr:nvSpPr>
       <cdr:spPr>
         <a:xfrm xmlns:a="http://schemas.openxmlformats.org/drawingml/2006/main">
-          <a:off x="6096000" y="3077362"/>
+          <a:off x="5269913" y="3077368"/>
           <a:ext cx="826087" cy="389524"/>
         </a:xfrm>
         <a:prstGeom xmlns:a="http://schemas.openxmlformats.org/drawingml/2006/main" prst="borderCallout1">
           <a:avLst>
             <a:gd name="adj1" fmla="val 52132"/>
             <a:gd name="adj2" fmla="val -1302"/>
-            <a:gd name="adj3" fmla="val 215985"/>
-            <a:gd name="adj4" fmla="val -81827"/>
+            <a:gd name="adj3" fmla="val 231811"/>
+            <a:gd name="adj4" fmla="val -83320"/>
           </a:avLst>
         </a:prstGeom>
       </cdr:spPr>
@@ -3406,12 +4572,12 @@
   </cdr:relSizeAnchor>
   <cdr:relSizeAnchor xmlns:cdr="http://schemas.openxmlformats.org/drawingml/2006/chartDrawing">
     <cdr:from>
-      <cdr:x>0.71752</cdr:x>
-      <cdr:y>0.22189</cdr:y>
+      <cdr:x>0.59766</cdr:x>
+      <cdr:y>0.22929</cdr:y>
     </cdr:from>
     <cdr:to>
-      <cdr:x>0.8179</cdr:x>
-      <cdr:y>0.29986</cdr:y>
+      <cdr:x>0.69804</cdr:x>
+      <cdr:y>0.30726</cdr:y>
     </cdr:to>
     <cdr:sp macro="" textlink="">
       <cdr:nvSpPr>
@@ -3420,14 +4586,14 @@
       </cdr:nvSpPr>
       <cdr:spPr>
         <a:xfrm xmlns:a="http://schemas.openxmlformats.org/drawingml/2006/main">
-          <a:off x="5904898" y="1108499"/>
-          <a:ext cx="826088" cy="389523"/>
+          <a:off x="4918529" y="1145506"/>
+          <a:ext cx="826087" cy="389523"/>
         </a:xfrm>
         <a:prstGeom xmlns:a="http://schemas.openxmlformats.org/drawingml/2006/main" prst="borderCallout1">
           <a:avLst>
             <a:gd name="adj1" fmla="val 105543"/>
             <a:gd name="adj2" fmla="val 53922"/>
-            <a:gd name="adj3" fmla="val 380941"/>
+            <a:gd name="adj3" fmla="val 434749"/>
             <a:gd name="adj4" fmla="val 7725"/>
           </a:avLst>
         </a:prstGeom>
@@ -3640,7 +4806,7 @@
           <a:p>
             <a:fld id="{053E970B-5207-DC45-8AC6-D7CABDD4DE13}" type="datetimeFigureOut">
               <a:rPr lang="en-US" smtClean="0"/>
-              <a:t>13-02-15</a:t>
+              <a:t>13-02-19</a:t>
             </a:fld>
             <a:endParaRPr lang="en-US"/>
           </a:p>
@@ -3806,7 +4972,7 @@
           <a:p>
             <a:fld id="{85F8F577-5549-5244-BD98-F9F06782C630}" type="datetimeFigureOut">
               <a:rPr lang="en-US" smtClean="0"/>
-              <a:t>13-02-15</a:t>
+              <a:t>13-02-19</a:t>
             </a:fld>
             <a:endParaRPr lang="en-US"/>
           </a:p>
@@ -4256,7 +5422,7 @@
           <a:p>
             <a:fld id="{A5980068-A787-4F4F-B9B1-7E2217629BEF}" type="datetime1">
               <a:rPr lang="en-CA" smtClean="0"/>
-              <a:t>13-02-15</a:t>
+              <a:t>13-02-19</a:t>
             </a:fld>
             <a:endParaRPr lang="en-US"/>
           </a:p>
@@ -4426,7 +5592,7 @@
           <a:p>
             <a:fld id="{39E82996-8FA5-1647-83D0-F0942C0F2358}" type="datetime1">
               <a:rPr lang="en-CA" smtClean="0"/>
-              <a:t>13-02-15</a:t>
+              <a:t>13-02-19</a:t>
             </a:fld>
             <a:endParaRPr lang="en-US"/>
           </a:p>
@@ -4606,7 +5772,7 @@
           <a:p>
             <a:fld id="{4CC5FCC0-BB0E-F140-BD01-CB010C89D88E}" type="datetime1">
               <a:rPr lang="en-CA" smtClean="0"/>
-              <a:t>13-02-15</a:t>
+              <a:t>13-02-19</a:t>
             </a:fld>
             <a:endParaRPr lang="en-US"/>
           </a:p>
@@ -4776,7 +5942,7 @@
           <a:p>
             <a:fld id="{24CAB8C5-4B0B-A541-B433-EC863B1142FB}" type="datetime1">
               <a:rPr lang="en-CA" smtClean="0"/>
-              <a:t>13-02-15</a:t>
+              <a:t>13-02-19</a:t>
             </a:fld>
             <a:endParaRPr lang="en-US"/>
           </a:p>
@@ -5022,7 +6188,7 @@
           <a:p>
             <a:fld id="{76452392-1731-9245-96ED-A202D5A10A6B}" type="datetime1">
               <a:rPr lang="en-CA" smtClean="0"/>
-              <a:t>13-02-15</a:t>
+              <a:t>13-02-19</a:t>
             </a:fld>
             <a:endParaRPr lang="en-US"/>
           </a:p>
@@ -5310,7 +6476,7 @@
           <a:p>
             <a:fld id="{8BDAD4BD-DBFD-0C41-95F6-EBADD74C94FA}" type="datetime1">
               <a:rPr lang="en-CA" smtClean="0"/>
-              <a:t>13-02-15</a:t>
+              <a:t>13-02-19</a:t>
             </a:fld>
             <a:endParaRPr lang="en-US"/>
           </a:p>
@@ -5732,7 +6898,7 @@
           <a:p>
             <a:fld id="{9D6A8E0E-C92A-BC40-8BED-D5068823339A}" type="datetime1">
               <a:rPr lang="en-CA" smtClean="0"/>
-              <a:t>13-02-15</a:t>
+              <a:t>13-02-19</a:t>
             </a:fld>
             <a:endParaRPr lang="en-US"/>
           </a:p>
@@ -5850,7 +7016,7 @@
           <a:p>
             <a:fld id="{197DD8EE-1770-424F-960E-1A9E4D680C71}" type="datetime1">
               <a:rPr lang="en-CA" smtClean="0"/>
-              <a:t>13-02-15</a:t>
+              <a:t>13-02-19</a:t>
             </a:fld>
             <a:endParaRPr lang="en-US"/>
           </a:p>
@@ -5945,7 +7111,7 @@
           <a:p>
             <a:fld id="{2B14403D-6094-D74E-AA5E-FA1E59D71B4C}" type="datetime1">
               <a:rPr lang="en-CA" smtClean="0"/>
-              <a:t>13-02-15</a:t>
+              <a:t>13-02-19</a:t>
             </a:fld>
             <a:endParaRPr lang="en-US"/>
           </a:p>
@@ -6222,7 +7388,7 @@
           <a:p>
             <a:fld id="{DDE8D95F-D98C-1B43-B491-F01F03732B43}" type="datetime1">
               <a:rPr lang="en-CA" smtClean="0"/>
-              <a:t>13-02-15</a:t>
+              <a:t>13-02-19</a:t>
             </a:fld>
             <a:endParaRPr lang="en-US"/>
           </a:p>
@@ -6475,7 +7641,7 @@
           <a:p>
             <a:fld id="{9854C37A-3654-2447-9E22-C30D01B99D35}" type="datetime1">
               <a:rPr lang="en-CA" smtClean="0"/>
-              <a:t>13-02-15</a:t>
+              <a:t>13-02-19</a:t>
             </a:fld>
             <a:endParaRPr lang="en-US"/>
           </a:p>
@@ -6688,7 +7854,7 @@
           <a:p>
             <a:fld id="{EEFC5683-FEAD-944E-906D-1D6468BCC397}" type="datetime1">
               <a:rPr lang="en-CA" smtClean="0"/>
-              <a:t>13-02-15</a:t>
+              <a:t>13-02-19</a:t>
             </a:fld>
             <a:endParaRPr lang="en-US"/>
           </a:p>
@@ -7170,73 +8336,9 @@
             <a:pPr algn="l"/>
             <a:r>
               <a:rPr lang="en-US" dirty="0" smtClean="0"/>
-              <a:t>Comparisons:  </a:t>
+              <a:t>Push Data Comparison: </a:t>
             </a:r>
             <a:endParaRPr lang="en-US" dirty="0"/>
-          </a:p>
-        </p:txBody>
-      </p:sp>
-      <p:sp>
-        <p:nvSpPr>
-          <p:cNvPr id="3" name="Content Placeholder 2"/>
-          <p:cNvSpPr>
-            <a:spLocks noGrp="1"/>
-          </p:cNvSpPr>
-          <p:nvPr>
-            <p:ph idx="1"/>
-          </p:nvPr>
-        </p:nvSpPr>
-        <p:spPr>
-          <a:xfrm>
-            <a:off x="457200" y="1600200"/>
-            <a:ext cx="8229600" cy="4934164"/>
-          </a:xfrm>
-        </p:spPr>
-        <p:txBody>
-          <a:bodyPr>
-            <a:normAutofit/>
-          </a:bodyPr>
-          <a:lstStyle/>
-          <a:p>
-            <a:pPr>
-              <a:spcAft>
-                <a:spcPts val="1800"/>
-              </a:spcAft>
-            </a:pPr>
-            <a:r>
-              <a:rPr lang="en-US" dirty="0" smtClean="0"/>
-              <a:t>Google Cloud has slightly faster response time than Amazon’s (Push: 12mins faster</a:t>
-            </a:r>
-            <a:r>
-              <a:rPr lang="en-US" dirty="0"/>
-              <a:t>.</a:t>
-            </a:r>
-            <a:r>
-              <a:rPr lang="en-US" dirty="0" smtClean="0"/>
-              <a:t> Pull: 2.9mins faster).</a:t>
-            </a:r>
-          </a:p>
-          <a:p>
-            <a:pPr>
-              <a:spcAft>
-                <a:spcPts val="1800"/>
-              </a:spcAft>
-            </a:pPr>
-            <a:r>
-              <a:rPr lang="en-US" dirty="0" smtClean="0"/>
-              <a:t> The growth rate is similar.</a:t>
-            </a:r>
-          </a:p>
-          <a:p>
-            <a:pPr>
-              <a:spcAft>
-                <a:spcPts val="1800"/>
-              </a:spcAft>
-            </a:pPr>
-            <a:r>
-              <a:rPr lang="en-US" dirty="0" smtClean="0"/>
-              <a:t>In these two cloud environment, time and the size of data has positive linear relationship.</a:t>
-            </a:r>
           </a:p>
         </p:txBody>
       </p:sp>
@@ -7263,10 +8365,103 @@
           </a:p>
         </p:txBody>
       </p:sp>
+      <p:graphicFrame>
+        <p:nvGraphicFramePr>
+          <p:cNvPr id="5" name="Content Placeholder 4"/>
+          <p:cNvGraphicFramePr>
+            <a:graphicFrameLocks noGrp="1"/>
+          </p:cNvGraphicFramePr>
+          <p:nvPr>
+            <p:ph idx="1"/>
+            <p:extLst>
+              <p:ext uri="{D42A27DB-BD31-4B8C-83A1-F6EECF244321}">
+                <p14:modId xmlns:p14="http://schemas.microsoft.com/office/powerpoint/2010/main" val="157081533"/>
+              </p:ext>
+            </p:extLst>
+          </p:nvPr>
+        </p:nvGraphicFramePr>
+        <p:xfrm>
+          <a:off x="173616" y="1600200"/>
+          <a:ext cx="8864039" cy="4756150"/>
+        </p:xfrm>
+        <a:graphic>
+          <a:graphicData uri="http://schemas.openxmlformats.org/drawingml/2006/chart">
+            <c:chart xmlns:c="http://schemas.openxmlformats.org/drawingml/2006/chart" xmlns:r="http://schemas.openxmlformats.org/officeDocument/2006/relationships" r:id="rId2"/>
+          </a:graphicData>
+        </a:graphic>
+      </p:graphicFrame>
+      <p:sp>
+        <p:nvSpPr>
+          <p:cNvPr id="6" name="TextBox 5"/>
+          <p:cNvSpPr txBox="1"/>
+          <p:nvPr/>
+        </p:nvSpPr>
+        <p:spPr>
+          <a:xfrm>
+            <a:off x="6867632" y="2816218"/>
+            <a:ext cx="887737" cy="276999"/>
+          </a:xfrm>
+          <a:prstGeom prst="rect">
+            <a:avLst/>
+          </a:prstGeom>
+          <a:noFill/>
+        </p:spPr>
+        <p:txBody>
+          <a:bodyPr wrap="square" rtlCol="0">
+            <a:spAutoFit/>
+          </a:bodyPr>
+          <a:lstStyle/>
+          <a:p>
+            <a:r>
+              <a:rPr lang="en-US" sz="1200" dirty="0" smtClean="0"/>
+              <a:t>34.06 </a:t>
+            </a:r>
+            <a:r>
+              <a:rPr lang="en-US" sz="1200" dirty="0" err="1" smtClean="0"/>
+              <a:t>mins</a:t>
+            </a:r>
+            <a:endParaRPr lang="en-US" sz="1200" dirty="0"/>
+          </a:p>
+        </p:txBody>
+      </p:sp>
+      <p:sp>
+        <p:nvSpPr>
+          <p:cNvPr id="7" name="TextBox 6"/>
+          <p:cNvSpPr txBox="1"/>
+          <p:nvPr/>
+        </p:nvSpPr>
+        <p:spPr>
+          <a:xfrm>
+            <a:off x="6867632" y="1882040"/>
+            <a:ext cx="986375" cy="276999"/>
+          </a:xfrm>
+          <a:prstGeom prst="rect">
+            <a:avLst/>
+          </a:prstGeom>
+          <a:noFill/>
+        </p:spPr>
+        <p:txBody>
+          <a:bodyPr wrap="square" rtlCol="0">
+            <a:spAutoFit/>
+          </a:bodyPr>
+          <a:lstStyle/>
+          <a:p>
+            <a:r>
+              <a:rPr lang="en-US" sz="1200" dirty="0" smtClean="0"/>
+              <a:t> 46.84 </a:t>
+            </a:r>
+            <a:r>
+              <a:rPr lang="en-US" sz="1200" dirty="0" err="1" smtClean="0"/>
+              <a:t>mins</a:t>
+            </a:r>
+            <a:endParaRPr lang="en-US" sz="1200" dirty="0"/>
+          </a:p>
+        </p:txBody>
+      </p:sp>
     </p:spTree>
     <p:extLst>
       <p:ext uri="{BB962C8B-B14F-4D97-AF65-F5344CB8AC3E}">
-        <p14:creationId xmlns:p14="http://schemas.microsoft.com/office/powerpoint/2010/main" val="3465692874"/>
+        <p14:creationId xmlns:p14="http://schemas.microsoft.com/office/powerpoint/2010/main" val="1626165693"/>
       </p:ext>
     </p:extLst>
   </p:cSld>
@@ -7300,22 +8495,18 @@
             <a:spLocks noGrp="1"/>
           </p:cNvSpPr>
           <p:nvPr>
-            <p:ph type="ctrTitle"/>
+            <p:ph type="title"/>
           </p:nvPr>
         </p:nvSpPr>
-        <p:spPr>
-          <a:xfrm>
-            <a:off x="685800" y="2668174"/>
-            <a:ext cx="7772400" cy="1470025"/>
-          </a:xfrm>
-        </p:spPr>
+        <p:spPr/>
         <p:txBody>
           <a:bodyPr/>
           <a:lstStyle/>
           <a:p>
+            <a:pPr algn="l"/>
             <a:r>
               <a:rPr lang="en-US" dirty="0" smtClean="0"/>
-              <a:t>Instances in a different region</a:t>
+              <a:t>Pull Data Comparison:</a:t>
             </a:r>
             <a:endParaRPr lang="en-US" dirty="0"/>
           </a:p>
@@ -7323,7 +8514,7 @@
       </p:sp>
       <p:sp>
         <p:nvSpPr>
-          <p:cNvPr id="3" name="Slide Number Placeholder 2"/>
+          <p:cNvPr id="4" name="Slide Number Placeholder 3"/>
           <p:cNvSpPr>
             <a:spLocks noGrp="1"/>
           </p:cNvSpPr>
@@ -7344,10 +8535,103 @@
           </a:p>
         </p:txBody>
       </p:sp>
+      <p:graphicFrame>
+        <p:nvGraphicFramePr>
+          <p:cNvPr id="5" name="Content Placeholder 4"/>
+          <p:cNvGraphicFramePr>
+            <a:graphicFrameLocks noGrp="1"/>
+          </p:cNvGraphicFramePr>
+          <p:nvPr>
+            <p:ph idx="1"/>
+            <p:extLst>
+              <p:ext uri="{D42A27DB-BD31-4B8C-83A1-F6EECF244321}">
+                <p14:modId xmlns:p14="http://schemas.microsoft.com/office/powerpoint/2010/main" val="1350978736"/>
+              </p:ext>
+            </p:extLst>
+          </p:nvPr>
+        </p:nvGraphicFramePr>
+        <p:xfrm>
+          <a:off x="111969" y="1439727"/>
+          <a:ext cx="8839380" cy="4737096"/>
+        </p:xfrm>
+        <a:graphic>
+          <a:graphicData uri="http://schemas.openxmlformats.org/drawingml/2006/chart">
+            <c:chart xmlns:c="http://schemas.openxmlformats.org/drawingml/2006/chart" xmlns:r="http://schemas.openxmlformats.org/officeDocument/2006/relationships" r:id="rId2"/>
+          </a:graphicData>
+        </a:graphic>
+      </p:graphicFrame>
+      <p:sp>
+        <p:nvSpPr>
+          <p:cNvPr id="6" name="TextBox 5"/>
+          <p:cNvSpPr txBox="1"/>
+          <p:nvPr/>
+        </p:nvSpPr>
+        <p:spPr>
+          <a:xfrm>
+            <a:off x="6830643" y="3167736"/>
+            <a:ext cx="974045" cy="276999"/>
+          </a:xfrm>
+          <a:prstGeom prst="rect">
+            <a:avLst/>
+          </a:prstGeom>
+          <a:noFill/>
+        </p:spPr>
+        <p:txBody>
+          <a:bodyPr wrap="square" rtlCol="0">
+            <a:spAutoFit/>
+          </a:bodyPr>
+          <a:lstStyle/>
+          <a:p>
+            <a:r>
+              <a:rPr lang="en-US" sz="1200" dirty="0" smtClean="0"/>
+              <a:t> 29.97 </a:t>
+            </a:r>
+            <a:r>
+              <a:rPr lang="en-US" sz="1200" dirty="0" err="1" smtClean="0"/>
+              <a:t>mins</a:t>
+            </a:r>
+            <a:endParaRPr lang="en-US" sz="1200" dirty="0"/>
+          </a:p>
+        </p:txBody>
+      </p:sp>
+      <p:sp>
+        <p:nvSpPr>
+          <p:cNvPr id="7" name="TextBox 6"/>
+          <p:cNvSpPr txBox="1"/>
+          <p:nvPr/>
+        </p:nvSpPr>
+        <p:spPr>
+          <a:xfrm>
+            <a:off x="6830643" y="2795851"/>
+            <a:ext cx="986375" cy="276999"/>
+          </a:xfrm>
+          <a:prstGeom prst="rect">
+            <a:avLst/>
+          </a:prstGeom>
+          <a:noFill/>
+        </p:spPr>
+        <p:txBody>
+          <a:bodyPr wrap="square" rtlCol="0">
+            <a:spAutoFit/>
+          </a:bodyPr>
+          <a:lstStyle/>
+          <a:p>
+            <a:r>
+              <a:rPr lang="en-US" sz="1200" dirty="0" smtClean="0"/>
+              <a:t> 32.87 </a:t>
+            </a:r>
+            <a:r>
+              <a:rPr lang="en-US" sz="1200" dirty="0" err="1" smtClean="0"/>
+              <a:t>mins</a:t>
+            </a:r>
+            <a:endParaRPr lang="en-US" sz="1200" dirty="0"/>
+          </a:p>
+        </p:txBody>
+      </p:sp>
     </p:spTree>
     <p:extLst>
       <p:ext uri="{BB962C8B-B14F-4D97-AF65-F5344CB8AC3E}">
-        <p14:creationId xmlns:p14="http://schemas.microsoft.com/office/powerpoint/2010/main" val="872527736"/>
+        <p14:creationId xmlns:p14="http://schemas.microsoft.com/office/powerpoint/2010/main" val="4151677203"/>
       </p:ext>
     </p:extLst>
   </p:cSld>
@@ -7392,7 +8676,7 @@
             <a:pPr algn="l"/>
             <a:r>
               <a:rPr lang="en-US" dirty="0" smtClean="0"/>
-              <a:t>Two cases:</a:t>
+              <a:t>Comparisons:  </a:t>
             </a:r>
             <a:endParaRPr lang="en-US" dirty="0"/>
           </a:p>
@@ -7408,36 +8692,65 @@
             <p:ph idx="1"/>
           </p:nvPr>
         </p:nvSpPr>
-        <p:spPr/>
-        <p:txBody>
-          <a:bodyPr/>
+        <p:spPr>
+          <a:xfrm>
+            <a:off x="457200" y="1600200"/>
+            <a:ext cx="8229600" cy="4934164"/>
+          </a:xfrm>
+        </p:spPr>
+        <p:txBody>
+          <a:bodyPr>
+            <a:normAutofit/>
+          </a:bodyPr>
           <a:lstStyle/>
           <a:p>
-            <a:pPr marL="514350" indent="-514350">
+            <a:pPr>
               <a:spcAft>
-                <a:spcPts val="4800"/>
+                <a:spcPts val="1800"/>
               </a:spcAft>
-              <a:buFont typeface="+mj-lt"/>
-              <a:buAutoNum type="arabicPeriod"/>
             </a:pPr>
             <a:r>
               <a:rPr lang="en-US" dirty="0" smtClean="0"/>
-              <a:t>Transfer the file between two instances that are located in different zone. </a:t>
-            </a:r>
-          </a:p>
-          <a:p>
-            <a:pPr marL="514350" indent="-514350">
+              <a:t>Google Cloud has slightly faster response time than Amazon’s (Push: 12mins faster</a:t>
+            </a:r>
+            <a:r>
+              <a:rPr lang="en-US" dirty="0"/>
+              <a:t>.</a:t>
+            </a:r>
+            <a:r>
+              <a:rPr lang="en-US" dirty="0" smtClean="0"/>
+              <a:t> Pull: 2.9mins faster).</a:t>
+            </a:r>
+          </a:p>
+          <a:p>
+            <a:pPr>
               <a:spcAft>
-                <a:spcPts val="4800"/>
+                <a:spcPts val="1800"/>
               </a:spcAft>
-              <a:buFont typeface="+mj-lt"/>
-              <a:buAutoNum type="arabicPeriod"/>
             </a:pPr>
             <a:r>
               <a:rPr lang="en-US" dirty="0" smtClean="0"/>
-              <a:t>Transfer the file from users side to one of the instances in Amazon Cloud and Google Cloud.</a:t>
-            </a:r>
-            <a:endParaRPr lang="en-US" dirty="0"/>
+              <a:t> The growth rate is similar.</a:t>
+            </a:r>
+          </a:p>
+          <a:p>
+            <a:pPr>
+              <a:spcAft>
+                <a:spcPts val="1800"/>
+              </a:spcAft>
+            </a:pPr>
+            <a:r>
+              <a:rPr lang="en-US" dirty="0" smtClean="0"/>
+              <a:t>In these two cloud environment, </a:t>
+            </a:r>
+            <a:r>
+              <a:rPr lang="en-US" dirty="0" smtClean="0"/>
+              <a:t>consumption of time </a:t>
+            </a:r>
+            <a:r>
+              <a:rPr lang="en-US" dirty="0" smtClean="0"/>
+              <a:t>and the size of data has positive linear relationship.</a:t>
+            </a:r>
           </a:p>
         </p:txBody>
       </p:sp>
@@ -7467,7 +8780,7 @@
     </p:spTree>
     <p:extLst>
       <p:ext uri="{BB962C8B-B14F-4D97-AF65-F5344CB8AC3E}">
-        <p14:creationId xmlns:p14="http://schemas.microsoft.com/office/powerpoint/2010/main" val="2617891446"/>
+        <p14:creationId xmlns:p14="http://schemas.microsoft.com/office/powerpoint/2010/main" val="3465692874"/>
       </p:ext>
     </p:extLst>
   </p:cSld>
@@ -7501,6 +8814,219 @@
             <a:spLocks noGrp="1"/>
           </p:cNvSpPr>
           <p:nvPr>
+            <p:ph type="ctrTitle"/>
+          </p:nvPr>
+        </p:nvSpPr>
+        <p:spPr>
+          <a:xfrm>
+            <a:off x="685800" y="2668174"/>
+            <a:ext cx="7772400" cy="1470025"/>
+          </a:xfrm>
+        </p:spPr>
+        <p:txBody>
+          <a:bodyPr/>
+          <a:lstStyle/>
+          <a:p>
+            <a:r>
+              <a:rPr lang="en-US" dirty="0" smtClean="0"/>
+              <a:t>Instances in a </a:t>
+            </a:r>
+            <a:r>
+              <a:rPr lang="en-US" dirty="0" smtClean="0"/>
+              <a:t>Different </a:t>
+            </a:r>
+            <a:r>
+              <a:rPr lang="en-US" dirty="0"/>
+              <a:t>R</a:t>
+            </a:r>
+            <a:r>
+              <a:rPr lang="en-US" dirty="0" smtClean="0"/>
+              <a:t>egion</a:t>
+            </a:r>
+            <a:endParaRPr lang="en-US" dirty="0"/>
+          </a:p>
+        </p:txBody>
+      </p:sp>
+      <p:sp>
+        <p:nvSpPr>
+          <p:cNvPr id="3" name="Slide Number Placeholder 2"/>
+          <p:cNvSpPr>
+            <a:spLocks noGrp="1"/>
+          </p:cNvSpPr>
+          <p:nvPr>
+            <p:ph type="sldNum" sz="quarter" idx="12"/>
+          </p:nvPr>
+        </p:nvSpPr>
+        <p:spPr/>
+        <p:txBody>
+          <a:bodyPr/>
+          <a:lstStyle/>
+          <a:p>
+            <a:fld id="{C70626AA-6735-7946-BC33-AE0B434276E6}" type="slidenum">
+              <a:rPr lang="en-US" smtClean="0"/>
+              <a:t>13</a:t>
+            </a:fld>
+            <a:endParaRPr lang="en-US"/>
+          </a:p>
+        </p:txBody>
+      </p:sp>
+    </p:spTree>
+    <p:extLst>
+      <p:ext uri="{BB962C8B-B14F-4D97-AF65-F5344CB8AC3E}">
+        <p14:creationId xmlns:p14="http://schemas.microsoft.com/office/powerpoint/2010/main" val="872527736"/>
+      </p:ext>
+    </p:extLst>
+  </p:cSld>
+  <p:clrMapOvr>
+    <a:masterClrMapping/>
+  </p:clrMapOvr>
+</p:sld>
+</file>
+
+<file path=ppt/slides/slide14.xml><?xml version="1.0" encoding="utf-8"?>
+<p:sld xmlns:a="http://schemas.openxmlformats.org/drawingml/2006/main" xmlns:r="http://schemas.openxmlformats.org/officeDocument/2006/relationships" xmlns:p="http://schemas.openxmlformats.org/presentationml/2006/main">
+  <p:cSld>
+    <p:spTree>
+      <p:nvGrpSpPr>
+        <p:cNvPr id="1" name=""/>
+        <p:cNvGrpSpPr/>
+        <p:nvPr/>
+      </p:nvGrpSpPr>
+      <p:grpSpPr>
+        <a:xfrm>
+          <a:off x="0" y="0"/>
+          <a:ext cx="0" cy="0"/>
+          <a:chOff x="0" y="0"/>
+          <a:chExt cx="0" cy="0"/>
+        </a:xfrm>
+      </p:grpSpPr>
+      <p:sp>
+        <p:nvSpPr>
+          <p:cNvPr id="2" name="Title 1"/>
+          <p:cNvSpPr>
+            <a:spLocks noGrp="1"/>
+          </p:cNvSpPr>
+          <p:nvPr>
+            <p:ph type="title"/>
+          </p:nvPr>
+        </p:nvSpPr>
+        <p:spPr/>
+        <p:txBody>
+          <a:bodyPr/>
+          <a:lstStyle/>
+          <a:p>
+            <a:pPr algn="l"/>
+            <a:r>
+              <a:rPr lang="en-US" dirty="0" smtClean="0"/>
+              <a:t>Two cases:</a:t>
+            </a:r>
+            <a:endParaRPr lang="en-US" dirty="0"/>
+          </a:p>
+        </p:txBody>
+      </p:sp>
+      <p:sp>
+        <p:nvSpPr>
+          <p:cNvPr id="3" name="Content Placeholder 2"/>
+          <p:cNvSpPr>
+            <a:spLocks noGrp="1"/>
+          </p:cNvSpPr>
+          <p:nvPr>
+            <p:ph idx="1"/>
+          </p:nvPr>
+        </p:nvSpPr>
+        <p:spPr/>
+        <p:txBody>
+          <a:bodyPr/>
+          <a:lstStyle/>
+          <a:p>
+            <a:pPr marL="514350" indent="-514350">
+              <a:spcAft>
+                <a:spcPts val="4800"/>
+              </a:spcAft>
+              <a:buFont typeface="+mj-lt"/>
+              <a:buAutoNum type="arabicPeriod"/>
+            </a:pPr>
+            <a:r>
+              <a:rPr lang="en-US" dirty="0" smtClean="0"/>
+              <a:t>Transfer the file between two instances that are located in different zone. </a:t>
+            </a:r>
+          </a:p>
+          <a:p>
+            <a:pPr marL="514350" indent="-514350">
+              <a:spcAft>
+                <a:spcPts val="4800"/>
+              </a:spcAft>
+              <a:buFont typeface="+mj-lt"/>
+              <a:buAutoNum type="arabicPeriod"/>
+            </a:pPr>
+            <a:r>
+              <a:rPr lang="en-US" dirty="0" smtClean="0"/>
+              <a:t>Transfer the file from users side to one of the instances in Amazon Cloud and Google Cloud.</a:t>
+            </a:r>
+            <a:endParaRPr lang="en-US" dirty="0"/>
+          </a:p>
+        </p:txBody>
+      </p:sp>
+      <p:sp>
+        <p:nvSpPr>
+          <p:cNvPr id="4" name="Slide Number Placeholder 3"/>
+          <p:cNvSpPr>
+            <a:spLocks noGrp="1"/>
+          </p:cNvSpPr>
+          <p:nvPr>
+            <p:ph type="sldNum" sz="quarter" idx="12"/>
+          </p:nvPr>
+        </p:nvSpPr>
+        <p:spPr/>
+        <p:txBody>
+          <a:bodyPr/>
+          <a:lstStyle/>
+          <a:p>
+            <a:fld id="{C70626AA-6735-7946-BC33-AE0B434276E6}" type="slidenum">
+              <a:rPr lang="en-US" smtClean="0"/>
+              <a:t>14</a:t>
+            </a:fld>
+            <a:endParaRPr lang="en-US"/>
+          </a:p>
+        </p:txBody>
+      </p:sp>
+    </p:spTree>
+    <p:extLst>
+      <p:ext uri="{BB962C8B-B14F-4D97-AF65-F5344CB8AC3E}">
+        <p14:creationId xmlns:p14="http://schemas.microsoft.com/office/powerpoint/2010/main" val="2617891446"/>
+      </p:ext>
+    </p:extLst>
+  </p:cSld>
+  <p:clrMapOvr>
+    <a:masterClrMapping/>
+  </p:clrMapOvr>
+</p:sld>
+</file>
+
+<file path=ppt/slides/slide15.xml><?xml version="1.0" encoding="utf-8"?>
+<p:sld xmlns:a="http://schemas.openxmlformats.org/drawingml/2006/main" xmlns:r="http://schemas.openxmlformats.org/officeDocument/2006/relationships" xmlns:p="http://schemas.openxmlformats.org/presentationml/2006/main">
+  <p:cSld>
+    <p:spTree>
+      <p:nvGrpSpPr>
+        <p:cNvPr id="1" name=""/>
+        <p:cNvGrpSpPr/>
+        <p:nvPr/>
+      </p:nvGrpSpPr>
+      <p:grpSpPr>
+        <a:xfrm>
+          <a:off x="0" y="0"/>
+          <a:ext cx="0" cy="0"/>
+          <a:chOff x="0" y="0"/>
+          <a:chExt cx="0" cy="0"/>
+        </a:xfrm>
+      </p:grpSpPr>
+      <p:sp>
+        <p:nvSpPr>
+          <p:cNvPr id="2" name="Title 1"/>
+          <p:cNvSpPr>
+            <a:spLocks noGrp="1"/>
+          </p:cNvSpPr>
+          <p:nvPr>
             <p:ph type="title"/>
           </p:nvPr>
         </p:nvSpPr>
@@ -7529,7 +9055,7 @@
             <p:ph idx="1"/>
             <p:extLst>
               <p:ext uri="{D42A27DB-BD31-4B8C-83A1-F6EECF244321}">
-                <p14:modId xmlns:p14="http://schemas.microsoft.com/office/powerpoint/2010/main" val="2800481072"/>
+                <p14:modId xmlns:p14="http://schemas.microsoft.com/office/powerpoint/2010/main" val="339641654"/>
               </p:ext>
             </p:extLst>
           </p:nvPr>
@@ -7609,9 +9135,77 @@
           <a:p>
             <a:fld id="{C70626AA-6735-7946-BC33-AE0B434276E6}" type="slidenum">
               <a:rPr lang="en-US" smtClean="0"/>
-              <a:t>13</a:t>
+              <a:t>15</a:t>
             </a:fld>
             <a:endParaRPr lang="en-US"/>
+          </a:p>
+        </p:txBody>
+      </p:sp>
+      <p:sp>
+        <p:nvSpPr>
+          <p:cNvPr id="4" name="TextBox 3"/>
+          <p:cNvSpPr txBox="1"/>
+          <p:nvPr/>
+        </p:nvSpPr>
+        <p:spPr>
+          <a:xfrm>
+            <a:off x="6849113" y="1825755"/>
+            <a:ext cx="1078308" cy="276999"/>
+          </a:xfrm>
+          <a:prstGeom prst="rect">
+            <a:avLst/>
+          </a:prstGeom>
+          <a:noFill/>
+        </p:spPr>
+        <p:txBody>
+          <a:bodyPr wrap="square" rtlCol="0">
+            <a:spAutoFit/>
+          </a:bodyPr>
+          <a:lstStyle/>
+          <a:p>
+            <a:r>
+              <a:rPr lang="en-US" sz="1200" dirty="0" smtClean="0"/>
+              <a:t>280.9 </a:t>
+            </a:r>
+            <a:r>
+              <a:rPr lang="en-US" sz="1200" dirty="0" err="1" smtClean="0"/>
+              <a:t>mins</a:t>
+            </a:r>
+            <a:endParaRPr lang="en-US" sz="1200" dirty="0"/>
+          </a:p>
+        </p:txBody>
+      </p:sp>
+      <p:sp>
+        <p:nvSpPr>
+          <p:cNvPr id="8" name="TextBox 7"/>
+          <p:cNvSpPr txBox="1"/>
+          <p:nvPr/>
+        </p:nvSpPr>
+        <p:spPr>
+          <a:xfrm>
+            <a:off x="6849113" y="3146127"/>
+            <a:ext cx="887737" cy="276999"/>
+          </a:xfrm>
+          <a:prstGeom prst="rect">
+            <a:avLst/>
+          </a:prstGeom>
+          <a:noFill/>
+        </p:spPr>
+        <p:txBody>
+          <a:bodyPr wrap="square" rtlCol="0">
+            <a:spAutoFit/>
+          </a:bodyPr>
+          <a:lstStyle/>
+          <a:p>
+            <a:r>
+              <a:rPr lang="en-US" sz="1200" dirty="0" smtClean="0"/>
+              <a:t>189.9 </a:t>
+            </a:r>
+            <a:r>
+              <a:rPr lang="en-US" sz="1200" dirty="0" err="1" smtClean="0"/>
+              <a:t>mins</a:t>
+            </a:r>
+            <a:endParaRPr lang="en-US" sz="1200" dirty="0"/>
           </a:p>
         </p:txBody>
       </p:sp>
@@ -7625,10 +9219,17 @@
   <p:clrMapOvr>
     <a:masterClrMapping/>
   </p:clrMapOvr>
+  <p:timing>
+    <p:tnLst>
+      <p:par>
+        <p:cTn xmlns:p14="http://schemas.microsoft.com/office/powerpoint/2010/main" id="1" dur="indefinite" restart="never" nodeType="tmRoot"/>
+      </p:par>
+    </p:tnLst>
+  </p:timing>
 </p:sld>
 </file>
 
-<file path=ppt/slides/slide14.xml><?xml version="1.0" encoding="utf-8"?>
+<file path=ppt/slides/slide16.xml><?xml version="1.0" encoding="utf-8"?>
 <p:sld xmlns:a="http://schemas.openxmlformats.org/drawingml/2006/main" xmlns:r="http://schemas.openxmlformats.org/officeDocument/2006/relationships" xmlns:p="http://schemas.openxmlformats.org/presentationml/2006/main">
   <p:cSld>
     <p:spTree>
@@ -7664,15 +9265,7 @@
           <a:p>
             <a:r>
               <a:rPr lang="en-US" dirty="0" smtClean="0"/>
-              <a:t>2-1. Google Cloud </a:t>
-            </a:r>
-            <a:r>
-              <a:rPr lang="en-US" dirty="0" smtClean="0"/>
-              <a:t>External – </a:t>
-            </a:r>
-            <a:r>
-              <a:rPr lang="en-US" dirty="0" smtClean="0"/>
-              <a:t>Local to Instance</a:t>
+              <a:t>2-1. Google Cloud External – Local to Instance</a:t>
             </a:r>
             <a:endParaRPr lang="en-US" dirty="0"/>
           </a:p>
@@ -7688,7 +9281,7 @@
             <p:ph idx="1"/>
             <p:extLst>
               <p:ext uri="{D42A27DB-BD31-4B8C-83A1-F6EECF244321}">
-                <p14:modId xmlns:p14="http://schemas.microsoft.com/office/powerpoint/2010/main" val="2838631388"/>
+                <p14:modId xmlns:p14="http://schemas.microsoft.com/office/powerpoint/2010/main" val="4284547568"/>
               </p:ext>
             </p:extLst>
           </p:nvPr>
@@ -7711,15 +9304,15 @@
         </p:nvSpPr>
         <p:spPr>
           <a:xfrm>
-            <a:off x="4000981" y="3685830"/>
+            <a:off x="2805001" y="5273012"/>
             <a:ext cx="826089" cy="369332"/>
           </a:xfrm>
           <a:prstGeom prst="borderCallout1">
             <a:avLst>
               <a:gd name="adj1" fmla="val 52132"/>
               <a:gd name="adj2" fmla="val -1302"/>
-              <a:gd name="adj3" fmla="val 619905"/>
-              <a:gd name="adj4" fmla="val -246005"/>
+              <a:gd name="adj3" fmla="val 182603"/>
+              <a:gd name="adj4" fmla="val -102722"/>
             </a:avLst>
           </a:prstGeom>
         </p:spPr>
@@ -7768,9 +9361,77 @@
           <a:p>
             <a:fld id="{C70626AA-6735-7946-BC33-AE0B434276E6}" type="slidenum">
               <a:rPr lang="en-US" smtClean="0"/>
-              <a:t>14</a:t>
+              <a:t>16</a:t>
             </a:fld>
             <a:endParaRPr lang="en-US"/>
+          </a:p>
+        </p:txBody>
+      </p:sp>
+      <p:sp>
+        <p:nvSpPr>
+          <p:cNvPr id="8" name="TextBox 7"/>
+          <p:cNvSpPr txBox="1"/>
+          <p:nvPr/>
+        </p:nvSpPr>
+        <p:spPr>
+          <a:xfrm>
+            <a:off x="7336111" y="3942319"/>
+            <a:ext cx="887737" cy="276999"/>
+          </a:xfrm>
+          <a:prstGeom prst="rect">
+            <a:avLst/>
+          </a:prstGeom>
+          <a:noFill/>
+        </p:spPr>
+        <p:txBody>
+          <a:bodyPr wrap="square" rtlCol="0">
+            <a:spAutoFit/>
+          </a:bodyPr>
+          <a:lstStyle/>
+          <a:p>
+            <a:r>
+              <a:rPr lang="en-US" sz="1200" dirty="0" smtClean="0"/>
+              <a:t>149.6 </a:t>
+            </a:r>
+            <a:r>
+              <a:rPr lang="en-US" sz="1200" dirty="0" err="1" smtClean="0"/>
+              <a:t>mins</a:t>
+            </a:r>
+            <a:endParaRPr lang="en-US" sz="1200" dirty="0"/>
+          </a:p>
+        </p:txBody>
+      </p:sp>
+      <p:sp>
+        <p:nvSpPr>
+          <p:cNvPr id="9" name="TextBox 8"/>
+          <p:cNvSpPr txBox="1"/>
+          <p:nvPr/>
+        </p:nvSpPr>
+        <p:spPr>
+          <a:xfrm>
+            <a:off x="7336111" y="5349221"/>
+            <a:ext cx="887737" cy="276999"/>
+          </a:xfrm>
+          <a:prstGeom prst="rect">
+            <a:avLst/>
+          </a:prstGeom>
+          <a:noFill/>
+        </p:spPr>
+        <p:txBody>
+          <a:bodyPr wrap="square" rtlCol="0">
+            <a:spAutoFit/>
+          </a:bodyPr>
+          <a:lstStyle/>
+          <a:p>
+            <a:r>
+              <a:rPr lang="en-US" sz="1200" dirty="0" smtClean="0"/>
+              <a:t>52.84 </a:t>
+            </a:r>
+            <a:r>
+              <a:rPr lang="en-US" sz="1200" dirty="0" err="1" smtClean="0"/>
+              <a:t>mins</a:t>
+            </a:r>
+            <a:endParaRPr lang="en-US" sz="1200" dirty="0"/>
           </a:p>
         </p:txBody>
       </p:sp>
@@ -7787,7 +9448,7 @@
 </p:sld>
 </file>
 
-<file path=ppt/slides/slide15.xml><?xml version="1.0" encoding="utf-8"?>
+<file path=ppt/slides/slide17.xml><?xml version="1.0" encoding="utf-8"?>
 <p:sld xmlns:a="http://schemas.openxmlformats.org/drawingml/2006/main" xmlns:r="http://schemas.openxmlformats.org/officeDocument/2006/relationships" xmlns:p="http://schemas.openxmlformats.org/presentationml/2006/main">
   <p:cSld>
     <p:spTree>
@@ -7837,7 +9498,7 @@
             <p:ph idx="1"/>
             <p:extLst>
               <p:ext uri="{D42A27DB-BD31-4B8C-83A1-F6EECF244321}">
-                <p14:modId xmlns:p14="http://schemas.microsoft.com/office/powerpoint/2010/main" val="159081663"/>
+                <p14:modId xmlns:p14="http://schemas.microsoft.com/office/powerpoint/2010/main" val="572392068"/>
               </p:ext>
             </p:extLst>
           </p:nvPr>
@@ -8286,7 +9947,7 @@
           <a:p>
             <a:fld id="{C70626AA-6735-7946-BC33-AE0B434276E6}" type="slidenum">
               <a:rPr lang="en-US" smtClean="0"/>
-              <a:t>15</a:t>
+              <a:t>17</a:t>
             </a:fld>
             <a:endParaRPr lang="en-US"/>
           </a:p>
@@ -8301,7 +9962,7 @@
           <p:nvPr>
             <p:extLst>
               <p:ext uri="{D42A27DB-BD31-4B8C-83A1-F6EECF244321}">
-                <p14:modId xmlns:p14="http://schemas.microsoft.com/office/powerpoint/2010/main" val="3408469391"/>
+                <p14:modId xmlns:p14="http://schemas.microsoft.com/office/powerpoint/2010/main" val="1760375565"/>
               </p:ext>
             </p:extLst>
           </p:nvPr>
@@ -8316,6 +9977,74 @@
           </a:graphicData>
         </a:graphic>
       </p:graphicFrame>
+      <p:sp>
+        <p:nvSpPr>
+          <p:cNvPr id="9" name="TextBox 8"/>
+          <p:cNvSpPr txBox="1"/>
+          <p:nvPr/>
+        </p:nvSpPr>
+        <p:spPr>
+          <a:xfrm>
+            <a:off x="4155102" y="1850977"/>
+            <a:ext cx="887737" cy="276999"/>
+          </a:xfrm>
+          <a:prstGeom prst="rect">
+            <a:avLst/>
+          </a:prstGeom>
+          <a:noFill/>
+        </p:spPr>
+        <p:txBody>
+          <a:bodyPr wrap="square" rtlCol="0">
+            <a:spAutoFit/>
+          </a:bodyPr>
+          <a:lstStyle/>
+          <a:p>
+            <a:r>
+              <a:rPr lang="en-US" sz="1200" dirty="0" smtClean="0"/>
+              <a:t>52 </a:t>
+            </a:r>
+            <a:r>
+              <a:rPr lang="en-US" sz="1200" dirty="0" err="1" smtClean="0"/>
+              <a:t>mins</a:t>
+            </a:r>
+            <a:endParaRPr lang="en-US" sz="1200" dirty="0"/>
+          </a:p>
+        </p:txBody>
+      </p:sp>
+      <p:sp>
+        <p:nvSpPr>
+          <p:cNvPr id="10" name="TextBox 9"/>
+          <p:cNvSpPr txBox="1"/>
+          <p:nvPr/>
+        </p:nvSpPr>
+        <p:spPr>
+          <a:xfrm>
+            <a:off x="4155102" y="2121319"/>
+            <a:ext cx="887737" cy="276999"/>
+          </a:xfrm>
+          <a:prstGeom prst="rect">
+            <a:avLst/>
+          </a:prstGeom>
+          <a:noFill/>
+        </p:spPr>
+        <p:txBody>
+          <a:bodyPr wrap="square" rtlCol="0">
+            <a:spAutoFit/>
+          </a:bodyPr>
+          <a:lstStyle/>
+          <a:p>
+            <a:r>
+              <a:rPr lang="en-US" sz="1200" dirty="0" smtClean="0"/>
+              <a:t>45.84 </a:t>
+            </a:r>
+            <a:r>
+              <a:rPr lang="en-US" sz="1200" dirty="0" err="1" smtClean="0"/>
+              <a:t>mins</a:t>
+            </a:r>
+            <a:endParaRPr lang="en-US" sz="1200" dirty="0"/>
+          </a:p>
+        </p:txBody>
+      </p:sp>
     </p:spTree>
     <p:extLst>
       <p:ext uri="{BB962C8B-B14F-4D97-AF65-F5344CB8AC3E}">
@@ -8329,7 +10058,7 @@
 </p:sld>
 </file>
 
-<file path=ppt/slides/slide16.xml><?xml version="1.0" encoding="utf-8"?>
+<file path=ppt/slides/slide18.xml><?xml version="1.0" encoding="utf-8"?>
 <p:sld xmlns:a="http://schemas.openxmlformats.org/drawingml/2006/main" xmlns:r="http://schemas.openxmlformats.org/officeDocument/2006/relationships" xmlns:p="http://schemas.openxmlformats.org/presentationml/2006/main">
   <p:cSld>
     <p:spTree>
@@ -8364,58 +10093,8 @@
             <a:pPr algn="l"/>
             <a:r>
               <a:rPr lang="en-US" dirty="0" smtClean="0"/>
-              <a:t>Comparisons: </a:t>
-            </a:r>
-            <a:endParaRPr lang="en-US" dirty="0"/>
-          </a:p>
-        </p:txBody>
-      </p:sp>
-      <p:sp>
-        <p:nvSpPr>
-          <p:cNvPr id="3" name="Content Placeholder 2"/>
-          <p:cNvSpPr>
-            <a:spLocks noGrp="1"/>
-          </p:cNvSpPr>
-          <p:nvPr>
-            <p:ph idx="1"/>
-          </p:nvPr>
-        </p:nvSpPr>
-        <p:spPr>
-          <a:xfrm>
-            <a:off x="457200" y="1600200"/>
-            <a:ext cx="8229600" cy="4897177"/>
-          </a:xfrm>
-        </p:spPr>
-        <p:txBody>
-          <a:bodyPr>
-            <a:normAutofit/>
-          </a:bodyPr>
-          <a:lstStyle/>
-          <a:p>
-            <a:r>
-              <a:rPr lang="en-US" dirty="0" smtClean="0"/>
-              <a:t>Amazon has faster response time in this case (Push: 103mins faster. Pull: roughly the same, 0.8mins faster).</a:t>
-            </a:r>
-          </a:p>
-          <a:p>
-            <a:r>
-              <a:rPr lang="en-US" dirty="0" smtClean="0"/>
-              <a:t>Higher response time at the beginning, then it gradually falls </a:t>
-            </a:r>
-          </a:p>
-          <a:p>
-            <a:r>
-              <a:rPr lang="en-US" dirty="0" smtClean="0"/>
-              <a:t>Test cases associated with Google Cloud has the same shape. (Expected)</a:t>
-            </a:r>
-          </a:p>
-          <a:p>
-            <a:r>
-              <a:rPr lang="en-US" dirty="0" smtClean="0"/>
-              <a:t> time and size of data have positive linear relationship.</a:t>
-            </a:r>
-          </a:p>
-          <a:p>
+              <a:t>Push Data Comparison: </a:t>
+            </a:r>
             <a:endParaRPr lang="en-US" dirty="0"/>
           </a:p>
         </p:txBody>
@@ -8437,16 +10116,143 @@
           <a:p>
             <a:fld id="{C70626AA-6735-7946-BC33-AE0B434276E6}" type="slidenum">
               <a:rPr lang="en-US" smtClean="0"/>
-              <a:t>16</a:t>
+              <a:t>18</a:t>
             </a:fld>
             <a:endParaRPr lang="en-US"/>
+          </a:p>
+        </p:txBody>
+      </p:sp>
+      <p:graphicFrame>
+        <p:nvGraphicFramePr>
+          <p:cNvPr id="5" name="Content Placeholder 4"/>
+          <p:cNvGraphicFramePr>
+            <a:graphicFrameLocks noGrp="1"/>
+          </p:cNvGraphicFramePr>
+          <p:nvPr>
+            <p:ph idx="1"/>
+            <p:extLst>
+              <p:ext uri="{D42A27DB-BD31-4B8C-83A1-F6EECF244321}">
+                <p14:modId xmlns:p14="http://schemas.microsoft.com/office/powerpoint/2010/main" val="1134756526"/>
+              </p:ext>
+            </p:extLst>
+          </p:nvPr>
+        </p:nvGraphicFramePr>
+        <p:xfrm>
+          <a:off x="198276" y="1427398"/>
+          <a:ext cx="8691423" cy="4928952"/>
+        </p:xfrm>
+        <a:graphic>
+          <a:graphicData uri="http://schemas.openxmlformats.org/drawingml/2006/chart">
+            <c:chart xmlns:c="http://schemas.openxmlformats.org/drawingml/2006/chart" xmlns:r="http://schemas.openxmlformats.org/officeDocument/2006/relationships" r:id="rId2"/>
+          </a:graphicData>
+        </a:graphic>
+      </p:graphicFrame>
+      <p:sp>
+        <p:nvSpPr>
+          <p:cNvPr id="6" name="TextBox 5"/>
+          <p:cNvSpPr txBox="1"/>
+          <p:nvPr/>
+        </p:nvSpPr>
+        <p:spPr>
+          <a:xfrm>
+            <a:off x="5961376" y="2871363"/>
+            <a:ext cx="887737" cy="276999"/>
+          </a:xfrm>
+          <a:prstGeom prst="rect">
+            <a:avLst/>
+          </a:prstGeom>
+          <a:noFill/>
+        </p:spPr>
+        <p:txBody>
+          <a:bodyPr wrap="square" rtlCol="0">
+            <a:spAutoFit/>
+          </a:bodyPr>
+          <a:lstStyle/>
+          <a:p>
+            <a:r>
+              <a:rPr lang="en-US" sz="1200" dirty="0" smtClean="0"/>
+              <a:t>189.9 </a:t>
+            </a:r>
+            <a:r>
+              <a:rPr lang="en-US" sz="1200" dirty="0" err="1" smtClean="0"/>
+              <a:t>mins</a:t>
+            </a:r>
+            <a:endParaRPr lang="en-US" sz="1200" dirty="0"/>
+          </a:p>
+        </p:txBody>
+      </p:sp>
+      <p:sp>
+        <p:nvSpPr>
+          <p:cNvPr id="7" name="TextBox 6"/>
+          <p:cNvSpPr txBox="1"/>
+          <p:nvPr/>
+        </p:nvSpPr>
+        <p:spPr>
+          <a:xfrm>
+            <a:off x="5961376" y="3449160"/>
+            <a:ext cx="887737" cy="276999"/>
+          </a:xfrm>
+          <a:prstGeom prst="rect">
+            <a:avLst/>
+          </a:prstGeom>
+          <a:noFill/>
+        </p:spPr>
+        <p:txBody>
+          <a:bodyPr wrap="square" rtlCol="0">
+            <a:spAutoFit/>
+          </a:bodyPr>
+          <a:lstStyle/>
+          <a:p>
+            <a:r>
+              <a:rPr lang="en-US" sz="1200" dirty="0" smtClean="0"/>
+              <a:t>149.6 </a:t>
+            </a:r>
+            <a:r>
+              <a:rPr lang="en-US" sz="1200" dirty="0" err="1" smtClean="0"/>
+              <a:t>mins</a:t>
+            </a:r>
+            <a:endParaRPr lang="en-US" sz="1200" dirty="0"/>
+          </a:p>
+        </p:txBody>
+      </p:sp>
+      <p:sp>
+        <p:nvSpPr>
+          <p:cNvPr id="8" name="TextBox 7"/>
+          <p:cNvSpPr txBox="1"/>
+          <p:nvPr/>
+        </p:nvSpPr>
+        <p:spPr>
+          <a:xfrm>
+            <a:off x="5961376" y="4833697"/>
+            <a:ext cx="887737" cy="276999"/>
+          </a:xfrm>
+          <a:prstGeom prst="rect">
+            <a:avLst/>
+          </a:prstGeom>
+          <a:noFill/>
+        </p:spPr>
+        <p:txBody>
+          <a:bodyPr wrap="square" rtlCol="0">
+            <a:spAutoFit/>
+          </a:bodyPr>
+          <a:lstStyle/>
+          <a:p>
+            <a:r>
+              <a:rPr lang="en-US" sz="1200" dirty="0" smtClean="0"/>
+              <a:t>45.84 </a:t>
+            </a:r>
+            <a:r>
+              <a:rPr lang="en-US" sz="1200" dirty="0" err="1" smtClean="0"/>
+              <a:t>mins</a:t>
+            </a:r>
+            <a:endParaRPr lang="en-US" sz="1200" dirty="0"/>
           </a:p>
         </p:txBody>
       </p:sp>
     </p:spTree>
     <p:extLst>
       <p:ext uri="{BB962C8B-B14F-4D97-AF65-F5344CB8AC3E}">
-        <p14:creationId xmlns:p14="http://schemas.microsoft.com/office/powerpoint/2010/main" val="3481295803"/>
+        <p14:creationId xmlns:p14="http://schemas.microsoft.com/office/powerpoint/2010/main" val="1278814175"/>
       </p:ext>
     </p:extLst>
   </p:cSld>
@@ -8456,7 +10262,7 @@
 </p:sld>
 </file>
 
-<file path=ppt/slides/slide17.xml><?xml version="1.0" encoding="utf-8"?>
+<file path=ppt/slides/slide19.xml><?xml version="1.0" encoding="utf-8"?>
 <p:sld xmlns:a="http://schemas.openxmlformats.org/drawingml/2006/main" xmlns:r="http://schemas.openxmlformats.org/officeDocument/2006/relationships" xmlns:p="http://schemas.openxmlformats.org/presentationml/2006/main">
   <p:cSld>
     <p:spTree>
@@ -8491,50 +10297,8 @@
             <a:pPr algn="l"/>
             <a:r>
               <a:rPr lang="en-US" dirty="0" smtClean="0"/>
-              <a:t>Conclusions:	</a:t>
-            </a:r>
-            <a:endParaRPr lang="en-US" dirty="0"/>
-          </a:p>
-        </p:txBody>
-      </p:sp>
-      <p:sp>
-        <p:nvSpPr>
-          <p:cNvPr id="3" name="Content Placeholder 2"/>
-          <p:cNvSpPr>
-            <a:spLocks noGrp="1"/>
-          </p:cNvSpPr>
-          <p:nvPr>
-            <p:ph idx="1"/>
-          </p:nvPr>
-        </p:nvSpPr>
-        <p:spPr>
-          <a:xfrm>
-            <a:off x="457200" y="1600200"/>
-            <a:ext cx="8229600" cy="4946493"/>
-          </a:xfrm>
-        </p:spPr>
-        <p:txBody>
-          <a:bodyPr/>
-          <a:lstStyle/>
-          <a:p>
-            <a:r>
-              <a:rPr lang="en-US" dirty="0" smtClean="0"/>
-              <a:t>Response time has positive linear relationship with the data size.</a:t>
-            </a:r>
-          </a:p>
-          <a:p>
-            <a:r>
-              <a:rPr lang="en-US" dirty="0" smtClean="0"/>
-              <a:t>Overall, Google Cloud and Amazon Cloud has similar results.</a:t>
-            </a:r>
-          </a:p>
-          <a:p>
-            <a:r>
-              <a:rPr lang="en-US" dirty="0" smtClean="0"/>
-              <a:t>Google Cloud has better user experience in our first test (same zone); however, it is opposite in our latter experiments.</a:t>
-            </a:r>
-          </a:p>
-          <a:p>
+              <a:t>Pull Data Comparison:</a:t>
+            </a:r>
             <a:endParaRPr lang="en-US" dirty="0"/>
           </a:p>
         </p:txBody>
@@ -8556,16 +10320,143 @@
           <a:p>
             <a:fld id="{C70626AA-6735-7946-BC33-AE0B434276E6}" type="slidenum">
               <a:rPr lang="en-US" smtClean="0"/>
-              <a:t>17</a:t>
+              <a:t>19</a:t>
             </a:fld>
             <a:endParaRPr lang="en-US"/>
+          </a:p>
+        </p:txBody>
+      </p:sp>
+      <p:graphicFrame>
+        <p:nvGraphicFramePr>
+          <p:cNvPr id="5" name="Content Placeholder 4"/>
+          <p:cNvGraphicFramePr>
+            <a:graphicFrameLocks noGrp="1"/>
+          </p:cNvGraphicFramePr>
+          <p:nvPr>
+            <p:ph idx="1"/>
+            <p:extLst>
+              <p:ext uri="{D42A27DB-BD31-4B8C-83A1-F6EECF244321}">
+                <p14:modId xmlns:p14="http://schemas.microsoft.com/office/powerpoint/2010/main" val="4117968254"/>
+              </p:ext>
+            </p:extLst>
+          </p:nvPr>
+        </p:nvGraphicFramePr>
+        <p:xfrm>
+          <a:off x="99639" y="1600200"/>
+          <a:ext cx="8925687" cy="4756150"/>
+        </p:xfrm>
+        <a:graphic>
+          <a:graphicData uri="http://schemas.openxmlformats.org/drawingml/2006/chart">
+            <c:chart xmlns:c="http://schemas.openxmlformats.org/drawingml/2006/chart" xmlns:r="http://schemas.openxmlformats.org/officeDocument/2006/relationships" r:id="rId2"/>
+          </a:graphicData>
+        </a:graphic>
+      </p:graphicFrame>
+      <p:sp>
+        <p:nvSpPr>
+          <p:cNvPr id="6" name="TextBox 5"/>
+          <p:cNvSpPr txBox="1"/>
+          <p:nvPr/>
+        </p:nvSpPr>
+        <p:spPr>
+          <a:xfrm>
+            <a:off x="5906431" y="1825755"/>
+            <a:ext cx="1078308" cy="276999"/>
+          </a:xfrm>
+          <a:prstGeom prst="rect">
+            <a:avLst/>
+          </a:prstGeom>
+          <a:noFill/>
+        </p:spPr>
+        <p:txBody>
+          <a:bodyPr wrap="square" rtlCol="0">
+            <a:spAutoFit/>
+          </a:bodyPr>
+          <a:lstStyle/>
+          <a:p>
+            <a:r>
+              <a:rPr lang="en-US" sz="1200" dirty="0" smtClean="0"/>
+              <a:t>280.9 </a:t>
+            </a:r>
+            <a:r>
+              <a:rPr lang="en-US" sz="1200" dirty="0" err="1" smtClean="0"/>
+              <a:t>mins</a:t>
+            </a:r>
+            <a:endParaRPr lang="en-US" sz="1200" dirty="0"/>
+          </a:p>
+        </p:txBody>
+      </p:sp>
+      <p:sp>
+        <p:nvSpPr>
+          <p:cNvPr id="7" name="TextBox 6"/>
+          <p:cNvSpPr txBox="1"/>
+          <p:nvPr/>
+        </p:nvSpPr>
+        <p:spPr>
+          <a:xfrm>
+            <a:off x="6097002" y="4745101"/>
+            <a:ext cx="887737" cy="276999"/>
+          </a:xfrm>
+          <a:prstGeom prst="rect">
+            <a:avLst/>
+          </a:prstGeom>
+          <a:noFill/>
+        </p:spPr>
+        <p:txBody>
+          <a:bodyPr wrap="square" rtlCol="0">
+            <a:spAutoFit/>
+          </a:bodyPr>
+          <a:lstStyle/>
+          <a:p>
+            <a:r>
+              <a:rPr lang="en-US" sz="1200" dirty="0" smtClean="0"/>
+              <a:t>52.84 </a:t>
+            </a:r>
+            <a:r>
+              <a:rPr lang="en-US" sz="1200" dirty="0" err="1" smtClean="0"/>
+              <a:t>mins</a:t>
+            </a:r>
+            <a:endParaRPr lang="en-US" sz="1200" dirty="0"/>
+          </a:p>
+        </p:txBody>
+      </p:sp>
+      <p:sp>
+        <p:nvSpPr>
+          <p:cNvPr id="8" name="TextBox 7"/>
+          <p:cNvSpPr txBox="1"/>
+          <p:nvPr/>
+        </p:nvSpPr>
+        <p:spPr>
+          <a:xfrm>
+            <a:off x="6553200" y="5114382"/>
+            <a:ext cx="887737" cy="276999"/>
+          </a:xfrm>
+          <a:prstGeom prst="rect">
+            <a:avLst/>
+          </a:prstGeom>
+          <a:noFill/>
+        </p:spPr>
+        <p:txBody>
+          <a:bodyPr wrap="square" rtlCol="0">
+            <a:spAutoFit/>
+          </a:bodyPr>
+          <a:lstStyle/>
+          <a:p>
+            <a:r>
+              <a:rPr lang="en-US" sz="1200" dirty="0" smtClean="0"/>
+              <a:t>45.84 </a:t>
+            </a:r>
+            <a:r>
+              <a:rPr lang="en-US" sz="1200" dirty="0" err="1" smtClean="0"/>
+              <a:t>mins</a:t>
+            </a:r>
+            <a:endParaRPr lang="en-US" sz="1200" dirty="0"/>
           </a:p>
         </p:txBody>
       </p:sp>
     </p:spTree>
     <p:extLst>
       <p:ext uri="{BB962C8B-B14F-4D97-AF65-F5344CB8AC3E}">
-        <p14:creationId xmlns:p14="http://schemas.microsoft.com/office/powerpoint/2010/main" val="1029573267"/>
+        <p14:creationId xmlns:p14="http://schemas.microsoft.com/office/powerpoint/2010/main" val="3479393106"/>
       </p:ext>
     </p:extLst>
   </p:cSld>
@@ -8756,16 +10647,11 @@
               <a:rPr lang="en-US" dirty="0" smtClean="0"/>
               <a:t>201</a:t>
             </a:r>
-            <a:endParaRPr lang="en-US" dirty="0" smtClean="0"/>
           </a:p>
           <a:p>
             <a:r>
               <a:rPr lang="en-US" dirty="0" smtClean="0"/>
-              <a:t>We </a:t>
-            </a:r>
-            <a:r>
-              <a:rPr lang="en-US" dirty="0" smtClean="0"/>
-              <a:t>can let it run when we move on to the next section – Performance Test.</a:t>
+              <a:t>We can let it run when we move on to the next section – Performance Test.</a:t>
             </a:r>
             <a:endParaRPr lang="en-US" dirty="0"/>
           </a:p>
@@ -8798,6 +10684,261 @@
     <p:extLst>
       <p:ext uri="{BB962C8B-B14F-4D97-AF65-F5344CB8AC3E}">
         <p14:creationId xmlns:p14="http://schemas.microsoft.com/office/powerpoint/2010/main" val="3536432171"/>
+      </p:ext>
+    </p:extLst>
+  </p:cSld>
+  <p:clrMapOvr>
+    <a:masterClrMapping/>
+  </p:clrMapOvr>
+</p:sld>
+</file>
+
+<file path=ppt/slides/slide20.xml><?xml version="1.0" encoding="utf-8"?>
+<p:sld xmlns:a="http://schemas.openxmlformats.org/drawingml/2006/main" xmlns:r="http://schemas.openxmlformats.org/officeDocument/2006/relationships" xmlns:p="http://schemas.openxmlformats.org/presentationml/2006/main">
+  <p:cSld>
+    <p:spTree>
+      <p:nvGrpSpPr>
+        <p:cNvPr id="1" name=""/>
+        <p:cNvGrpSpPr/>
+        <p:nvPr/>
+      </p:nvGrpSpPr>
+      <p:grpSpPr>
+        <a:xfrm>
+          <a:off x="0" y="0"/>
+          <a:ext cx="0" cy="0"/>
+          <a:chOff x="0" y="0"/>
+          <a:chExt cx="0" cy="0"/>
+        </a:xfrm>
+      </p:grpSpPr>
+      <p:sp>
+        <p:nvSpPr>
+          <p:cNvPr id="2" name="Title 1"/>
+          <p:cNvSpPr>
+            <a:spLocks noGrp="1"/>
+          </p:cNvSpPr>
+          <p:nvPr>
+            <p:ph type="title"/>
+          </p:nvPr>
+        </p:nvSpPr>
+        <p:spPr/>
+        <p:txBody>
+          <a:bodyPr/>
+          <a:lstStyle/>
+          <a:p>
+            <a:pPr algn="l"/>
+            <a:r>
+              <a:rPr lang="en-US" dirty="0" smtClean="0"/>
+              <a:t>Comparisons: </a:t>
+            </a:r>
+            <a:endParaRPr lang="en-US" dirty="0"/>
+          </a:p>
+        </p:txBody>
+      </p:sp>
+      <p:sp>
+        <p:nvSpPr>
+          <p:cNvPr id="3" name="Content Placeholder 2"/>
+          <p:cNvSpPr>
+            <a:spLocks noGrp="1"/>
+          </p:cNvSpPr>
+          <p:nvPr>
+            <p:ph idx="1"/>
+          </p:nvPr>
+        </p:nvSpPr>
+        <p:spPr>
+          <a:xfrm>
+            <a:off x="457200" y="1600200"/>
+            <a:ext cx="8229600" cy="4897177"/>
+          </a:xfrm>
+        </p:spPr>
+        <p:txBody>
+          <a:bodyPr>
+            <a:normAutofit/>
+          </a:bodyPr>
+          <a:lstStyle/>
+          <a:p>
+            <a:r>
+              <a:rPr lang="en-US" dirty="0" smtClean="0"/>
+              <a:t>Amazon has faster response time in this case (Push: 103mins faster. Pull: roughly the same, 0.8mins faster)</a:t>
+            </a:r>
+            <a:r>
+              <a:rPr lang="en-US" dirty="0" smtClean="0"/>
+              <a:t>.</a:t>
+            </a:r>
+          </a:p>
+          <a:p>
+            <a:r>
+              <a:rPr lang="en-US" dirty="0" smtClean="0"/>
+              <a:t>The slope (time/size) is steeper at the beginning then it gradually falls.</a:t>
+            </a:r>
+            <a:endParaRPr lang="en-US" dirty="0" smtClean="0"/>
+          </a:p>
+          <a:p>
+            <a:r>
+              <a:rPr lang="en-US" dirty="0" smtClean="0"/>
+              <a:t>Google Cloud (external) performances similarly in pull situation as Amazon (external). </a:t>
+            </a:r>
+          </a:p>
+          <a:p>
+            <a:r>
+              <a:rPr lang="en-US" dirty="0" smtClean="0"/>
+              <a:t>time </a:t>
+            </a:r>
+            <a:r>
+              <a:rPr lang="en-US" dirty="0" smtClean="0"/>
+              <a:t>and size of data have positive linear relationship.</a:t>
+            </a:r>
+          </a:p>
+          <a:p>
+            <a:endParaRPr lang="en-US" dirty="0"/>
+          </a:p>
+        </p:txBody>
+      </p:sp>
+      <p:sp>
+        <p:nvSpPr>
+          <p:cNvPr id="4" name="Slide Number Placeholder 3"/>
+          <p:cNvSpPr>
+            <a:spLocks noGrp="1"/>
+          </p:cNvSpPr>
+          <p:nvPr>
+            <p:ph type="sldNum" sz="quarter" idx="12"/>
+          </p:nvPr>
+        </p:nvSpPr>
+        <p:spPr/>
+        <p:txBody>
+          <a:bodyPr/>
+          <a:lstStyle/>
+          <a:p>
+            <a:fld id="{C70626AA-6735-7946-BC33-AE0B434276E6}" type="slidenum">
+              <a:rPr lang="en-US" smtClean="0"/>
+              <a:t>20</a:t>
+            </a:fld>
+            <a:endParaRPr lang="en-US"/>
+          </a:p>
+        </p:txBody>
+      </p:sp>
+    </p:spTree>
+    <p:extLst>
+      <p:ext uri="{BB962C8B-B14F-4D97-AF65-F5344CB8AC3E}">
+        <p14:creationId xmlns:p14="http://schemas.microsoft.com/office/powerpoint/2010/main" val="3481295803"/>
+      </p:ext>
+    </p:extLst>
+  </p:cSld>
+  <p:clrMapOvr>
+    <a:masterClrMapping/>
+  </p:clrMapOvr>
+</p:sld>
+</file>
+
+<file path=ppt/slides/slide21.xml><?xml version="1.0" encoding="utf-8"?>
+<p:sld xmlns:a="http://schemas.openxmlformats.org/drawingml/2006/main" xmlns:r="http://schemas.openxmlformats.org/officeDocument/2006/relationships" xmlns:p="http://schemas.openxmlformats.org/presentationml/2006/main">
+  <p:cSld>
+    <p:spTree>
+      <p:nvGrpSpPr>
+        <p:cNvPr id="1" name=""/>
+        <p:cNvGrpSpPr/>
+        <p:nvPr/>
+      </p:nvGrpSpPr>
+      <p:grpSpPr>
+        <a:xfrm>
+          <a:off x="0" y="0"/>
+          <a:ext cx="0" cy="0"/>
+          <a:chOff x="0" y="0"/>
+          <a:chExt cx="0" cy="0"/>
+        </a:xfrm>
+      </p:grpSpPr>
+      <p:sp>
+        <p:nvSpPr>
+          <p:cNvPr id="2" name="Title 1"/>
+          <p:cNvSpPr>
+            <a:spLocks noGrp="1"/>
+          </p:cNvSpPr>
+          <p:nvPr>
+            <p:ph type="title"/>
+          </p:nvPr>
+        </p:nvSpPr>
+        <p:spPr/>
+        <p:txBody>
+          <a:bodyPr/>
+          <a:lstStyle/>
+          <a:p>
+            <a:pPr algn="l"/>
+            <a:r>
+              <a:rPr lang="en-US" dirty="0" smtClean="0"/>
+              <a:t>Conclusions:	</a:t>
+            </a:r>
+            <a:endParaRPr lang="en-US" dirty="0"/>
+          </a:p>
+        </p:txBody>
+      </p:sp>
+      <p:sp>
+        <p:nvSpPr>
+          <p:cNvPr id="3" name="Content Placeholder 2"/>
+          <p:cNvSpPr>
+            <a:spLocks noGrp="1"/>
+          </p:cNvSpPr>
+          <p:nvPr>
+            <p:ph idx="1"/>
+          </p:nvPr>
+        </p:nvSpPr>
+        <p:spPr>
+          <a:xfrm>
+            <a:off x="457200" y="1600200"/>
+            <a:ext cx="8229600" cy="4946493"/>
+          </a:xfrm>
+        </p:spPr>
+        <p:txBody>
+          <a:bodyPr/>
+          <a:lstStyle/>
+          <a:p>
+            <a:r>
+              <a:rPr lang="en-US" dirty="0" smtClean="0"/>
+              <a:t>Response time has positive linear relationship with the data size.</a:t>
+            </a:r>
+          </a:p>
+          <a:p>
+            <a:r>
+              <a:rPr lang="en-US" dirty="0" smtClean="0"/>
+              <a:t>Overall, Google Cloud and Amazon Cloud has similar results.</a:t>
+            </a:r>
+          </a:p>
+          <a:p>
+            <a:r>
+              <a:rPr lang="en-US" dirty="0" smtClean="0"/>
+              <a:t>Google Cloud has better user experience in our first test (same zone); however, it is opposite in our latter experiments.</a:t>
+            </a:r>
+          </a:p>
+          <a:p>
+            <a:endParaRPr lang="en-US" dirty="0"/>
+          </a:p>
+        </p:txBody>
+      </p:sp>
+      <p:sp>
+        <p:nvSpPr>
+          <p:cNvPr id="4" name="Slide Number Placeholder 3"/>
+          <p:cNvSpPr>
+            <a:spLocks noGrp="1"/>
+          </p:cNvSpPr>
+          <p:nvPr>
+            <p:ph type="sldNum" sz="quarter" idx="12"/>
+          </p:nvPr>
+        </p:nvSpPr>
+        <p:spPr/>
+        <p:txBody>
+          <a:bodyPr/>
+          <a:lstStyle/>
+          <a:p>
+            <a:fld id="{C70626AA-6735-7946-BC33-AE0B434276E6}" type="slidenum">
+              <a:rPr lang="en-US" smtClean="0"/>
+              <a:t>21</a:t>
+            </a:fld>
+            <a:endParaRPr lang="en-US"/>
+          </a:p>
+        </p:txBody>
+      </p:sp>
+    </p:spTree>
+    <p:extLst>
+      <p:ext uri="{BB962C8B-B14F-4D97-AF65-F5344CB8AC3E}">
+        <p14:creationId xmlns:p14="http://schemas.microsoft.com/office/powerpoint/2010/main" val="1029573267"/>
       </p:ext>
     </p:extLst>
   </p:cSld>
@@ -9781,7 +11922,19 @@
           <a:p>
             <a:r>
               <a:rPr lang="en-US" dirty="0" smtClean="0"/>
-              <a:t>Instances in the same region</a:t>
+              <a:t>Instances in the </a:t>
+            </a:r>
+            <a:r>
+              <a:rPr lang="en-US" dirty="0" smtClean="0"/>
+              <a:t>Same </a:t>
+            </a:r>
+            <a:r>
+              <a:rPr lang="en-US" dirty="0"/>
+              <a:t>R</a:t>
+            </a:r>
+            <a:r>
+              <a:rPr lang="en-US" dirty="0" smtClean="0"/>
+              <a:t>egion</a:t>
             </a:r>
             <a:endParaRPr lang="en-US" dirty="0"/>
           </a:p>
@@ -9873,7 +12026,7 @@
             <p:ph idx="1"/>
             <p:extLst>
               <p:ext uri="{D42A27DB-BD31-4B8C-83A1-F6EECF244321}">
-                <p14:modId xmlns:p14="http://schemas.microsoft.com/office/powerpoint/2010/main" val="1575282575"/>
+                <p14:modId xmlns:p14="http://schemas.microsoft.com/office/powerpoint/2010/main" val="1014829583"/>
               </p:ext>
             </p:extLst>
           </p:nvPr>
@@ -10004,6 +12157,74 @@
               <a:t>8</a:t>
             </a:fld>
             <a:endParaRPr lang="en-US"/>
+          </a:p>
+        </p:txBody>
+      </p:sp>
+      <p:sp>
+        <p:nvSpPr>
+          <p:cNvPr id="8" name="TextBox 7"/>
+          <p:cNvSpPr txBox="1"/>
+          <p:nvPr/>
+        </p:nvSpPr>
+        <p:spPr>
+          <a:xfrm>
+            <a:off x="7410138" y="2954718"/>
+            <a:ext cx="887737" cy="276999"/>
+          </a:xfrm>
+          <a:prstGeom prst="rect">
+            <a:avLst/>
+          </a:prstGeom>
+          <a:noFill/>
+        </p:spPr>
+        <p:txBody>
+          <a:bodyPr wrap="square" rtlCol="0">
+            <a:spAutoFit/>
+          </a:bodyPr>
+          <a:lstStyle/>
+          <a:p>
+            <a:r>
+              <a:rPr lang="en-US" sz="1200" dirty="0" smtClean="0"/>
+              <a:t>34.06 </a:t>
+            </a:r>
+            <a:r>
+              <a:rPr lang="en-US" sz="1200" dirty="0" err="1" smtClean="0"/>
+              <a:t>mins</a:t>
+            </a:r>
+            <a:endParaRPr lang="en-US" sz="1200" dirty="0"/>
+          </a:p>
+        </p:txBody>
+      </p:sp>
+      <p:sp>
+        <p:nvSpPr>
+          <p:cNvPr id="9" name="TextBox 8"/>
+          <p:cNvSpPr txBox="1"/>
+          <p:nvPr/>
+        </p:nvSpPr>
+        <p:spPr>
+          <a:xfrm>
+            <a:off x="7410138" y="3306236"/>
+            <a:ext cx="974045" cy="276999"/>
+          </a:xfrm>
+          <a:prstGeom prst="rect">
+            <a:avLst/>
+          </a:prstGeom>
+          <a:noFill/>
+        </p:spPr>
+        <p:txBody>
+          <a:bodyPr wrap="square" rtlCol="0">
+            <a:spAutoFit/>
+          </a:bodyPr>
+          <a:lstStyle/>
+          <a:p>
+            <a:r>
+              <a:rPr lang="en-US" sz="1200" dirty="0" smtClean="0"/>
+              <a:t> 29.97 </a:t>
+            </a:r>
+            <a:r>
+              <a:rPr lang="en-US" sz="1200" dirty="0" err="1" smtClean="0"/>
+              <a:t>mins</a:t>
+            </a:r>
+            <a:endParaRPr lang="en-US" sz="1200" dirty="0"/>
           </a:p>
         </p:txBody>
       </p:sp>
@@ -10077,7 +12298,7 @@
             <p:ph idx="1"/>
             <p:extLst>
               <p:ext uri="{D42A27DB-BD31-4B8C-83A1-F6EECF244321}">
-                <p14:modId xmlns:p14="http://schemas.microsoft.com/office/powerpoint/2010/main" val="2594176169"/>
+                <p14:modId xmlns:p14="http://schemas.microsoft.com/office/powerpoint/2010/main" val="1089257122"/>
               </p:ext>
             </p:extLst>
           </p:nvPr>
@@ -10112,6 +12333,74 @@
               <a:t>9</a:t>
             </a:fld>
             <a:endParaRPr lang="en-US"/>
+          </a:p>
+        </p:txBody>
+      </p:sp>
+      <p:sp>
+        <p:nvSpPr>
+          <p:cNvPr id="6" name="TextBox 5"/>
+          <p:cNvSpPr txBox="1"/>
+          <p:nvPr/>
+        </p:nvSpPr>
+        <p:spPr>
+          <a:xfrm>
+            <a:off x="7582753" y="2121319"/>
+            <a:ext cx="986375" cy="276999"/>
+          </a:xfrm>
+          <a:prstGeom prst="rect">
+            <a:avLst/>
+          </a:prstGeom>
+          <a:noFill/>
+        </p:spPr>
+        <p:txBody>
+          <a:bodyPr wrap="square" rtlCol="0">
+            <a:spAutoFit/>
+          </a:bodyPr>
+          <a:lstStyle/>
+          <a:p>
+            <a:r>
+              <a:rPr lang="en-US" sz="1200" dirty="0" smtClean="0"/>
+              <a:t> 46.84 </a:t>
+            </a:r>
+            <a:r>
+              <a:rPr lang="en-US" sz="1200" dirty="0" err="1" smtClean="0"/>
+              <a:t>mins</a:t>
+            </a:r>
+            <a:endParaRPr lang="en-US" sz="1200" dirty="0"/>
+          </a:p>
+        </p:txBody>
+      </p:sp>
+      <p:sp>
+        <p:nvSpPr>
+          <p:cNvPr id="7" name="TextBox 6"/>
+          <p:cNvSpPr txBox="1"/>
+          <p:nvPr/>
+        </p:nvSpPr>
+        <p:spPr>
+          <a:xfrm>
+            <a:off x="7582753" y="3083713"/>
+            <a:ext cx="986375" cy="276999"/>
+          </a:xfrm>
+          <a:prstGeom prst="rect">
+            <a:avLst/>
+          </a:prstGeom>
+          <a:noFill/>
+        </p:spPr>
+        <p:txBody>
+          <a:bodyPr wrap="square" rtlCol="0">
+            <a:spAutoFit/>
+          </a:bodyPr>
+          <a:lstStyle/>
+          <a:p>
+            <a:r>
+              <a:rPr lang="en-US" sz="1200" dirty="0" smtClean="0"/>
+              <a:t> 32.87 </a:t>
+            </a:r>
+            <a:r>
+              <a:rPr lang="en-US" sz="1200" dirty="0" err="1" smtClean="0"/>
+              <a:t>mins</a:t>
+            </a:r>
+            <a:endParaRPr lang="en-US" sz="1200" dirty="0"/>
           </a:p>
         </p:txBody>
       </p:sp>
